--- a/Presentation.pptx
+++ b/Presentation.pptx
@@ -8,7 +8,11 @@
     <p:sldId id="256" r:id="rId2"/>
     <p:sldId id="257" r:id="rId3"/>
     <p:sldId id="258" r:id="rId4"/>
-    <p:sldId id="259" r:id="rId5"/>
+    <p:sldId id="261" r:id="rId5"/>
+    <p:sldId id="262" r:id="rId6"/>
+    <p:sldId id="263" r:id="rId7"/>
+    <p:sldId id="259" r:id="rId8"/>
+    <p:sldId id="260" r:id="rId9"/>
   </p:sldIdLst>
   <p:sldSz cx="9144000" cy="6858000" type="screen4x3"/>
   <p:notesSz cx="6858000" cy="9144000"/>
@@ -3209,7 +3213,11 @@
           <a:bodyPr/>
           <a:lstStyle/>
           <a:p>
-            <a:endParaRPr lang="en-US"/>
+            <a:r>
+              <a:rPr lang="en-US" dirty="0" smtClean="0"/>
+              <a:t>Intro	</a:t>
+            </a:r>
+            <a:endParaRPr lang="en-US" dirty="0"/>
           </a:p>
         </p:txBody>
       </p:sp>
@@ -3225,10 +3233,241 @@
         </p:nvSpPr>
         <p:spPr/>
         <p:txBody>
-          <a:bodyPr/>
-          <a:lstStyle/>
-          <a:p>
-            <a:endParaRPr lang="en-US"/>
+          <a:bodyPr>
+            <a:normAutofit fontScale="62500" lnSpcReduction="20000"/>
+          </a:bodyPr>
+          <a:lstStyle/>
+          <a:p>
+            <a:r>
+              <a:rPr lang="en-US" dirty="0" smtClean="0"/>
+              <a:t>Presenting </a:t>
+            </a:r>
+            <a:r>
+              <a:rPr lang="en-US" dirty="0" err="1" smtClean="0"/>
+              <a:t>WiBi</a:t>
+            </a:r>
+            <a:endParaRPr lang="en-US" dirty="0" smtClean="0"/>
+          </a:p>
+          <a:p>
+            <a:pPr lvl="1"/>
+            <a:r>
+              <a:rPr lang="en-US" dirty="0" smtClean="0"/>
+              <a:t>a </a:t>
+            </a:r>
+            <a:r>
+              <a:rPr lang="en-US" dirty="0"/>
+              <a:t>biased Medium Access Control (MAC) protocol for </a:t>
+            </a:r>
+            <a:r>
+              <a:rPr lang="en-US" dirty="0" err="1" smtClean="0"/>
+              <a:t>WiFi</a:t>
+            </a:r>
+            <a:endParaRPr lang="en-US" dirty="0" smtClean="0"/>
+          </a:p>
+          <a:p>
+            <a:r>
+              <a:rPr lang="en-US" dirty="0" smtClean="0"/>
+              <a:t>Standard </a:t>
+            </a:r>
+            <a:r>
+              <a:rPr lang="en-US" dirty="0" err="1" smtClean="0"/>
+              <a:t>WiFi</a:t>
+            </a:r>
+            <a:endParaRPr lang="en-US" dirty="0" smtClean="0"/>
+          </a:p>
+          <a:p>
+            <a:pPr lvl="1"/>
+            <a:r>
+              <a:rPr lang="en-US" dirty="0"/>
+              <a:t>S</a:t>
+            </a:r>
+            <a:r>
+              <a:rPr lang="en-US" dirty="0" smtClean="0"/>
+              <a:t>lotted Aloha</a:t>
+            </a:r>
+            <a:endParaRPr lang="en-US" dirty="0"/>
+          </a:p>
+          <a:p>
+            <a:pPr lvl="2"/>
+            <a:r>
+              <a:rPr lang="en-US" dirty="0" smtClean="0"/>
+              <a:t>Carrier Sense Multiple Access and Collision Avoidance (CSMA/CA)</a:t>
+            </a:r>
+          </a:p>
+          <a:p>
+            <a:pPr lvl="1"/>
+            <a:r>
+              <a:rPr lang="en-US" dirty="0"/>
+              <a:t>A</a:t>
+            </a:r>
+            <a:r>
+              <a:rPr lang="en-US" dirty="0" smtClean="0"/>
+              <a:t> </a:t>
+            </a:r>
+            <a:r>
+              <a:rPr lang="en-US" dirty="0"/>
+              <a:t>fair packet access scheme </a:t>
+            </a:r>
+            <a:endParaRPr lang="en-US" dirty="0" smtClean="0"/>
+          </a:p>
+          <a:p>
+            <a:pPr lvl="2"/>
+            <a:r>
+              <a:rPr lang="en-US" dirty="0"/>
+              <a:t>S</a:t>
+            </a:r>
+            <a:r>
+              <a:rPr lang="en-US" dirty="0" smtClean="0"/>
+              <a:t>imilar </a:t>
+            </a:r>
+            <a:r>
+              <a:rPr lang="en-US" dirty="0"/>
+              <a:t>to Processor Sharing </a:t>
+            </a:r>
+            <a:endParaRPr lang="en-US" dirty="0" smtClean="0"/>
+          </a:p>
+          <a:p>
+            <a:r>
+              <a:rPr lang="en-US" dirty="0" smtClean="0"/>
+              <a:t>Biased </a:t>
+            </a:r>
+            <a:r>
+              <a:rPr lang="en-US" dirty="0"/>
+              <a:t>scheduling </a:t>
+            </a:r>
+            <a:r>
+              <a:rPr lang="en-US" dirty="0" smtClean="0"/>
+              <a:t>approaches</a:t>
+            </a:r>
+          </a:p>
+          <a:p>
+            <a:pPr lvl="1"/>
+            <a:r>
+              <a:rPr lang="en-US" dirty="0" smtClean="0"/>
+              <a:t>Shortest </a:t>
+            </a:r>
+            <a:r>
+              <a:rPr lang="en-US" dirty="0"/>
+              <a:t>Remaining Processing Time (SRPT</a:t>
+            </a:r>
+            <a:r>
+              <a:rPr lang="en-US" dirty="0" smtClean="0"/>
+              <a:t>) </a:t>
+            </a:r>
+          </a:p>
+          <a:p>
+            <a:pPr lvl="1"/>
+            <a:r>
+              <a:rPr lang="en-US" dirty="0"/>
+              <a:t>Y</a:t>
+            </a:r>
+            <a:r>
+              <a:rPr lang="en-US" dirty="0" smtClean="0"/>
+              <a:t>ield </a:t>
+            </a:r>
+            <a:r>
+              <a:rPr lang="en-US" dirty="0"/>
+              <a:t>better throughput and faster expected completion times than </a:t>
+            </a:r>
+            <a:r>
+              <a:rPr lang="en-US" dirty="0" smtClean="0"/>
+              <a:t>PS</a:t>
+            </a:r>
+          </a:p>
+          <a:p>
+            <a:r>
+              <a:rPr lang="en-US" dirty="0" smtClean="0"/>
+              <a:t>The </a:t>
+            </a:r>
+            <a:r>
+              <a:rPr lang="en-US" dirty="0" err="1"/>
+              <a:t>WiBi</a:t>
+            </a:r>
+            <a:r>
+              <a:rPr lang="en-US" dirty="0"/>
+              <a:t> MAC </a:t>
+            </a:r>
+            <a:r>
+              <a:rPr lang="en-US" dirty="0" smtClean="0"/>
+              <a:t>approximates </a:t>
+            </a:r>
+            <a:r>
+              <a:rPr lang="en-US" dirty="0"/>
+              <a:t>SRPT </a:t>
+            </a:r>
+            <a:endParaRPr lang="en-US" dirty="0" smtClean="0"/>
+          </a:p>
+          <a:p>
+            <a:pPr lvl="1"/>
+            <a:r>
+              <a:rPr lang="en-US" dirty="0"/>
+              <a:t>G</a:t>
+            </a:r>
+            <a:r>
+              <a:rPr lang="en-US" dirty="0" smtClean="0"/>
+              <a:t>reater </a:t>
+            </a:r>
+            <a:r>
+              <a:rPr lang="en-US" dirty="0"/>
+              <a:t>throughput and utilization of the wireless </a:t>
+            </a:r>
+            <a:r>
+              <a:rPr lang="en-US" dirty="0" smtClean="0"/>
+              <a:t>medium</a:t>
+            </a:r>
+          </a:p>
+          <a:p>
+            <a:r>
+              <a:rPr lang="en-US" dirty="0" err="1" smtClean="0"/>
+              <a:t>WiBi</a:t>
+            </a:r>
+            <a:r>
+              <a:rPr lang="en-US" dirty="0" smtClean="0"/>
+              <a:t> Operation</a:t>
+            </a:r>
+          </a:p>
+          <a:p>
+            <a:pPr lvl="1"/>
+            <a:r>
+              <a:rPr lang="en-US" dirty="0"/>
+              <a:t>E</a:t>
+            </a:r>
+            <a:r>
+              <a:rPr lang="en-US" dirty="0" smtClean="0"/>
+              <a:t>ach </a:t>
+            </a:r>
+            <a:r>
+              <a:rPr lang="en-US" dirty="0"/>
+              <a:t>node </a:t>
+            </a:r>
+            <a:r>
+              <a:rPr lang="en-US" dirty="0" smtClean="0"/>
+              <a:t>chooses </a:t>
+            </a:r>
+            <a:r>
+              <a:rPr lang="en-US" dirty="0"/>
+              <a:t>a maximum potential back off time </a:t>
+            </a:r>
+            <a:endParaRPr lang="en-US" dirty="0" smtClean="0"/>
+          </a:p>
+          <a:p>
+            <a:pPr lvl="2"/>
+            <a:r>
+              <a:rPr lang="en-US" dirty="0"/>
+              <a:t>P</a:t>
+            </a:r>
+            <a:r>
+              <a:rPr lang="en-US" dirty="0" smtClean="0"/>
+              <a:t>roportional </a:t>
+            </a:r>
+            <a:r>
+              <a:rPr lang="en-US" dirty="0"/>
+              <a:t>to the number of packets that are ready to </a:t>
+            </a:r>
+            <a:r>
+              <a:rPr lang="en-US" dirty="0" smtClean="0"/>
+              <a:t>send</a:t>
+            </a:r>
           </a:p>
         </p:txBody>
       </p:sp>
@@ -3277,7 +3516,11 @@
           <a:bodyPr/>
           <a:lstStyle/>
           <a:p>
-            <a:endParaRPr lang="en-US"/>
+            <a:r>
+              <a:rPr lang="en-US" dirty="0" smtClean="0"/>
+              <a:t>Our Approaches</a:t>
+            </a:r>
+            <a:endParaRPr lang="en-US" dirty="0"/>
           </a:p>
         </p:txBody>
       </p:sp>
@@ -3293,10 +3536,41 @@
         </p:nvSpPr>
         <p:spPr/>
         <p:txBody>
-          <a:bodyPr/>
-          <a:lstStyle/>
-          <a:p>
-            <a:endParaRPr lang="en-US"/>
+          <a:bodyPr>
+            <a:normAutofit/>
+          </a:bodyPr>
+          <a:lstStyle/>
+          <a:p>
+            <a:r>
+              <a:rPr lang="en-US" sz="2800" dirty="0" smtClean="0"/>
+              <a:t>SRPT</a:t>
+            </a:r>
+          </a:p>
+          <a:p>
+            <a:r>
+              <a:rPr lang="en-US" sz="2800" dirty="0" smtClean="0"/>
+              <a:t>Current number of frames with random </a:t>
+            </a:r>
+            <a:r>
+              <a:rPr lang="en-US" sz="2800" dirty="0" err="1" smtClean="0"/>
+              <a:t>backoff</a:t>
+            </a:r>
+            <a:endParaRPr lang="en-US" sz="2800" dirty="0" smtClean="0"/>
+          </a:p>
+          <a:p>
+            <a:r>
+              <a:rPr lang="en-US" sz="2800" dirty="0" smtClean="0"/>
+              <a:t>Dynamic </a:t>
+            </a:r>
+            <a:r>
+              <a:rPr lang="en-US" sz="2800" dirty="0" err="1" smtClean="0"/>
+              <a:t>backoff</a:t>
+            </a:r>
+            <a:r>
+              <a:rPr lang="en-US" sz="2800" dirty="0" smtClean="0"/>
+              <a:t> based on congestion</a:t>
+            </a:r>
+            <a:endParaRPr lang="en-US" sz="2800" dirty="0"/>
           </a:p>
         </p:txBody>
       </p:sp>
@@ -3345,7 +3619,239 @@
           <a:bodyPr/>
           <a:lstStyle/>
           <a:p>
-            <a:endParaRPr lang="en-US"/>
+            <a:r>
+              <a:rPr lang="en-US" dirty="0" smtClean="0"/>
+              <a:t>SRPT</a:t>
+            </a:r>
+            <a:endParaRPr lang="en-US" dirty="0"/>
+          </a:p>
+        </p:txBody>
+      </p:sp>
+      <p:sp>
+        <p:nvSpPr>
+          <p:cNvPr id="3" name="Content Placeholder 2"/>
+          <p:cNvSpPr>
+            <a:spLocks noGrp="1"/>
+          </p:cNvSpPr>
+          <p:nvPr>
+            <p:ph idx="1"/>
+          </p:nvPr>
+        </p:nvSpPr>
+        <p:spPr/>
+        <p:txBody>
+          <a:bodyPr/>
+          <a:lstStyle/>
+          <a:p>
+            <a:endParaRPr lang="en-US"/>
+          </a:p>
+        </p:txBody>
+      </p:sp>
+    </p:spTree>
+    <p:extLst>
+      <p:ext uri="{BB962C8B-B14F-4D97-AF65-F5344CB8AC3E}">
+        <p14:creationId xmlns:p14="http://schemas.microsoft.com/office/powerpoint/2010/main" val="316588865"/>
+      </p:ext>
+    </p:extLst>
+  </p:cSld>
+  <p:clrMapOvr>
+    <a:masterClrMapping/>
+  </p:clrMapOvr>
+</p:sld>
+</file>
+
+<file path=ppt/slides/slide5.xml><?xml version="1.0" encoding="utf-8"?>
+<p:sld xmlns:a="http://schemas.openxmlformats.org/drawingml/2006/main" xmlns:r="http://schemas.openxmlformats.org/officeDocument/2006/relationships" xmlns:p="http://schemas.openxmlformats.org/presentationml/2006/main">
+  <p:cSld>
+    <p:spTree>
+      <p:nvGrpSpPr>
+        <p:cNvPr id="1" name=""/>
+        <p:cNvGrpSpPr/>
+        <p:nvPr/>
+      </p:nvGrpSpPr>
+      <p:grpSpPr>
+        <a:xfrm>
+          <a:off x="0" y="0"/>
+          <a:ext cx="0" cy="0"/>
+          <a:chOff x="0" y="0"/>
+          <a:chExt cx="0" cy="0"/>
+        </a:xfrm>
+      </p:grpSpPr>
+      <p:sp>
+        <p:nvSpPr>
+          <p:cNvPr id="2" name="Title 1"/>
+          <p:cNvSpPr>
+            <a:spLocks noGrp="1"/>
+          </p:cNvSpPr>
+          <p:nvPr>
+            <p:ph type="title"/>
+          </p:nvPr>
+        </p:nvSpPr>
+        <p:spPr/>
+        <p:txBody>
+          <a:bodyPr/>
+          <a:lstStyle/>
+          <a:p>
+            <a:r>
+              <a:rPr lang="en-US" dirty="0" smtClean="0"/>
+              <a:t>Frame Counter</a:t>
+            </a:r>
+            <a:endParaRPr lang="en-US" dirty="0"/>
+          </a:p>
+        </p:txBody>
+      </p:sp>
+      <p:sp>
+        <p:nvSpPr>
+          <p:cNvPr id="3" name="Content Placeholder 2"/>
+          <p:cNvSpPr>
+            <a:spLocks noGrp="1"/>
+          </p:cNvSpPr>
+          <p:nvPr>
+            <p:ph idx="1"/>
+          </p:nvPr>
+        </p:nvSpPr>
+        <p:spPr/>
+        <p:txBody>
+          <a:bodyPr/>
+          <a:lstStyle/>
+          <a:p>
+            <a:endParaRPr lang="en-US"/>
+          </a:p>
+        </p:txBody>
+      </p:sp>
+    </p:spTree>
+    <p:extLst>
+      <p:ext uri="{BB962C8B-B14F-4D97-AF65-F5344CB8AC3E}">
+        <p14:creationId xmlns:p14="http://schemas.microsoft.com/office/powerpoint/2010/main" val="2643219066"/>
+      </p:ext>
+    </p:extLst>
+  </p:cSld>
+  <p:clrMapOvr>
+    <a:masterClrMapping/>
+  </p:clrMapOvr>
+</p:sld>
+</file>
+
+<file path=ppt/slides/slide6.xml><?xml version="1.0" encoding="utf-8"?>
+<p:sld xmlns:a="http://schemas.openxmlformats.org/drawingml/2006/main" xmlns:r="http://schemas.openxmlformats.org/officeDocument/2006/relationships" xmlns:p="http://schemas.openxmlformats.org/presentationml/2006/main">
+  <p:cSld>
+    <p:spTree>
+      <p:nvGrpSpPr>
+        <p:cNvPr id="1" name=""/>
+        <p:cNvGrpSpPr/>
+        <p:nvPr/>
+      </p:nvGrpSpPr>
+      <p:grpSpPr>
+        <a:xfrm>
+          <a:off x="0" y="0"/>
+          <a:ext cx="0" cy="0"/>
+          <a:chOff x="0" y="0"/>
+          <a:chExt cx="0" cy="0"/>
+        </a:xfrm>
+      </p:grpSpPr>
+      <p:sp>
+        <p:nvSpPr>
+          <p:cNvPr id="2" name="Title 1"/>
+          <p:cNvSpPr>
+            <a:spLocks noGrp="1"/>
+          </p:cNvSpPr>
+          <p:nvPr>
+            <p:ph type="title"/>
+          </p:nvPr>
+        </p:nvSpPr>
+        <p:spPr/>
+        <p:txBody>
+          <a:bodyPr/>
+          <a:lstStyle/>
+          <a:p>
+            <a:r>
+              <a:rPr lang="en-US" dirty="0" smtClean="0"/>
+              <a:t>Dynamic </a:t>
+            </a:r>
+            <a:r>
+              <a:rPr lang="en-US" dirty="0" err="1" smtClean="0"/>
+              <a:t>Backoff</a:t>
+            </a:r>
+            <a:endParaRPr lang="en-US" dirty="0"/>
+          </a:p>
+        </p:txBody>
+      </p:sp>
+      <p:sp>
+        <p:nvSpPr>
+          <p:cNvPr id="3" name="Content Placeholder 2"/>
+          <p:cNvSpPr>
+            <a:spLocks noGrp="1"/>
+          </p:cNvSpPr>
+          <p:nvPr>
+            <p:ph idx="1"/>
+          </p:nvPr>
+        </p:nvSpPr>
+        <p:spPr/>
+        <p:txBody>
+          <a:bodyPr/>
+          <a:lstStyle/>
+          <a:p>
+            <a:endParaRPr lang="en-US"/>
+          </a:p>
+        </p:txBody>
+      </p:sp>
+    </p:spTree>
+    <p:extLst>
+      <p:ext uri="{BB962C8B-B14F-4D97-AF65-F5344CB8AC3E}">
+        <p14:creationId xmlns:p14="http://schemas.microsoft.com/office/powerpoint/2010/main" val="380755770"/>
+      </p:ext>
+    </p:extLst>
+  </p:cSld>
+  <p:clrMapOvr>
+    <a:masterClrMapping/>
+  </p:clrMapOvr>
+</p:sld>
+</file>
+
+<file path=ppt/slides/slide7.xml><?xml version="1.0" encoding="utf-8"?>
+<p:sld xmlns:a="http://schemas.openxmlformats.org/drawingml/2006/main" xmlns:r="http://schemas.openxmlformats.org/officeDocument/2006/relationships" xmlns:p="http://schemas.openxmlformats.org/presentationml/2006/main">
+  <p:cSld>
+    <p:spTree>
+      <p:nvGrpSpPr>
+        <p:cNvPr id="1" name=""/>
+        <p:cNvGrpSpPr/>
+        <p:nvPr/>
+      </p:nvGrpSpPr>
+      <p:grpSpPr>
+        <a:xfrm>
+          <a:off x="0" y="0"/>
+          <a:ext cx="0" cy="0"/>
+          <a:chOff x="0" y="0"/>
+          <a:chExt cx="0" cy="0"/>
+        </a:xfrm>
+      </p:grpSpPr>
+      <p:sp>
+        <p:nvSpPr>
+          <p:cNvPr id="2" name="Title 1"/>
+          <p:cNvSpPr>
+            <a:spLocks noGrp="1"/>
+          </p:cNvSpPr>
+          <p:nvPr>
+            <p:ph type="title"/>
+          </p:nvPr>
+        </p:nvSpPr>
+        <p:spPr/>
+        <p:txBody>
+          <a:bodyPr/>
+          <a:lstStyle/>
+          <a:p>
+            <a:r>
+              <a:rPr lang="en-US" dirty="0" smtClean="0"/>
+              <a:t>Things </a:t>
+            </a:r>
+            <a:r>
+              <a:rPr lang="en-US" dirty="0"/>
+              <a:t>W</a:t>
+            </a:r>
+            <a:r>
+              <a:rPr lang="en-US" dirty="0" smtClean="0"/>
+              <a:t>e Learned</a:t>
+            </a:r>
+            <a:endParaRPr lang="en-US" dirty="0"/>
           </a:p>
         </p:txBody>
       </p:sp>
@@ -3372,6 +3878,78 @@
     <p:extLst>
       <p:ext uri="{BB962C8B-B14F-4D97-AF65-F5344CB8AC3E}">
         <p14:creationId xmlns:p14="http://schemas.microsoft.com/office/powerpoint/2010/main" val="205034036"/>
+      </p:ext>
+    </p:extLst>
+  </p:cSld>
+  <p:clrMapOvr>
+    <a:masterClrMapping/>
+  </p:clrMapOvr>
+</p:sld>
+</file>
+
+<file path=ppt/slides/slide8.xml><?xml version="1.0" encoding="utf-8"?>
+<p:sld xmlns:a="http://schemas.openxmlformats.org/drawingml/2006/main" xmlns:r="http://schemas.openxmlformats.org/officeDocument/2006/relationships" xmlns:p="http://schemas.openxmlformats.org/presentationml/2006/main">
+  <p:cSld>
+    <p:spTree>
+      <p:nvGrpSpPr>
+        <p:cNvPr id="1" name=""/>
+        <p:cNvGrpSpPr/>
+        <p:nvPr/>
+      </p:nvGrpSpPr>
+      <p:grpSpPr>
+        <a:xfrm>
+          <a:off x="0" y="0"/>
+          <a:ext cx="0" cy="0"/>
+          <a:chOff x="0" y="0"/>
+          <a:chExt cx="0" cy="0"/>
+        </a:xfrm>
+      </p:grpSpPr>
+      <p:sp>
+        <p:nvSpPr>
+          <p:cNvPr id="2" name="Title 1"/>
+          <p:cNvSpPr>
+            <a:spLocks noGrp="1"/>
+          </p:cNvSpPr>
+          <p:nvPr>
+            <p:ph type="title"/>
+          </p:nvPr>
+        </p:nvSpPr>
+        <p:spPr/>
+        <p:txBody>
+          <a:bodyPr/>
+          <a:lstStyle/>
+          <a:p>
+            <a:r>
+              <a:rPr lang="en-US" dirty="0" smtClean="0"/>
+              <a:t>Related Work</a:t>
+            </a:r>
+            <a:endParaRPr lang="en-US" dirty="0"/>
+          </a:p>
+        </p:txBody>
+      </p:sp>
+      <p:sp>
+        <p:nvSpPr>
+          <p:cNvPr id="3" name="Content Placeholder 2"/>
+          <p:cNvSpPr>
+            <a:spLocks noGrp="1"/>
+          </p:cNvSpPr>
+          <p:nvPr>
+            <p:ph idx="1"/>
+          </p:nvPr>
+        </p:nvSpPr>
+        <p:spPr/>
+        <p:txBody>
+          <a:bodyPr/>
+          <a:lstStyle/>
+          <a:p>
+            <a:endParaRPr lang="en-US"/>
+          </a:p>
+        </p:txBody>
+      </p:sp>
+    </p:spTree>
+    <p:extLst>
+      <p:ext uri="{BB962C8B-B14F-4D97-AF65-F5344CB8AC3E}">
+        <p14:creationId xmlns:p14="http://schemas.microsoft.com/office/powerpoint/2010/main" val="1462519565"/>
       </p:ext>
     </p:extLst>
   </p:cSld>

--- a/Presentation.pptx
+++ b/Presentation.pptx
@@ -111,6 +111,22 @@
       </a:defRPr>
     </a:lvl9pPr>
   </p:defaultTextStyle>
+  <p:extLst>
+    <p:ext uri="{EFAFB233-063F-42B5-8137-9DF3F51BA10A}">
+      <p15:sldGuideLst xmlns:p15="http://schemas.microsoft.com/office/powerpoint/2012/main">
+        <p15:guide id="1" orient="horz" pos="2160">
+          <p15:clr>
+            <a:srgbClr val="A4A3A4"/>
+          </p15:clr>
+        </p15:guide>
+        <p15:guide id="2" pos="2880">
+          <p15:clr>
+            <a:srgbClr val="A4A3A4"/>
+          </p15:clr>
+        </p15:guide>
+      </p15:sldGuideLst>
+    </p:ext>
+  </p:extLst>
 </p:presentation>
 </file>
 
@@ -295,7 +311,7 @@
           <a:p>
             <a:fld id="{60D67E45-172B-9941-AA88-D5D1B7ED3BBB}" type="datetimeFigureOut">
               <a:rPr lang="en-US" smtClean="0"/>
-              <a:t>12/1/14</a:t>
+              <a:t>12/2/2014</a:t>
             </a:fld>
             <a:endParaRPr lang="en-US"/>
           </a:p>
@@ -465,7 +481,7 @@
           <a:p>
             <a:fld id="{60D67E45-172B-9941-AA88-D5D1B7ED3BBB}" type="datetimeFigureOut">
               <a:rPr lang="en-US" smtClean="0"/>
-              <a:t>12/1/14</a:t>
+              <a:t>12/2/2014</a:t>
             </a:fld>
             <a:endParaRPr lang="en-US"/>
           </a:p>
@@ -645,7 +661,7 @@
           <a:p>
             <a:fld id="{60D67E45-172B-9941-AA88-D5D1B7ED3BBB}" type="datetimeFigureOut">
               <a:rPr lang="en-US" smtClean="0"/>
-              <a:t>12/1/14</a:t>
+              <a:t>12/2/2014</a:t>
             </a:fld>
             <a:endParaRPr lang="en-US"/>
           </a:p>
@@ -815,7 +831,7 @@
           <a:p>
             <a:fld id="{60D67E45-172B-9941-AA88-D5D1B7ED3BBB}" type="datetimeFigureOut">
               <a:rPr lang="en-US" smtClean="0"/>
-              <a:t>12/1/14</a:t>
+              <a:t>12/2/2014</a:t>
             </a:fld>
             <a:endParaRPr lang="en-US"/>
           </a:p>
@@ -1061,7 +1077,7 @@
           <a:p>
             <a:fld id="{60D67E45-172B-9941-AA88-D5D1B7ED3BBB}" type="datetimeFigureOut">
               <a:rPr lang="en-US" smtClean="0"/>
-              <a:t>12/1/14</a:t>
+              <a:t>12/2/2014</a:t>
             </a:fld>
             <a:endParaRPr lang="en-US"/>
           </a:p>
@@ -1349,7 +1365,7 @@
           <a:p>
             <a:fld id="{60D67E45-172B-9941-AA88-D5D1B7ED3BBB}" type="datetimeFigureOut">
               <a:rPr lang="en-US" smtClean="0"/>
-              <a:t>12/1/14</a:t>
+              <a:t>12/2/2014</a:t>
             </a:fld>
             <a:endParaRPr lang="en-US"/>
           </a:p>
@@ -1771,7 +1787,7 @@
           <a:p>
             <a:fld id="{60D67E45-172B-9941-AA88-D5D1B7ED3BBB}" type="datetimeFigureOut">
               <a:rPr lang="en-US" smtClean="0"/>
-              <a:t>12/1/14</a:t>
+              <a:t>12/2/2014</a:t>
             </a:fld>
             <a:endParaRPr lang="en-US"/>
           </a:p>
@@ -1889,7 +1905,7 @@
           <a:p>
             <a:fld id="{60D67E45-172B-9941-AA88-D5D1B7ED3BBB}" type="datetimeFigureOut">
               <a:rPr lang="en-US" smtClean="0"/>
-              <a:t>12/1/14</a:t>
+              <a:t>12/2/2014</a:t>
             </a:fld>
             <a:endParaRPr lang="en-US"/>
           </a:p>
@@ -1984,7 +2000,7 @@
           <a:p>
             <a:fld id="{60D67E45-172B-9941-AA88-D5D1B7ED3BBB}" type="datetimeFigureOut">
               <a:rPr lang="en-US" smtClean="0"/>
-              <a:t>12/1/14</a:t>
+              <a:t>12/2/2014</a:t>
             </a:fld>
             <a:endParaRPr lang="en-US"/>
           </a:p>
@@ -2261,7 +2277,7 @@
           <a:p>
             <a:fld id="{60D67E45-172B-9941-AA88-D5D1B7ED3BBB}" type="datetimeFigureOut">
               <a:rPr lang="en-US" smtClean="0"/>
-              <a:t>12/1/14</a:t>
+              <a:t>12/2/2014</a:t>
             </a:fld>
             <a:endParaRPr lang="en-US"/>
           </a:p>
@@ -2514,7 +2530,7 @@
           <a:p>
             <a:fld id="{60D67E45-172B-9941-AA88-D5D1B7ED3BBB}" type="datetimeFigureOut">
               <a:rPr lang="en-US" smtClean="0"/>
-              <a:t>12/1/14</a:t>
+              <a:t>12/2/2014</a:t>
             </a:fld>
             <a:endParaRPr lang="en-US"/>
           </a:p>
@@ -2727,7 +2743,7 @@
           <a:p>
             <a:fld id="{60D67E45-172B-9941-AA88-D5D1B7ED3BBB}" type="datetimeFigureOut">
               <a:rPr lang="en-US" smtClean="0"/>
-              <a:t>12/1/14</a:t>
+              <a:t>12/2/2014</a:t>
             </a:fld>
             <a:endParaRPr lang="en-US"/>
           </a:p>
@@ -3870,7 +3886,7 @@
           <a:bodyPr/>
           <a:lstStyle/>
           <a:p>
-            <a:endParaRPr lang="en-US"/>
+            <a:endParaRPr lang="en-US" dirty="0"/>
           </a:p>
         </p:txBody>
       </p:sp>
@@ -3939,10 +3955,42 @@
         </p:nvSpPr>
         <p:spPr/>
         <p:txBody>
-          <a:bodyPr/>
-          <a:lstStyle/>
-          <a:p>
-            <a:endParaRPr lang="en-US"/>
+          <a:bodyPr>
+            <a:normAutofit/>
+          </a:bodyPr>
+          <a:lstStyle/>
+          <a:p>
+            <a:r>
+              <a:rPr lang="en-US" sz="1600" dirty="0" smtClean="0"/>
+              <a:t>SRPT: Our work regarding SRPT was based off of a similar problem regarding scheduling requests to a web server. Since the web server interacts on the application layer, the web server has to worry about things such as collisions and data loss due to the routing of the network protocol. This caused the advantage of SRPT in wireless networks to diminish. However, due to the point-to-point nature of the MAC sub-layer, data loss due to routing is not something we need to worry about. </a:t>
+            </a:r>
+          </a:p>
+          <a:p>
+            <a:r>
+              <a:rPr lang="en-US" sz="1600" dirty="0" smtClean="0"/>
+              <a:t>Frame Counter: This is a variation of slotted aloha, however instead of a static </a:t>
+            </a:r>
+            <a:r>
+              <a:rPr lang="en-US" sz="1600" dirty="0" err="1" smtClean="0"/>
+              <a:t>backoff</a:t>
+            </a:r>
+            <a:r>
+              <a:rPr lang="en-US" sz="1600" dirty="0" smtClean="0"/>
+              <a:t> counter, a random </a:t>
+            </a:r>
+            <a:r>
+              <a:rPr lang="en-US" sz="1600" dirty="0" err="1" smtClean="0"/>
+              <a:t>backoff</a:t>
+            </a:r>
+            <a:r>
+              <a:rPr lang="en-US" sz="1600" dirty="0" smtClean="0"/>
+              <a:t> is utilized whenever a collision </a:t>
+            </a:r>
+            <a:r>
+              <a:rPr lang="en-US" sz="1600" smtClean="0"/>
+              <a:t>occurs.</a:t>
+            </a:r>
+            <a:endParaRPr lang="en-US" sz="1600" dirty="0" smtClean="0"/>
           </a:p>
         </p:txBody>
       </p:sp>

--- a/Presentation.pptx
+++ b/Presentation.pptx
@@ -8,9 +8,9 @@
     <p:sldId id="256" r:id="rId2"/>
     <p:sldId id="257" r:id="rId3"/>
     <p:sldId id="258" r:id="rId4"/>
-    <p:sldId id="261" r:id="rId5"/>
-    <p:sldId id="262" r:id="rId6"/>
-    <p:sldId id="263" r:id="rId7"/>
+    <p:sldId id="264" r:id="rId5"/>
+    <p:sldId id="265" r:id="rId6"/>
+    <p:sldId id="266" r:id="rId7"/>
     <p:sldId id="259" r:id="rId8"/>
     <p:sldId id="260" r:id="rId9"/>
   </p:sldIdLst>
@@ -113,7 +113,7 @@
   </p:defaultTextStyle>
   <p:extLst>
     <p:ext uri="{EFAFB233-063F-42B5-8137-9DF3F51BA10A}">
-      <p15:sldGuideLst xmlns:p15="http://schemas.microsoft.com/office/powerpoint/2012/main">
+      <p15:sldGuideLst xmlns:p15="http://schemas.microsoft.com/office/powerpoint/2012/main" xmlns="">
         <p15:guide id="1" orient="horz" pos="2160">
           <p15:clr>
             <a:srgbClr val="A4A3A4"/>
@@ -311,7 +311,7 @@
           <a:p>
             <a:fld id="{60D67E45-172B-9941-AA88-D5D1B7ED3BBB}" type="datetimeFigureOut">
               <a:rPr lang="en-US" smtClean="0"/>
-              <a:t>12/2/2014</a:t>
+              <a:t>12/2/14</a:t>
             </a:fld>
             <a:endParaRPr lang="en-US"/>
           </a:p>
@@ -481,7 +481,7 @@
           <a:p>
             <a:fld id="{60D67E45-172B-9941-AA88-D5D1B7ED3BBB}" type="datetimeFigureOut">
               <a:rPr lang="en-US" smtClean="0"/>
-              <a:t>12/2/2014</a:t>
+              <a:t>12/2/14</a:t>
             </a:fld>
             <a:endParaRPr lang="en-US"/>
           </a:p>
@@ -661,7 +661,7 @@
           <a:p>
             <a:fld id="{60D67E45-172B-9941-AA88-D5D1B7ED3BBB}" type="datetimeFigureOut">
               <a:rPr lang="en-US" smtClean="0"/>
-              <a:t>12/2/2014</a:t>
+              <a:t>12/2/14</a:t>
             </a:fld>
             <a:endParaRPr lang="en-US"/>
           </a:p>
@@ -831,7 +831,7 @@
           <a:p>
             <a:fld id="{60D67E45-172B-9941-AA88-D5D1B7ED3BBB}" type="datetimeFigureOut">
               <a:rPr lang="en-US" smtClean="0"/>
-              <a:t>12/2/2014</a:t>
+              <a:t>12/2/14</a:t>
             </a:fld>
             <a:endParaRPr lang="en-US"/>
           </a:p>
@@ -1077,7 +1077,7 @@
           <a:p>
             <a:fld id="{60D67E45-172B-9941-AA88-D5D1B7ED3BBB}" type="datetimeFigureOut">
               <a:rPr lang="en-US" smtClean="0"/>
-              <a:t>12/2/2014</a:t>
+              <a:t>12/2/14</a:t>
             </a:fld>
             <a:endParaRPr lang="en-US"/>
           </a:p>
@@ -1365,7 +1365,7 @@
           <a:p>
             <a:fld id="{60D67E45-172B-9941-AA88-D5D1B7ED3BBB}" type="datetimeFigureOut">
               <a:rPr lang="en-US" smtClean="0"/>
-              <a:t>12/2/2014</a:t>
+              <a:t>12/2/14</a:t>
             </a:fld>
             <a:endParaRPr lang="en-US"/>
           </a:p>
@@ -1787,7 +1787,7 @@
           <a:p>
             <a:fld id="{60D67E45-172B-9941-AA88-D5D1B7ED3BBB}" type="datetimeFigureOut">
               <a:rPr lang="en-US" smtClean="0"/>
-              <a:t>12/2/2014</a:t>
+              <a:t>12/2/14</a:t>
             </a:fld>
             <a:endParaRPr lang="en-US"/>
           </a:p>
@@ -1905,7 +1905,7 @@
           <a:p>
             <a:fld id="{60D67E45-172B-9941-AA88-D5D1B7ED3BBB}" type="datetimeFigureOut">
               <a:rPr lang="en-US" smtClean="0"/>
-              <a:t>12/2/2014</a:t>
+              <a:t>12/2/14</a:t>
             </a:fld>
             <a:endParaRPr lang="en-US"/>
           </a:p>
@@ -2000,7 +2000,7 @@
           <a:p>
             <a:fld id="{60D67E45-172B-9941-AA88-D5D1B7ED3BBB}" type="datetimeFigureOut">
               <a:rPr lang="en-US" smtClean="0"/>
-              <a:t>12/2/2014</a:t>
+              <a:t>12/2/14</a:t>
             </a:fld>
             <a:endParaRPr lang="en-US"/>
           </a:p>
@@ -2277,7 +2277,7 @@
           <a:p>
             <a:fld id="{60D67E45-172B-9941-AA88-D5D1B7ED3BBB}" type="datetimeFigureOut">
               <a:rPr lang="en-US" smtClean="0"/>
-              <a:t>12/2/2014</a:t>
+              <a:t>12/2/14</a:t>
             </a:fld>
             <a:endParaRPr lang="en-US"/>
           </a:p>
@@ -2530,7 +2530,7 @@
           <a:p>
             <a:fld id="{60D67E45-172B-9941-AA88-D5D1B7ED3BBB}" type="datetimeFigureOut">
               <a:rPr lang="en-US" smtClean="0"/>
-              <a:t>12/2/2014</a:t>
+              <a:t>12/2/14</a:t>
             </a:fld>
             <a:endParaRPr lang="en-US"/>
           </a:p>
@@ -2743,7 +2743,7 @@
           <a:p>
             <a:fld id="{60D67E45-172B-9941-AA88-D5D1B7ED3BBB}" type="datetimeFigureOut">
               <a:rPr lang="en-US" smtClean="0"/>
-              <a:t>12/2/2014</a:t>
+              <a:t>12/2/14</a:t>
             </a:fld>
             <a:endParaRPr lang="en-US"/>
           </a:p>
@@ -3622,7 +3622,7 @@
       </p:grpSpPr>
       <p:sp>
         <p:nvSpPr>
-          <p:cNvPr id="2" name="Title 1"/>
+          <p:cNvPr id="58" name="Shape 58"/>
           <p:cNvSpPr>
             <a:spLocks noGrp="1"/>
           </p:cNvSpPr>
@@ -3630,48 +3630,89 @@
             <p:ph type="title"/>
           </p:nvPr>
         </p:nvSpPr>
-        <p:spPr/>
-        <p:txBody>
-          <a:bodyPr/>
-          <a:lstStyle/>
-          <a:p>
-            <a:r>
-              <a:rPr lang="en-US" dirty="0" smtClean="0"/>
+        <p:spPr>
+          <a:xfrm>
+            <a:off x="457200" y="274638"/>
+            <a:ext cx="8229600" cy="1143001"/>
+          </a:xfrm>
+          <a:prstGeom prst="rect">
+            <a:avLst/>
+          </a:prstGeom>
+        </p:spPr>
+        <p:txBody>
+          <a:bodyPr/>
+          <a:lstStyle/>
+          <a:p>
+            <a:pPr lvl="0">
+              <a:defRPr sz="1800"/>
+            </a:pPr>
+            <a:r>
+              <a:rPr sz="4400"/>
               <a:t>SRPT</a:t>
             </a:r>
-            <a:endParaRPr lang="en-US" dirty="0"/>
-          </a:p>
-        </p:txBody>
-      </p:sp>
-      <p:sp>
-        <p:nvSpPr>
-          <p:cNvPr id="3" name="Content Placeholder 2"/>
-          <p:cNvSpPr>
-            <a:spLocks noGrp="1"/>
-          </p:cNvSpPr>
-          <p:nvPr>
-            <p:ph idx="1"/>
-          </p:nvPr>
-        </p:nvSpPr>
-        <p:spPr/>
-        <p:txBody>
-          <a:bodyPr/>
-          <a:lstStyle/>
-          <a:p>
-            <a:endParaRPr lang="en-US"/>
+          </a:p>
+        </p:txBody>
+      </p:sp>
+      <p:sp>
+        <p:nvSpPr>
+          <p:cNvPr id="59" name="Shape 59"/>
+          <p:cNvSpPr>
+            <a:spLocks noGrp="1"/>
+          </p:cNvSpPr>
+          <p:nvPr>
+            <p:ph type="body" idx="1"/>
+          </p:nvPr>
+        </p:nvSpPr>
+        <p:spPr>
+          <a:xfrm>
+            <a:off x="457200" y="1600200"/>
+            <a:ext cx="8229600" cy="4525963"/>
+          </a:xfrm>
+          <a:prstGeom prst="rect">
+            <a:avLst/>
+          </a:prstGeom>
+        </p:spPr>
+        <p:txBody>
+          <a:bodyPr/>
+          <a:lstStyle/>
+          <a:p>
+            <a:pPr marL="342899" lvl="0" indent="-342899">
+              <a:defRPr sz="1800"/>
+            </a:pPr>
+            <a:r>
+              <a:rPr sz="2800"/>
+              <a:t>Based on Shortest Remaining Processing Time for Processor Scheduling.</a:t>
+            </a:r>
+          </a:p>
+          <a:p>
+            <a:pPr marL="342899" lvl="0" indent="-342899">
+              <a:defRPr sz="1800"/>
+            </a:pPr>
+            <a:r>
+              <a:rPr sz="2800"/>
+              <a:t>The maximum for the Random Back off is based on the number of Remaining Frames</a:t>
+            </a:r>
           </a:p>
         </p:txBody>
       </p:sp>
     </p:spTree>
     <p:extLst>
       <p:ext uri="{BB962C8B-B14F-4D97-AF65-F5344CB8AC3E}">
-        <p14:creationId xmlns:p14="http://schemas.microsoft.com/office/powerpoint/2010/main" val="316588865"/>
+        <p14:creationId xmlns:p14="http://schemas.microsoft.com/office/powerpoint/2010/main" val="3863174944"/>
       </p:ext>
     </p:extLst>
   </p:cSld>
   <p:clrMapOvr>
     <a:masterClrMapping/>
   </p:clrMapOvr>
+  <mc:AlternateContent xmlns:mc="http://schemas.openxmlformats.org/markup-compatibility/2006">
+    <mc:Choice xmlns:p14="http://schemas.microsoft.com/office/powerpoint/2010/main" Requires="p14">
+      <p:transition spd="slow" p14:dur="2000"/>
+    </mc:Choice>
+    <mc:Fallback>
+      <p:transition xmlns:p14="http://schemas.microsoft.com/office/powerpoint/2010/main" spd="slow"/>
+    </mc:Fallback>
+  </mc:AlternateContent>
 </p:sld>
 </file>
 
@@ -3694,7 +3735,7 @@
       </p:grpSpPr>
       <p:sp>
         <p:nvSpPr>
-          <p:cNvPr id="2" name="Title 1"/>
+          <p:cNvPr id="61" name="Shape 61"/>
           <p:cNvSpPr>
             <a:spLocks noGrp="1"/>
           </p:cNvSpPr>
@@ -3702,48 +3743,84 @@
             <p:ph type="title"/>
           </p:nvPr>
         </p:nvSpPr>
-        <p:spPr/>
-        <p:txBody>
-          <a:bodyPr/>
-          <a:lstStyle/>
-          <a:p>
-            <a:r>
-              <a:rPr lang="en-US" dirty="0" smtClean="0"/>
+        <p:spPr>
+          <a:xfrm>
+            <a:off x="457200" y="274638"/>
+            <a:ext cx="8229600" cy="1143001"/>
+          </a:xfrm>
+          <a:prstGeom prst="rect">
+            <a:avLst/>
+          </a:prstGeom>
+        </p:spPr>
+        <p:txBody>
+          <a:bodyPr/>
+          <a:lstStyle/>
+          <a:p>
+            <a:pPr lvl="0">
+              <a:defRPr sz="1800"/>
+            </a:pPr>
+            <a:r>
+              <a:rPr sz="4400"/>
               <a:t>Frame Counter</a:t>
             </a:r>
-            <a:endParaRPr lang="en-US" dirty="0"/>
-          </a:p>
-        </p:txBody>
-      </p:sp>
-      <p:sp>
-        <p:nvSpPr>
-          <p:cNvPr id="3" name="Content Placeholder 2"/>
-          <p:cNvSpPr>
-            <a:spLocks noGrp="1"/>
-          </p:cNvSpPr>
-          <p:nvPr>
-            <p:ph idx="1"/>
-          </p:nvPr>
-        </p:nvSpPr>
-        <p:spPr/>
-        <p:txBody>
-          <a:bodyPr/>
-          <a:lstStyle/>
-          <a:p>
-            <a:endParaRPr lang="en-US"/>
+          </a:p>
+        </p:txBody>
+      </p:sp>
+      <p:sp>
+        <p:nvSpPr>
+          <p:cNvPr id="62" name="Shape 62"/>
+          <p:cNvSpPr>
+            <a:spLocks noGrp="1"/>
+          </p:cNvSpPr>
+          <p:nvPr>
+            <p:ph type="body" idx="1"/>
+          </p:nvPr>
+        </p:nvSpPr>
+        <p:spPr>
+          <a:xfrm>
+            <a:off x="457200" y="1600200"/>
+            <a:ext cx="8229600" cy="4525963"/>
+          </a:xfrm>
+          <a:prstGeom prst="rect">
+            <a:avLst/>
+          </a:prstGeom>
+        </p:spPr>
+        <p:txBody>
+          <a:bodyPr/>
+          <a:lstStyle>
+            <a:lvl1pPr marL="342899" indent="-342899">
+              <a:defRPr sz="2800"/>
+            </a:lvl1pPr>
+          </a:lstStyle>
+          <a:p>
+            <a:pPr lvl="0">
+              <a:defRPr sz="1800"/>
+            </a:pPr>
+            <a:r>
+              <a:rPr sz="2800"/>
+              <a:t>The Maximum random Back off is based on the current Frame number being sent</a:t>
+            </a:r>
           </a:p>
         </p:txBody>
       </p:sp>
     </p:spTree>
     <p:extLst>
       <p:ext uri="{BB962C8B-B14F-4D97-AF65-F5344CB8AC3E}">
-        <p14:creationId xmlns:p14="http://schemas.microsoft.com/office/powerpoint/2010/main" val="2643219066"/>
+        <p14:creationId xmlns:p14="http://schemas.microsoft.com/office/powerpoint/2010/main" val="3020937532"/>
       </p:ext>
     </p:extLst>
   </p:cSld>
   <p:clrMapOvr>
     <a:masterClrMapping/>
   </p:clrMapOvr>
+  <mc:AlternateContent xmlns:mc="http://schemas.openxmlformats.org/markup-compatibility/2006">
+    <mc:Choice xmlns:p14="http://schemas.microsoft.com/office/powerpoint/2010/main" Requires="p14">
+      <p:transition spd="slow" p14:dur="2000"/>
+    </mc:Choice>
+    <mc:Fallback>
+      <p:transition xmlns:p14="http://schemas.microsoft.com/office/powerpoint/2010/main" spd="slow"/>
+    </mc:Fallback>
+  </mc:AlternateContent>
 </p:sld>
 </file>
 
@@ -3766,7 +3843,7 @@
       </p:grpSpPr>
       <p:sp>
         <p:nvSpPr>
-          <p:cNvPr id="2" name="Title 1"/>
+          <p:cNvPr id="64" name="Shape 64"/>
           <p:cNvSpPr>
             <a:spLocks noGrp="1"/>
           </p:cNvSpPr>
@@ -3774,52 +3851,84 @@
             <p:ph type="title"/>
           </p:nvPr>
         </p:nvSpPr>
-        <p:spPr/>
-        <p:txBody>
-          <a:bodyPr/>
-          <a:lstStyle/>
-          <a:p>
-            <a:r>
-              <a:rPr lang="en-US" dirty="0" smtClean="0"/>
-              <a:t>Dynamic </a:t>
-            </a:r>
-            <a:r>
-              <a:rPr lang="en-US" dirty="0" err="1" smtClean="0"/>
-              <a:t>Backoff</a:t>
-            </a:r>
-            <a:endParaRPr lang="en-US" dirty="0"/>
-          </a:p>
-        </p:txBody>
-      </p:sp>
-      <p:sp>
-        <p:nvSpPr>
-          <p:cNvPr id="3" name="Content Placeholder 2"/>
-          <p:cNvSpPr>
-            <a:spLocks noGrp="1"/>
-          </p:cNvSpPr>
-          <p:nvPr>
-            <p:ph idx="1"/>
-          </p:nvPr>
-        </p:nvSpPr>
-        <p:spPr/>
-        <p:txBody>
-          <a:bodyPr/>
-          <a:lstStyle/>
-          <a:p>
-            <a:endParaRPr lang="en-US"/>
+        <p:spPr>
+          <a:xfrm>
+            <a:off x="457200" y="274638"/>
+            <a:ext cx="8229600" cy="1143001"/>
+          </a:xfrm>
+          <a:prstGeom prst="rect">
+            <a:avLst/>
+          </a:prstGeom>
+        </p:spPr>
+        <p:txBody>
+          <a:bodyPr/>
+          <a:lstStyle/>
+          <a:p>
+            <a:pPr lvl="0">
+              <a:defRPr sz="1800"/>
+            </a:pPr>
+            <a:r>
+              <a:rPr sz="4400"/>
+              <a:t>Dynamic Backoff</a:t>
+            </a:r>
+          </a:p>
+        </p:txBody>
+      </p:sp>
+      <p:sp>
+        <p:nvSpPr>
+          <p:cNvPr id="65" name="Shape 65"/>
+          <p:cNvSpPr>
+            <a:spLocks noGrp="1"/>
+          </p:cNvSpPr>
+          <p:nvPr>
+            <p:ph type="body" idx="1"/>
+          </p:nvPr>
+        </p:nvSpPr>
+        <p:spPr>
+          <a:xfrm>
+            <a:off x="457200" y="1600200"/>
+            <a:ext cx="8229600" cy="4525963"/>
+          </a:xfrm>
+          <a:prstGeom prst="rect">
+            <a:avLst/>
+          </a:prstGeom>
+        </p:spPr>
+        <p:txBody>
+          <a:bodyPr/>
+          <a:lstStyle>
+            <a:lvl1pPr marL="342899" indent="-342899">
+              <a:defRPr sz="2800"/>
+            </a:lvl1pPr>
+          </a:lstStyle>
+          <a:p>
+            <a:pPr lvl="0">
+              <a:defRPr sz="1800"/>
+            </a:pPr>
+            <a:r>
+              <a:rPr sz="2800"/>
+              <a:t>A node sends at a standard rate periodically checking the network traffic level, if the traffic level appears to hit a certain level, the node checks its own rate and will slow down its transmutation rate based on traffic levels.</a:t>
+            </a:r>
           </a:p>
         </p:txBody>
       </p:sp>
     </p:spTree>
     <p:extLst>
       <p:ext uri="{BB962C8B-B14F-4D97-AF65-F5344CB8AC3E}">
-        <p14:creationId xmlns:p14="http://schemas.microsoft.com/office/powerpoint/2010/main" val="380755770"/>
+        <p14:creationId xmlns:p14="http://schemas.microsoft.com/office/powerpoint/2010/main" val="3273257166"/>
       </p:ext>
     </p:extLst>
   </p:cSld>
   <p:clrMapOvr>
     <a:masterClrMapping/>
   </p:clrMapOvr>
+  <mc:AlternateContent xmlns:mc="http://schemas.openxmlformats.org/markup-compatibility/2006">
+    <mc:Choice xmlns:p14="http://schemas.microsoft.com/office/powerpoint/2010/main" Requires="p14">
+      <p:transition spd="slow" p14:dur="2000"/>
+    </mc:Choice>
+    <mc:Fallback>
+      <p:transition xmlns:p14="http://schemas.microsoft.com/office/powerpoint/2010/main" spd="slow"/>
+    </mc:Fallback>
+  </mc:AlternateContent>
 </p:sld>
 </file>
 

--- a/Presentation.pptx
+++ b/Presentation.pptx
@@ -2,7 +2,7 @@
 <file path=ppt/presentation.xml><?xml version="1.0" encoding="utf-8"?>
 <p:presentation xmlns:a="http://schemas.openxmlformats.org/drawingml/2006/main" xmlns:r="http://schemas.openxmlformats.org/officeDocument/2006/relationships" xmlns:p="http://schemas.openxmlformats.org/presentationml/2006/main" saveSubsetFonts="1" autoCompressPictures="0">
   <p:sldMasterIdLst>
-    <p:sldMasterId id="2147483648" r:id="rId1"/>
+    <p:sldMasterId id="2147483678" r:id="rId1"/>
   </p:sldMasterIdLst>
   <p:sldIdLst>
     <p:sldId id="256" r:id="rId2"/>
@@ -113,7 +113,7 @@
   </p:defaultTextStyle>
   <p:extLst>
     <p:ext uri="{EFAFB233-063F-42B5-8137-9DF3F51BA10A}">
-      <p15:sldGuideLst xmlns:p15="http://schemas.microsoft.com/office/powerpoint/2012/main" xmlns="">
+      <p15:sldGuideLst xmlns:p15="http://schemas.microsoft.com/office/powerpoint/2012/main">
         <p15:guide id="1" orient="horz" pos="2160">
           <p15:clr>
             <a:srgbClr val="A4A3A4"/>
@@ -159,19 +159,25 @@
         </p:nvSpPr>
         <p:spPr>
           <a:xfrm>
-            <a:off x="685800" y="2130425"/>
-            <a:ext cx="7772400" cy="1470025"/>
+            <a:off x="1942416" y="2514601"/>
+            <a:ext cx="6600451" cy="2262781"/>
           </a:xfrm>
         </p:spPr>
         <p:txBody>
-          <a:bodyPr/>
-          <a:lstStyle/>
+          <a:bodyPr anchor="b">
+            <a:normAutofit/>
+          </a:bodyPr>
+          <a:lstStyle>
+            <a:lvl1pPr>
+              <a:defRPr sz="5400"/>
+            </a:lvl1pPr>
+          </a:lstStyle>
           <a:p>
             <a:r>
               <a:rPr lang="en-US" smtClean="0"/>
               <a:t>Click to edit Master title style</a:t>
             </a:r>
-            <a:endParaRPr lang="en-US"/>
+            <a:endParaRPr lang="en-US" dirty="0"/>
           </a:p>
         </p:txBody>
       </p:sp>
@@ -187,19 +193,20 @@
         </p:nvSpPr>
         <p:spPr>
           <a:xfrm>
-            <a:off x="1371600" y="3886200"/>
-            <a:ext cx="6400800" cy="1752600"/>
+            <a:off x="1942416" y="4777380"/>
+            <a:ext cx="6600451" cy="1126283"/>
           </a:xfrm>
         </p:spPr>
         <p:txBody>
-          <a:bodyPr/>
+          <a:bodyPr anchor="t"/>
           <a:lstStyle>
-            <a:lvl1pPr marL="0" indent="0" algn="ctr">
+            <a:lvl1pPr marL="0" indent="0" algn="l">
               <a:buNone/>
               <a:defRPr>
                 <a:solidFill>
                   <a:schemeClr val="tx1">
-                    <a:tint val="75000"/>
+                    <a:lumMod val="65000"/>
+                    <a:lumOff val="35000"/>
                   </a:schemeClr>
                 </a:solidFill>
               </a:defRPr>
@@ -290,7 +297,7 @@
               <a:rPr lang="en-US" smtClean="0"/>
               <a:t>Click to edit Master subtitle style</a:t>
             </a:r>
-            <a:endParaRPr lang="en-US"/>
+            <a:endParaRPr lang="en-US" dirty="0"/>
           </a:p>
         </p:txBody>
       </p:sp>
@@ -311,7 +318,7 @@
           <a:p>
             <a:fld id="{60D67E45-172B-9941-AA88-D5D1B7ED3BBB}" type="datetimeFigureOut">
               <a:rPr lang="en-US" smtClean="0"/>
-              <a:t>12/2/14</a:t>
+              <a:t>12/2/2014</a:t>
             </a:fld>
             <a:endParaRPr lang="en-US"/>
           </a:p>
@@ -338,6 +345,82 @@
       </p:sp>
       <p:sp>
         <p:nvSpPr>
+          <p:cNvPr id="9" name="Freeform 8"/>
+          <p:cNvSpPr/>
+          <p:nvPr/>
+        </p:nvSpPr>
+        <p:spPr bwMode="auto">
+          <a:xfrm>
+            <a:off x="-31719" y="4321158"/>
+            <a:ext cx="1395473" cy="781781"/>
+          </a:xfrm>
+          <a:custGeom>
+            <a:avLst/>
+            <a:gdLst/>
+            <a:ahLst/>
+            <a:cxnLst/>
+            <a:rect l="l" t="t" r="r" b="b"/>
+            <a:pathLst>
+              <a:path w="8042" h="10000">
+                <a:moveTo>
+                  <a:pt x="5799" y="10000"/>
+                </a:moveTo>
+                <a:cubicBezTo>
+                  <a:pt x="5880" y="10000"/>
+                  <a:pt x="5934" y="9940"/>
+                  <a:pt x="5961" y="9880"/>
+                </a:cubicBezTo>
+                <a:cubicBezTo>
+                  <a:pt x="5961" y="9820"/>
+                  <a:pt x="5988" y="9820"/>
+                  <a:pt x="5988" y="9820"/>
+                </a:cubicBezTo>
+                <a:lnTo>
+                  <a:pt x="8042" y="5260"/>
+                </a:lnTo>
+                <a:cubicBezTo>
+                  <a:pt x="8096" y="5140"/>
+                  <a:pt x="8096" y="4901"/>
+                  <a:pt x="8042" y="4721"/>
+                </a:cubicBezTo>
+                <a:lnTo>
+                  <a:pt x="5988" y="221"/>
+                </a:lnTo>
+                <a:cubicBezTo>
+                  <a:pt x="5988" y="160"/>
+                  <a:pt x="5961" y="160"/>
+                  <a:pt x="5961" y="160"/>
+                </a:cubicBezTo>
+                <a:cubicBezTo>
+                  <a:pt x="5934" y="101"/>
+                  <a:pt x="5880" y="41"/>
+                  <a:pt x="5799" y="41"/>
+                </a:cubicBezTo>
+                <a:lnTo>
+                  <a:pt x="18" y="0"/>
+                </a:lnTo>
+                <a:cubicBezTo>
+                  <a:pt x="12" y="3330"/>
+                  <a:pt x="6" y="6661"/>
+                  <a:pt x="0" y="9991"/>
+                </a:cubicBezTo>
+                <a:lnTo>
+                  <a:pt x="5799" y="10000"/>
+                </a:lnTo>
+                <a:close/>
+              </a:path>
+            </a:pathLst>
+          </a:custGeom>
+          <a:solidFill>
+            <a:schemeClr val="accent1"/>
+          </a:solidFill>
+          <a:ln>
+            <a:noFill/>
+          </a:ln>
+        </p:spPr>
+      </p:sp>
+      <p:sp>
+        <p:nvSpPr>
           <p:cNvPr id="6" name="Slide Number Placeholder 5"/>
           <p:cNvSpPr>
             <a:spLocks noGrp="1"/>
@@ -346,7 +429,12 @@
             <p:ph type="sldNum" sz="quarter" idx="12"/>
           </p:nvPr>
         </p:nvSpPr>
-        <p:spPr/>
+        <p:spPr>
+          <a:xfrm>
+            <a:off x="423334" y="4529541"/>
+            <a:ext cx="584978" cy="365125"/>
+          </a:xfrm>
+        </p:spPr>
         <p:txBody>
           <a:bodyPr/>
           <a:lstStyle/>
@@ -362,7 +450,7 @@
     </p:spTree>
     <p:extLst>
       <p:ext uri="{BB962C8B-B14F-4D97-AF65-F5344CB8AC3E}">
-        <p14:creationId xmlns:p14="http://schemas.microsoft.com/office/powerpoint/2010/main" val="724590445"/>
+        <p14:creationId xmlns:p14="http://schemas.microsoft.com/office/powerpoint/2010/main" val="3013280430"/>
       </p:ext>
     </p:extLst>
   </p:cSld>
@@ -373,6 +461,1787 @@
 </file>
 
 <file path=ppt/slideLayouts/slideLayout10.xml><?xml version="1.0" encoding="utf-8"?>
+<p:sldLayout xmlns:a="http://schemas.openxmlformats.org/drawingml/2006/main" xmlns:r="http://schemas.openxmlformats.org/officeDocument/2006/relationships" xmlns:p="http://schemas.openxmlformats.org/presentationml/2006/main" preserve="1">
+  <p:cSld name="Title and Caption">
+    <p:spTree>
+      <p:nvGrpSpPr>
+        <p:cNvPr id="1" name=""/>
+        <p:cNvGrpSpPr/>
+        <p:nvPr/>
+      </p:nvGrpSpPr>
+      <p:grpSpPr>
+        <a:xfrm>
+          <a:off x="0" y="0"/>
+          <a:ext cx="0" cy="0"/>
+          <a:chOff x="0" y="0"/>
+          <a:chExt cx="0" cy="0"/>
+        </a:xfrm>
+      </p:grpSpPr>
+      <p:sp>
+        <p:nvSpPr>
+          <p:cNvPr id="2" name="Title 1"/>
+          <p:cNvSpPr>
+            <a:spLocks noGrp="1"/>
+          </p:cNvSpPr>
+          <p:nvPr>
+            <p:ph type="title"/>
+          </p:nvPr>
+        </p:nvSpPr>
+        <p:spPr>
+          <a:xfrm>
+            <a:off x="1942415" y="609600"/>
+            <a:ext cx="6591985" cy="3117040"/>
+          </a:xfrm>
+        </p:spPr>
+        <p:txBody>
+          <a:bodyPr anchor="ctr">
+            <a:normAutofit/>
+          </a:bodyPr>
+          <a:lstStyle>
+            <a:lvl1pPr algn="l">
+              <a:defRPr sz="4800" b="0" cap="none"/>
+            </a:lvl1pPr>
+          </a:lstStyle>
+          <a:p>
+            <a:r>
+              <a:rPr lang="en-US" smtClean="0"/>
+              <a:t>Click to edit Master title style</a:t>
+            </a:r>
+            <a:endParaRPr lang="en-US" dirty="0"/>
+          </a:p>
+        </p:txBody>
+      </p:sp>
+      <p:sp>
+        <p:nvSpPr>
+          <p:cNvPr id="3" name="Text Placeholder 2"/>
+          <p:cNvSpPr>
+            <a:spLocks noGrp="1"/>
+          </p:cNvSpPr>
+          <p:nvPr>
+            <p:ph type="body" idx="1"/>
+          </p:nvPr>
+        </p:nvSpPr>
+        <p:spPr>
+          <a:xfrm>
+            <a:off x="1942415" y="4354046"/>
+            <a:ext cx="6591985" cy="1555864"/>
+          </a:xfrm>
+        </p:spPr>
+        <p:txBody>
+          <a:bodyPr anchor="ctr">
+            <a:normAutofit/>
+          </a:bodyPr>
+          <a:lstStyle>
+            <a:lvl1pPr marL="0" indent="0" algn="l">
+              <a:buNone/>
+              <a:defRPr sz="1800">
+                <a:solidFill>
+                  <a:schemeClr val="tx1">
+                    <a:lumMod val="65000"/>
+                    <a:lumOff val="35000"/>
+                  </a:schemeClr>
+                </a:solidFill>
+              </a:defRPr>
+            </a:lvl1pPr>
+            <a:lvl2pPr marL="457200" indent="0">
+              <a:buNone/>
+              <a:defRPr sz="1800">
+                <a:solidFill>
+                  <a:schemeClr val="tx1">
+                    <a:tint val="75000"/>
+                  </a:schemeClr>
+                </a:solidFill>
+              </a:defRPr>
+            </a:lvl2pPr>
+            <a:lvl3pPr marL="914400" indent="0">
+              <a:buNone/>
+              <a:defRPr sz="1600">
+                <a:solidFill>
+                  <a:schemeClr val="tx1">
+                    <a:tint val="75000"/>
+                  </a:schemeClr>
+                </a:solidFill>
+              </a:defRPr>
+            </a:lvl3pPr>
+            <a:lvl4pPr marL="1371600" indent="0">
+              <a:buNone/>
+              <a:defRPr sz="1400">
+                <a:solidFill>
+                  <a:schemeClr val="tx1">
+                    <a:tint val="75000"/>
+                  </a:schemeClr>
+                </a:solidFill>
+              </a:defRPr>
+            </a:lvl4pPr>
+            <a:lvl5pPr marL="1828800" indent="0">
+              <a:buNone/>
+              <a:defRPr sz="1400">
+                <a:solidFill>
+                  <a:schemeClr val="tx1">
+                    <a:tint val="75000"/>
+                  </a:schemeClr>
+                </a:solidFill>
+              </a:defRPr>
+            </a:lvl5pPr>
+            <a:lvl6pPr marL="2286000" indent="0">
+              <a:buNone/>
+              <a:defRPr sz="1400">
+                <a:solidFill>
+                  <a:schemeClr val="tx1">
+                    <a:tint val="75000"/>
+                  </a:schemeClr>
+                </a:solidFill>
+              </a:defRPr>
+            </a:lvl6pPr>
+            <a:lvl7pPr marL="2743200" indent="0">
+              <a:buNone/>
+              <a:defRPr sz="1400">
+                <a:solidFill>
+                  <a:schemeClr val="tx1">
+                    <a:tint val="75000"/>
+                  </a:schemeClr>
+                </a:solidFill>
+              </a:defRPr>
+            </a:lvl7pPr>
+            <a:lvl8pPr marL="3200400" indent="0">
+              <a:buNone/>
+              <a:defRPr sz="1400">
+                <a:solidFill>
+                  <a:schemeClr val="tx1">
+                    <a:tint val="75000"/>
+                  </a:schemeClr>
+                </a:solidFill>
+              </a:defRPr>
+            </a:lvl8pPr>
+            <a:lvl9pPr marL="3657600" indent="0">
+              <a:buNone/>
+              <a:defRPr sz="1400">
+                <a:solidFill>
+                  <a:schemeClr val="tx1">
+                    <a:tint val="75000"/>
+                  </a:schemeClr>
+                </a:solidFill>
+              </a:defRPr>
+            </a:lvl9pPr>
+          </a:lstStyle>
+          <a:p>
+            <a:pPr lvl="0"/>
+            <a:r>
+              <a:rPr lang="en-US" smtClean="0"/>
+              <a:t>Click to edit Master text styles</a:t>
+            </a:r>
+          </a:p>
+        </p:txBody>
+      </p:sp>
+      <p:sp>
+        <p:nvSpPr>
+          <p:cNvPr id="4" name="Date Placeholder 3"/>
+          <p:cNvSpPr>
+            <a:spLocks noGrp="1"/>
+          </p:cNvSpPr>
+          <p:nvPr>
+            <p:ph type="dt" sz="half" idx="10"/>
+          </p:nvPr>
+        </p:nvSpPr>
+        <p:spPr/>
+        <p:txBody>
+          <a:bodyPr/>
+          <a:lstStyle/>
+          <a:p>
+            <a:fld id="{60D67E45-172B-9941-AA88-D5D1B7ED3BBB}" type="datetimeFigureOut">
+              <a:rPr lang="en-US" smtClean="0"/>
+              <a:t>12/2/2014</a:t>
+            </a:fld>
+            <a:endParaRPr lang="en-US"/>
+          </a:p>
+        </p:txBody>
+      </p:sp>
+      <p:sp>
+        <p:nvSpPr>
+          <p:cNvPr id="5" name="Footer Placeholder 4"/>
+          <p:cNvSpPr>
+            <a:spLocks noGrp="1"/>
+          </p:cNvSpPr>
+          <p:nvPr>
+            <p:ph type="ftr" sz="quarter" idx="11"/>
+          </p:nvPr>
+        </p:nvSpPr>
+        <p:spPr/>
+        <p:txBody>
+          <a:bodyPr/>
+          <a:lstStyle/>
+          <a:p>
+            <a:endParaRPr lang="en-US"/>
+          </a:p>
+        </p:txBody>
+      </p:sp>
+      <p:sp>
+        <p:nvSpPr>
+          <p:cNvPr id="10" name="Freeform 11"/>
+          <p:cNvSpPr/>
+          <p:nvPr/>
+        </p:nvSpPr>
+        <p:spPr bwMode="auto">
+          <a:xfrm flipV="1">
+            <a:off x="58" y="3166527"/>
+            <a:ext cx="1358356" cy="508005"/>
+          </a:xfrm>
+          <a:custGeom>
+            <a:avLst/>
+            <a:gdLst/>
+            <a:ahLst/>
+            <a:cxnLst/>
+            <a:rect l="l" t="t" r="r" b="b"/>
+            <a:pathLst>
+              <a:path w="7908" h="10000">
+                <a:moveTo>
+                  <a:pt x="7908" y="4694"/>
+                </a:moveTo>
+                <a:lnTo>
+                  <a:pt x="6575" y="188"/>
+                </a:lnTo>
+                <a:cubicBezTo>
+                  <a:pt x="6566" y="157"/>
+                  <a:pt x="6555" y="125"/>
+                  <a:pt x="6546" y="94"/>
+                </a:cubicBezTo>
+                <a:cubicBezTo>
+                  <a:pt x="6519" y="0"/>
+                  <a:pt x="6491" y="0"/>
+                  <a:pt x="6463" y="0"/>
+                </a:cubicBezTo>
+                <a:lnTo>
+                  <a:pt x="5935" y="0"/>
+                </a:lnTo>
+                <a:lnTo>
+                  <a:pt x="0" y="62"/>
+                </a:lnTo>
+                <a:lnTo>
+                  <a:pt x="0" y="10000"/>
+                </a:lnTo>
+                <a:lnTo>
+                  <a:pt x="5935" y="9952"/>
+                </a:lnTo>
+                <a:lnTo>
+                  <a:pt x="6463" y="9952"/>
+                </a:lnTo>
+                <a:cubicBezTo>
+                  <a:pt x="6491" y="9952"/>
+                  <a:pt x="6519" y="9859"/>
+                  <a:pt x="6546" y="9859"/>
+                </a:cubicBezTo>
+                <a:cubicBezTo>
+                  <a:pt x="6546" y="9764"/>
+                  <a:pt x="6575" y="9764"/>
+                  <a:pt x="6575" y="9764"/>
+                </a:cubicBezTo>
+                <a:lnTo>
+                  <a:pt x="7908" y="5258"/>
+                </a:lnTo>
+                <a:cubicBezTo>
+                  <a:pt x="7963" y="5070"/>
+                  <a:pt x="7963" y="4883"/>
+                  <a:pt x="7908" y="4694"/>
+                </a:cubicBezTo>
+                <a:close/>
+              </a:path>
+            </a:pathLst>
+          </a:custGeom>
+          <a:solidFill>
+            <a:schemeClr val="accent1"/>
+          </a:solidFill>
+          <a:ln>
+            <a:noFill/>
+          </a:ln>
+        </p:spPr>
+      </p:sp>
+      <p:sp>
+        <p:nvSpPr>
+          <p:cNvPr id="6" name="Slide Number Placeholder 5"/>
+          <p:cNvSpPr>
+            <a:spLocks noGrp="1"/>
+          </p:cNvSpPr>
+          <p:nvPr>
+            <p:ph type="sldNum" sz="quarter" idx="12"/>
+          </p:nvPr>
+        </p:nvSpPr>
+        <p:spPr>
+          <a:xfrm>
+            <a:off x="511228" y="3244140"/>
+            <a:ext cx="584978" cy="365125"/>
+          </a:xfrm>
+        </p:spPr>
+        <p:txBody>
+          <a:bodyPr/>
+          <a:lstStyle/>
+          <a:p>
+            <a:fld id="{4772D1F6-2088-5947-932A-20F2538F00F7}" type="slidenum">
+              <a:rPr lang="en-US" smtClean="0"/>
+              <a:t>‹#›</a:t>
+            </a:fld>
+            <a:endParaRPr lang="en-US"/>
+          </a:p>
+        </p:txBody>
+      </p:sp>
+    </p:spTree>
+    <p:extLst>
+      <p:ext uri="{BB962C8B-B14F-4D97-AF65-F5344CB8AC3E}">
+        <p14:creationId xmlns:p14="http://schemas.microsoft.com/office/powerpoint/2010/main" val="2860268921"/>
+      </p:ext>
+    </p:extLst>
+  </p:cSld>
+  <p:clrMapOvr>
+    <a:masterClrMapping/>
+  </p:clrMapOvr>
+</p:sldLayout>
+</file>
+
+<file path=ppt/slideLayouts/slideLayout11.xml><?xml version="1.0" encoding="utf-8"?>
+<p:sldLayout xmlns:a="http://schemas.openxmlformats.org/drawingml/2006/main" xmlns:r="http://schemas.openxmlformats.org/officeDocument/2006/relationships" xmlns:p="http://schemas.openxmlformats.org/presentationml/2006/main" preserve="1">
+  <p:cSld name="Quote with Caption">
+    <p:spTree>
+      <p:nvGrpSpPr>
+        <p:cNvPr id="1" name=""/>
+        <p:cNvGrpSpPr/>
+        <p:nvPr/>
+      </p:nvGrpSpPr>
+      <p:grpSpPr>
+        <a:xfrm>
+          <a:off x="0" y="0"/>
+          <a:ext cx="0" cy="0"/>
+          <a:chOff x="0" y="0"/>
+          <a:chExt cx="0" cy="0"/>
+        </a:xfrm>
+      </p:grpSpPr>
+      <p:sp>
+        <p:nvSpPr>
+          <p:cNvPr id="2" name="Title 1"/>
+          <p:cNvSpPr>
+            <a:spLocks noGrp="1"/>
+          </p:cNvSpPr>
+          <p:nvPr>
+            <p:ph type="title"/>
+          </p:nvPr>
+        </p:nvSpPr>
+        <p:spPr>
+          <a:xfrm>
+            <a:off x="2188123" y="609600"/>
+            <a:ext cx="6109587" cy="2895600"/>
+          </a:xfrm>
+        </p:spPr>
+        <p:txBody>
+          <a:bodyPr anchor="ctr">
+            <a:normAutofit/>
+          </a:bodyPr>
+          <a:lstStyle>
+            <a:lvl1pPr algn="l">
+              <a:defRPr sz="4800" b="0" cap="none"/>
+            </a:lvl1pPr>
+          </a:lstStyle>
+          <a:p>
+            <a:r>
+              <a:rPr lang="en-US" smtClean="0"/>
+              <a:t>Click to edit Master title style</a:t>
+            </a:r>
+            <a:endParaRPr lang="en-US" dirty="0"/>
+          </a:p>
+        </p:txBody>
+      </p:sp>
+      <p:sp>
+        <p:nvSpPr>
+          <p:cNvPr id="13" name="Text Placeholder 9"/>
+          <p:cNvSpPr>
+            <a:spLocks noGrp="1"/>
+          </p:cNvSpPr>
+          <p:nvPr>
+            <p:ph type="body" sz="quarter" idx="13"/>
+          </p:nvPr>
+        </p:nvSpPr>
+        <p:spPr>
+          <a:xfrm>
+            <a:off x="2415972" y="3505200"/>
+            <a:ext cx="5653888" cy="381000"/>
+          </a:xfrm>
+        </p:spPr>
+        <p:txBody>
+          <a:bodyPr anchor="ctr">
+            <a:noAutofit/>
+          </a:bodyPr>
+          <a:lstStyle>
+            <a:lvl1pPr marL="0" indent="0">
+              <a:buFontTx/>
+              <a:buNone/>
+              <a:defRPr sz="1600">
+                <a:solidFill>
+                  <a:schemeClr val="tx1">
+                    <a:lumMod val="50000"/>
+                    <a:lumOff val="50000"/>
+                  </a:schemeClr>
+                </a:solidFill>
+              </a:defRPr>
+            </a:lvl1pPr>
+            <a:lvl2pPr marL="457200" indent="0">
+              <a:buFontTx/>
+              <a:buNone/>
+              <a:defRPr/>
+            </a:lvl2pPr>
+            <a:lvl3pPr marL="914400" indent="0">
+              <a:buFontTx/>
+              <a:buNone/>
+              <a:defRPr/>
+            </a:lvl3pPr>
+            <a:lvl4pPr marL="1371600" indent="0">
+              <a:buFontTx/>
+              <a:buNone/>
+              <a:defRPr/>
+            </a:lvl4pPr>
+            <a:lvl5pPr marL="1828800" indent="0">
+              <a:buFontTx/>
+              <a:buNone/>
+              <a:defRPr/>
+            </a:lvl5pPr>
+          </a:lstStyle>
+          <a:p>
+            <a:pPr lvl="0"/>
+            <a:r>
+              <a:rPr lang="en-US" smtClean="0"/>
+              <a:t>Click to edit Master text styles</a:t>
+            </a:r>
+          </a:p>
+        </p:txBody>
+      </p:sp>
+      <p:sp>
+        <p:nvSpPr>
+          <p:cNvPr id="3" name="Text Placeholder 2"/>
+          <p:cNvSpPr>
+            <a:spLocks noGrp="1"/>
+          </p:cNvSpPr>
+          <p:nvPr>
+            <p:ph type="body" idx="1"/>
+          </p:nvPr>
+        </p:nvSpPr>
+        <p:spPr>
+          <a:xfrm>
+            <a:off x="1942415" y="4354046"/>
+            <a:ext cx="6591985" cy="1555864"/>
+          </a:xfrm>
+        </p:spPr>
+        <p:txBody>
+          <a:bodyPr anchor="ctr">
+            <a:normAutofit/>
+          </a:bodyPr>
+          <a:lstStyle>
+            <a:lvl1pPr marL="0" indent="0" algn="l">
+              <a:buNone/>
+              <a:defRPr sz="1800">
+                <a:solidFill>
+                  <a:schemeClr val="tx1">
+                    <a:lumMod val="65000"/>
+                    <a:lumOff val="35000"/>
+                  </a:schemeClr>
+                </a:solidFill>
+              </a:defRPr>
+            </a:lvl1pPr>
+            <a:lvl2pPr marL="457200" indent="0">
+              <a:buNone/>
+              <a:defRPr sz="1800">
+                <a:solidFill>
+                  <a:schemeClr val="tx1">
+                    <a:tint val="75000"/>
+                  </a:schemeClr>
+                </a:solidFill>
+              </a:defRPr>
+            </a:lvl2pPr>
+            <a:lvl3pPr marL="914400" indent="0">
+              <a:buNone/>
+              <a:defRPr sz="1600">
+                <a:solidFill>
+                  <a:schemeClr val="tx1">
+                    <a:tint val="75000"/>
+                  </a:schemeClr>
+                </a:solidFill>
+              </a:defRPr>
+            </a:lvl3pPr>
+            <a:lvl4pPr marL="1371600" indent="0">
+              <a:buNone/>
+              <a:defRPr sz="1400">
+                <a:solidFill>
+                  <a:schemeClr val="tx1">
+                    <a:tint val="75000"/>
+                  </a:schemeClr>
+                </a:solidFill>
+              </a:defRPr>
+            </a:lvl4pPr>
+            <a:lvl5pPr marL="1828800" indent="0">
+              <a:buNone/>
+              <a:defRPr sz="1400">
+                <a:solidFill>
+                  <a:schemeClr val="tx1">
+                    <a:tint val="75000"/>
+                  </a:schemeClr>
+                </a:solidFill>
+              </a:defRPr>
+            </a:lvl5pPr>
+            <a:lvl6pPr marL="2286000" indent="0">
+              <a:buNone/>
+              <a:defRPr sz="1400">
+                <a:solidFill>
+                  <a:schemeClr val="tx1">
+                    <a:tint val="75000"/>
+                  </a:schemeClr>
+                </a:solidFill>
+              </a:defRPr>
+            </a:lvl6pPr>
+            <a:lvl7pPr marL="2743200" indent="0">
+              <a:buNone/>
+              <a:defRPr sz="1400">
+                <a:solidFill>
+                  <a:schemeClr val="tx1">
+                    <a:tint val="75000"/>
+                  </a:schemeClr>
+                </a:solidFill>
+              </a:defRPr>
+            </a:lvl7pPr>
+            <a:lvl8pPr marL="3200400" indent="0">
+              <a:buNone/>
+              <a:defRPr sz="1400">
+                <a:solidFill>
+                  <a:schemeClr val="tx1">
+                    <a:tint val="75000"/>
+                  </a:schemeClr>
+                </a:solidFill>
+              </a:defRPr>
+            </a:lvl8pPr>
+            <a:lvl9pPr marL="3657600" indent="0">
+              <a:buNone/>
+              <a:defRPr sz="1400">
+                <a:solidFill>
+                  <a:schemeClr val="tx1">
+                    <a:tint val="75000"/>
+                  </a:schemeClr>
+                </a:solidFill>
+              </a:defRPr>
+            </a:lvl9pPr>
+          </a:lstStyle>
+          <a:p>
+            <a:pPr lvl="0"/>
+            <a:r>
+              <a:rPr lang="en-US" smtClean="0"/>
+              <a:t>Click to edit Master text styles</a:t>
+            </a:r>
+          </a:p>
+        </p:txBody>
+      </p:sp>
+      <p:sp>
+        <p:nvSpPr>
+          <p:cNvPr id="4" name="Date Placeholder 3"/>
+          <p:cNvSpPr>
+            <a:spLocks noGrp="1"/>
+          </p:cNvSpPr>
+          <p:nvPr>
+            <p:ph type="dt" sz="half" idx="10"/>
+          </p:nvPr>
+        </p:nvSpPr>
+        <p:spPr/>
+        <p:txBody>
+          <a:bodyPr/>
+          <a:lstStyle/>
+          <a:p>
+            <a:fld id="{60D67E45-172B-9941-AA88-D5D1B7ED3BBB}" type="datetimeFigureOut">
+              <a:rPr lang="en-US" smtClean="0"/>
+              <a:t>12/2/2014</a:t>
+            </a:fld>
+            <a:endParaRPr lang="en-US"/>
+          </a:p>
+        </p:txBody>
+      </p:sp>
+      <p:sp>
+        <p:nvSpPr>
+          <p:cNvPr id="5" name="Footer Placeholder 4"/>
+          <p:cNvSpPr>
+            <a:spLocks noGrp="1"/>
+          </p:cNvSpPr>
+          <p:nvPr>
+            <p:ph type="ftr" sz="quarter" idx="11"/>
+          </p:nvPr>
+        </p:nvSpPr>
+        <p:spPr/>
+        <p:txBody>
+          <a:bodyPr/>
+          <a:lstStyle/>
+          <a:p>
+            <a:endParaRPr lang="en-US"/>
+          </a:p>
+        </p:txBody>
+      </p:sp>
+      <p:sp>
+        <p:nvSpPr>
+          <p:cNvPr id="19" name="Freeform 11"/>
+          <p:cNvSpPr/>
+          <p:nvPr/>
+        </p:nvSpPr>
+        <p:spPr bwMode="auto">
+          <a:xfrm flipV="1">
+            <a:off x="58" y="3166527"/>
+            <a:ext cx="1358356" cy="508005"/>
+          </a:xfrm>
+          <a:custGeom>
+            <a:avLst/>
+            <a:gdLst/>
+            <a:ahLst/>
+            <a:cxnLst/>
+            <a:rect l="l" t="t" r="r" b="b"/>
+            <a:pathLst>
+              <a:path w="7908" h="10000">
+                <a:moveTo>
+                  <a:pt x="7908" y="4694"/>
+                </a:moveTo>
+                <a:lnTo>
+                  <a:pt x="6575" y="188"/>
+                </a:lnTo>
+                <a:cubicBezTo>
+                  <a:pt x="6566" y="157"/>
+                  <a:pt x="6555" y="125"/>
+                  <a:pt x="6546" y="94"/>
+                </a:cubicBezTo>
+                <a:cubicBezTo>
+                  <a:pt x="6519" y="0"/>
+                  <a:pt x="6491" y="0"/>
+                  <a:pt x="6463" y="0"/>
+                </a:cubicBezTo>
+                <a:lnTo>
+                  <a:pt x="5935" y="0"/>
+                </a:lnTo>
+                <a:lnTo>
+                  <a:pt x="0" y="62"/>
+                </a:lnTo>
+                <a:lnTo>
+                  <a:pt x="0" y="10000"/>
+                </a:lnTo>
+                <a:lnTo>
+                  <a:pt x="5935" y="9952"/>
+                </a:lnTo>
+                <a:lnTo>
+                  <a:pt x="6463" y="9952"/>
+                </a:lnTo>
+                <a:cubicBezTo>
+                  <a:pt x="6491" y="9952"/>
+                  <a:pt x="6519" y="9859"/>
+                  <a:pt x="6546" y="9859"/>
+                </a:cubicBezTo>
+                <a:cubicBezTo>
+                  <a:pt x="6546" y="9764"/>
+                  <a:pt x="6575" y="9764"/>
+                  <a:pt x="6575" y="9764"/>
+                </a:cubicBezTo>
+                <a:lnTo>
+                  <a:pt x="7908" y="5258"/>
+                </a:lnTo>
+                <a:cubicBezTo>
+                  <a:pt x="7963" y="5070"/>
+                  <a:pt x="7963" y="4883"/>
+                  <a:pt x="7908" y="4694"/>
+                </a:cubicBezTo>
+                <a:close/>
+              </a:path>
+            </a:pathLst>
+          </a:custGeom>
+          <a:solidFill>
+            <a:schemeClr val="accent1"/>
+          </a:solidFill>
+          <a:ln>
+            <a:noFill/>
+          </a:ln>
+        </p:spPr>
+      </p:sp>
+      <p:sp>
+        <p:nvSpPr>
+          <p:cNvPr id="6" name="Slide Number Placeholder 5"/>
+          <p:cNvSpPr>
+            <a:spLocks noGrp="1"/>
+          </p:cNvSpPr>
+          <p:nvPr>
+            <p:ph type="sldNum" sz="quarter" idx="12"/>
+          </p:nvPr>
+        </p:nvSpPr>
+        <p:spPr>
+          <a:xfrm>
+            <a:off x="511228" y="3244140"/>
+            <a:ext cx="584978" cy="365125"/>
+          </a:xfrm>
+        </p:spPr>
+        <p:txBody>
+          <a:bodyPr/>
+          <a:lstStyle/>
+          <a:p>
+            <a:fld id="{4772D1F6-2088-5947-932A-20F2538F00F7}" type="slidenum">
+              <a:rPr lang="en-US" smtClean="0"/>
+              <a:t>‹#›</a:t>
+            </a:fld>
+            <a:endParaRPr lang="en-US"/>
+          </a:p>
+        </p:txBody>
+      </p:sp>
+      <p:sp>
+        <p:nvSpPr>
+          <p:cNvPr id="14" name="TextBox 13"/>
+          <p:cNvSpPr txBox="1"/>
+          <p:nvPr/>
+        </p:nvSpPr>
+        <p:spPr>
+          <a:xfrm>
+            <a:off x="1808316" y="648005"/>
+            <a:ext cx="457319" cy="584776"/>
+          </a:xfrm>
+          <a:prstGeom prst="rect">
+            <a:avLst/>
+          </a:prstGeom>
+        </p:spPr>
+        <p:txBody>
+          <a:bodyPr vert="horz" lIns="91440" tIns="45720" rIns="91440" bIns="45720" rtlCol="0" anchor="ctr">
+            <a:noAutofit/>
+          </a:bodyPr>
+          <a:lstStyle/>
+          <a:p>
+            <a:pPr lvl="0"/>
+            <a:r>
+              <a:rPr lang="en-US" sz="8000" baseline="0" dirty="0">
+                <a:ln w="3175" cmpd="sng">
+                  <a:noFill/>
+                </a:ln>
+                <a:solidFill>
+                  <a:schemeClr val="accent1"/>
+                </a:solidFill>
+                <a:effectLst/>
+                <a:latin typeface="Arial"/>
+              </a:rPr>
+              <a:t>“</a:t>
+            </a:r>
+          </a:p>
+        </p:txBody>
+      </p:sp>
+      <p:sp>
+        <p:nvSpPr>
+          <p:cNvPr id="15" name="TextBox 14"/>
+          <p:cNvSpPr txBox="1"/>
+          <p:nvPr/>
+        </p:nvSpPr>
+        <p:spPr>
+          <a:xfrm>
+            <a:off x="8169533" y="2905306"/>
+            <a:ext cx="457319" cy="584776"/>
+          </a:xfrm>
+          <a:prstGeom prst="rect">
+            <a:avLst/>
+          </a:prstGeom>
+        </p:spPr>
+        <p:txBody>
+          <a:bodyPr vert="horz" lIns="91440" tIns="45720" rIns="91440" bIns="45720" rtlCol="0" anchor="ctr">
+            <a:noAutofit/>
+          </a:bodyPr>
+          <a:lstStyle/>
+          <a:p>
+            <a:pPr lvl="0"/>
+            <a:r>
+              <a:rPr lang="en-US" sz="8000" baseline="0" dirty="0">
+                <a:ln w="3175" cmpd="sng">
+                  <a:noFill/>
+                </a:ln>
+                <a:solidFill>
+                  <a:schemeClr val="accent1"/>
+                </a:solidFill>
+                <a:effectLst/>
+                <a:latin typeface="Arial"/>
+              </a:rPr>
+              <a:t>”</a:t>
+            </a:r>
+          </a:p>
+        </p:txBody>
+      </p:sp>
+    </p:spTree>
+    <p:extLst>
+      <p:ext uri="{BB962C8B-B14F-4D97-AF65-F5344CB8AC3E}">
+        <p14:creationId xmlns:p14="http://schemas.microsoft.com/office/powerpoint/2010/main" val="2506036574"/>
+      </p:ext>
+    </p:extLst>
+  </p:cSld>
+  <p:clrMapOvr>
+    <a:masterClrMapping/>
+  </p:clrMapOvr>
+</p:sldLayout>
+</file>
+
+<file path=ppt/slideLayouts/slideLayout12.xml><?xml version="1.0" encoding="utf-8"?>
+<p:sldLayout xmlns:a="http://schemas.openxmlformats.org/drawingml/2006/main" xmlns:r="http://schemas.openxmlformats.org/officeDocument/2006/relationships" xmlns:p="http://schemas.openxmlformats.org/presentationml/2006/main" preserve="1">
+  <p:cSld name="Name Card">
+    <p:spTree>
+      <p:nvGrpSpPr>
+        <p:cNvPr id="1" name=""/>
+        <p:cNvGrpSpPr/>
+        <p:nvPr/>
+      </p:nvGrpSpPr>
+      <p:grpSpPr>
+        <a:xfrm>
+          <a:off x="0" y="0"/>
+          <a:ext cx="0" cy="0"/>
+          <a:chOff x="0" y="0"/>
+          <a:chExt cx="0" cy="0"/>
+        </a:xfrm>
+      </p:grpSpPr>
+      <p:sp>
+        <p:nvSpPr>
+          <p:cNvPr id="2" name="Title 1"/>
+          <p:cNvSpPr>
+            <a:spLocks noGrp="1"/>
+          </p:cNvSpPr>
+          <p:nvPr>
+            <p:ph type="title"/>
+          </p:nvPr>
+        </p:nvSpPr>
+        <p:spPr>
+          <a:xfrm>
+            <a:off x="1942415" y="2438401"/>
+            <a:ext cx="6591985" cy="2724845"/>
+          </a:xfrm>
+        </p:spPr>
+        <p:txBody>
+          <a:bodyPr anchor="b">
+            <a:normAutofit/>
+          </a:bodyPr>
+          <a:lstStyle>
+            <a:lvl1pPr algn="l">
+              <a:defRPr sz="4800" b="0"/>
+            </a:lvl1pPr>
+          </a:lstStyle>
+          <a:p>
+            <a:r>
+              <a:rPr lang="en-US" smtClean="0"/>
+              <a:t>Click to edit Master title style</a:t>
+            </a:r>
+            <a:endParaRPr lang="en-US" dirty="0"/>
+          </a:p>
+        </p:txBody>
+      </p:sp>
+      <p:sp>
+        <p:nvSpPr>
+          <p:cNvPr id="4" name="Text Placeholder 3"/>
+          <p:cNvSpPr>
+            <a:spLocks noGrp="1"/>
+          </p:cNvSpPr>
+          <p:nvPr>
+            <p:ph type="body" sz="half" idx="2"/>
+          </p:nvPr>
+        </p:nvSpPr>
+        <p:spPr>
+          <a:xfrm>
+            <a:off x="1942415" y="5181600"/>
+            <a:ext cx="6591985" cy="729622"/>
+          </a:xfrm>
+        </p:spPr>
+        <p:txBody>
+          <a:bodyPr vert="horz" lIns="91440" tIns="45720" rIns="91440" bIns="45720" rtlCol="0" anchor="t">
+            <a:normAutofit/>
+          </a:bodyPr>
+          <a:lstStyle>
+            <a:lvl1pPr>
+              <a:buNone/>
+              <a:defRPr lang="en-US">
+                <a:solidFill>
+                  <a:schemeClr val="tx1">
+                    <a:lumMod val="65000"/>
+                    <a:lumOff val="35000"/>
+                  </a:schemeClr>
+                </a:solidFill>
+              </a:defRPr>
+            </a:lvl1pPr>
+          </a:lstStyle>
+          <a:p>
+            <a:pPr marL="0" lvl="0" indent="0">
+              <a:buNone/>
+            </a:pPr>
+            <a:r>
+              <a:rPr lang="en-US" smtClean="0"/>
+              <a:t>Click to edit Master text styles</a:t>
+            </a:r>
+          </a:p>
+        </p:txBody>
+      </p:sp>
+      <p:sp>
+        <p:nvSpPr>
+          <p:cNvPr id="5" name="Date Placeholder 4"/>
+          <p:cNvSpPr>
+            <a:spLocks noGrp="1"/>
+          </p:cNvSpPr>
+          <p:nvPr>
+            <p:ph type="dt" sz="half" idx="10"/>
+          </p:nvPr>
+        </p:nvSpPr>
+        <p:spPr/>
+        <p:txBody>
+          <a:bodyPr/>
+          <a:lstStyle/>
+          <a:p>
+            <a:fld id="{60D67E45-172B-9941-AA88-D5D1B7ED3BBB}" type="datetimeFigureOut">
+              <a:rPr lang="en-US" smtClean="0"/>
+              <a:t>12/2/2014</a:t>
+            </a:fld>
+            <a:endParaRPr lang="en-US"/>
+          </a:p>
+        </p:txBody>
+      </p:sp>
+      <p:sp>
+        <p:nvSpPr>
+          <p:cNvPr id="6" name="Footer Placeholder 5"/>
+          <p:cNvSpPr>
+            <a:spLocks noGrp="1"/>
+          </p:cNvSpPr>
+          <p:nvPr>
+            <p:ph type="ftr" sz="quarter" idx="11"/>
+          </p:nvPr>
+        </p:nvSpPr>
+        <p:spPr/>
+        <p:txBody>
+          <a:bodyPr/>
+          <a:lstStyle/>
+          <a:p>
+            <a:endParaRPr lang="en-US"/>
+          </a:p>
+        </p:txBody>
+      </p:sp>
+      <p:sp>
+        <p:nvSpPr>
+          <p:cNvPr id="11" name="Freeform 11"/>
+          <p:cNvSpPr/>
+          <p:nvPr/>
+        </p:nvSpPr>
+        <p:spPr bwMode="auto">
+          <a:xfrm flipV="1">
+            <a:off x="58" y="4910660"/>
+            <a:ext cx="1358356" cy="508005"/>
+          </a:xfrm>
+          <a:custGeom>
+            <a:avLst/>
+            <a:gdLst/>
+            <a:ahLst/>
+            <a:cxnLst/>
+            <a:rect l="l" t="t" r="r" b="b"/>
+            <a:pathLst>
+              <a:path w="7908" h="10000">
+                <a:moveTo>
+                  <a:pt x="7908" y="4694"/>
+                </a:moveTo>
+                <a:lnTo>
+                  <a:pt x="6575" y="188"/>
+                </a:lnTo>
+                <a:cubicBezTo>
+                  <a:pt x="6566" y="157"/>
+                  <a:pt x="6555" y="125"/>
+                  <a:pt x="6546" y="94"/>
+                </a:cubicBezTo>
+                <a:cubicBezTo>
+                  <a:pt x="6519" y="0"/>
+                  <a:pt x="6491" y="0"/>
+                  <a:pt x="6463" y="0"/>
+                </a:cubicBezTo>
+                <a:lnTo>
+                  <a:pt x="5935" y="0"/>
+                </a:lnTo>
+                <a:lnTo>
+                  <a:pt x="0" y="62"/>
+                </a:lnTo>
+                <a:lnTo>
+                  <a:pt x="0" y="10000"/>
+                </a:lnTo>
+                <a:lnTo>
+                  <a:pt x="5935" y="9952"/>
+                </a:lnTo>
+                <a:lnTo>
+                  <a:pt x="6463" y="9952"/>
+                </a:lnTo>
+                <a:cubicBezTo>
+                  <a:pt x="6491" y="9952"/>
+                  <a:pt x="6519" y="9859"/>
+                  <a:pt x="6546" y="9859"/>
+                </a:cubicBezTo>
+                <a:cubicBezTo>
+                  <a:pt x="6546" y="9764"/>
+                  <a:pt x="6575" y="9764"/>
+                  <a:pt x="6575" y="9764"/>
+                </a:cubicBezTo>
+                <a:lnTo>
+                  <a:pt x="7908" y="5258"/>
+                </a:lnTo>
+                <a:cubicBezTo>
+                  <a:pt x="7963" y="5070"/>
+                  <a:pt x="7963" y="4883"/>
+                  <a:pt x="7908" y="4694"/>
+                </a:cubicBezTo>
+                <a:close/>
+              </a:path>
+            </a:pathLst>
+          </a:custGeom>
+          <a:solidFill>
+            <a:schemeClr val="accent1"/>
+          </a:solidFill>
+          <a:ln>
+            <a:noFill/>
+          </a:ln>
+        </p:spPr>
+      </p:sp>
+      <p:sp>
+        <p:nvSpPr>
+          <p:cNvPr id="7" name="Slide Number Placeholder 6"/>
+          <p:cNvSpPr>
+            <a:spLocks noGrp="1"/>
+          </p:cNvSpPr>
+          <p:nvPr>
+            <p:ph type="sldNum" sz="quarter" idx="12"/>
+          </p:nvPr>
+        </p:nvSpPr>
+        <p:spPr>
+          <a:xfrm>
+            <a:off x="511228" y="4983088"/>
+            <a:ext cx="584978" cy="365125"/>
+          </a:xfrm>
+        </p:spPr>
+        <p:txBody>
+          <a:bodyPr/>
+          <a:lstStyle/>
+          <a:p>
+            <a:fld id="{4772D1F6-2088-5947-932A-20F2538F00F7}" type="slidenum">
+              <a:rPr lang="en-US" smtClean="0"/>
+              <a:t>‹#›</a:t>
+            </a:fld>
+            <a:endParaRPr lang="en-US"/>
+          </a:p>
+        </p:txBody>
+      </p:sp>
+    </p:spTree>
+    <p:extLst>
+      <p:ext uri="{BB962C8B-B14F-4D97-AF65-F5344CB8AC3E}">
+        <p14:creationId xmlns:p14="http://schemas.microsoft.com/office/powerpoint/2010/main" val="4033273321"/>
+      </p:ext>
+    </p:extLst>
+  </p:cSld>
+  <p:clrMapOvr>
+    <a:masterClrMapping/>
+  </p:clrMapOvr>
+</p:sldLayout>
+</file>
+
+<file path=ppt/slideLayouts/slideLayout13.xml><?xml version="1.0" encoding="utf-8"?>
+<p:sldLayout xmlns:a="http://schemas.openxmlformats.org/drawingml/2006/main" xmlns:r="http://schemas.openxmlformats.org/officeDocument/2006/relationships" xmlns:p="http://schemas.openxmlformats.org/presentationml/2006/main" preserve="1">
+  <p:cSld name="Quote Name Card">
+    <p:spTree>
+      <p:nvGrpSpPr>
+        <p:cNvPr id="1" name=""/>
+        <p:cNvGrpSpPr/>
+        <p:nvPr/>
+      </p:nvGrpSpPr>
+      <p:grpSpPr>
+        <a:xfrm>
+          <a:off x="0" y="0"/>
+          <a:ext cx="0" cy="0"/>
+          <a:chOff x="0" y="0"/>
+          <a:chExt cx="0" cy="0"/>
+        </a:xfrm>
+      </p:grpSpPr>
+      <p:sp>
+        <p:nvSpPr>
+          <p:cNvPr id="13" name="Title 1"/>
+          <p:cNvSpPr>
+            <a:spLocks noGrp="1"/>
+          </p:cNvSpPr>
+          <p:nvPr>
+            <p:ph type="title"/>
+          </p:nvPr>
+        </p:nvSpPr>
+        <p:spPr>
+          <a:xfrm>
+            <a:off x="2188123" y="609600"/>
+            <a:ext cx="6109587" cy="2895600"/>
+          </a:xfrm>
+        </p:spPr>
+        <p:txBody>
+          <a:bodyPr anchor="ctr">
+            <a:normAutofit/>
+          </a:bodyPr>
+          <a:lstStyle>
+            <a:lvl1pPr algn="l">
+              <a:defRPr sz="4800" b="0" cap="none"/>
+            </a:lvl1pPr>
+          </a:lstStyle>
+          <a:p>
+            <a:r>
+              <a:rPr lang="en-US" smtClean="0"/>
+              <a:t>Click to edit Master title style</a:t>
+            </a:r>
+            <a:endParaRPr lang="en-US" dirty="0"/>
+          </a:p>
+        </p:txBody>
+      </p:sp>
+      <p:sp>
+        <p:nvSpPr>
+          <p:cNvPr id="21" name="Text Placeholder 9"/>
+          <p:cNvSpPr>
+            <a:spLocks noGrp="1"/>
+          </p:cNvSpPr>
+          <p:nvPr>
+            <p:ph type="body" sz="quarter" idx="13"/>
+          </p:nvPr>
+        </p:nvSpPr>
+        <p:spPr>
+          <a:xfrm>
+            <a:off x="1942415" y="4343400"/>
+            <a:ext cx="6688292" cy="838200"/>
+          </a:xfrm>
+        </p:spPr>
+        <p:txBody>
+          <a:bodyPr anchor="b">
+            <a:noAutofit/>
+          </a:bodyPr>
+          <a:lstStyle>
+            <a:lvl1pPr marL="0" indent="0">
+              <a:buFontTx/>
+              <a:buNone/>
+              <a:defRPr sz="2400">
+                <a:solidFill>
+                  <a:schemeClr val="accent1"/>
+                </a:solidFill>
+              </a:defRPr>
+            </a:lvl1pPr>
+            <a:lvl2pPr marL="457200" indent="0">
+              <a:buFontTx/>
+              <a:buNone/>
+              <a:defRPr/>
+            </a:lvl2pPr>
+            <a:lvl3pPr marL="914400" indent="0">
+              <a:buFontTx/>
+              <a:buNone/>
+              <a:defRPr/>
+            </a:lvl3pPr>
+            <a:lvl4pPr marL="1371600" indent="0">
+              <a:buFontTx/>
+              <a:buNone/>
+              <a:defRPr/>
+            </a:lvl4pPr>
+            <a:lvl5pPr marL="1828800" indent="0">
+              <a:buFontTx/>
+              <a:buNone/>
+              <a:defRPr/>
+            </a:lvl5pPr>
+          </a:lstStyle>
+          <a:p>
+            <a:pPr lvl="0"/>
+            <a:r>
+              <a:rPr lang="en-US" smtClean="0"/>
+              <a:t>Click to edit Master text styles</a:t>
+            </a:r>
+          </a:p>
+        </p:txBody>
+      </p:sp>
+      <p:sp>
+        <p:nvSpPr>
+          <p:cNvPr id="4" name="Text Placeholder 3"/>
+          <p:cNvSpPr>
+            <a:spLocks noGrp="1"/>
+          </p:cNvSpPr>
+          <p:nvPr>
+            <p:ph type="body" sz="half" idx="2"/>
+          </p:nvPr>
+        </p:nvSpPr>
+        <p:spPr>
+          <a:xfrm>
+            <a:off x="1942415" y="5181600"/>
+            <a:ext cx="6688292" cy="729622"/>
+          </a:xfrm>
+        </p:spPr>
+        <p:txBody>
+          <a:bodyPr vert="horz" lIns="91440" tIns="45720" rIns="91440" bIns="45720" rtlCol="0" anchor="t">
+            <a:normAutofit/>
+          </a:bodyPr>
+          <a:lstStyle>
+            <a:lvl1pPr>
+              <a:buNone/>
+              <a:defRPr lang="en-US">
+                <a:solidFill>
+                  <a:schemeClr val="tx1">
+                    <a:lumMod val="65000"/>
+                    <a:lumOff val="35000"/>
+                  </a:schemeClr>
+                </a:solidFill>
+              </a:defRPr>
+            </a:lvl1pPr>
+          </a:lstStyle>
+          <a:p>
+            <a:pPr marL="0" lvl="0" indent="0">
+              <a:buNone/>
+            </a:pPr>
+            <a:r>
+              <a:rPr lang="en-US" smtClean="0"/>
+              <a:t>Click to edit Master text styles</a:t>
+            </a:r>
+          </a:p>
+        </p:txBody>
+      </p:sp>
+      <p:sp>
+        <p:nvSpPr>
+          <p:cNvPr id="5" name="Date Placeholder 4"/>
+          <p:cNvSpPr>
+            <a:spLocks noGrp="1"/>
+          </p:cNvSpPr>
+          <p:nvPr>
+            <p:ph type="dt" sz="half" idx="10"/>
+          </p:nvPr>
+        </p:nvSpPr>
+        <p:spPr/>
+        <p:txBody>
+          <a:bodyPr/>
+          <a:lstStyle/>
+          <a:p>
+            <a:fld id="{60D67E45-172B-9941-AA88-D5D1B7ED3BBB}" type="datetimeFigureOut">
+              <a:rPr lang="en-US" smtClean="0"/>
+              <a:t>12/2/2014</a:t>
+            </a:fld>
+            <a:endParaRPr lang="en-US"/>
+          </a:p>
+        </p:txBody>
+      </p:sp>
+      <p:sp>
+        <p:nvSpPr>
+          <p:cNvPr id="6" name="Footer Placeholder 5"/>
+          <p:cNvSpPr>
+            <a:spLocks noGrp="1"/>
+          </p:cNvSpPr>
+          <p:nvPr>
+            <p:ph type="ftr" sz="quarter" idx="11"/>
+          </p:nvPr>
+        </p:nvSpPr>
+        <p:spPr/>
+        <p:txBody>
+          <a:bodyPr/>
+          <a:lstStyle/>
+          <a:p>
+            <a:endParaRPr lang="en-US"/>
+          </a:p>
+        </p:txBody>
+      </p:sp>
+      <p:sp>
+        <p:nvSpPr>
+          <p:cNvPr id="20" name="Freeform 11"/>
+          <p:cNvSpPr/>
+          <p:nvPr/>
+        </p:nvSpPr>
+        <p:spPr bwMode="auto">
+          <a:xfrm flipV="1">
+            <a:off x="58" y="4910660"/>
+            <a:ext cx="1358356" cy="508005"/>
+          </a:xfrm>
+          <a:custGeom>
+            <a:avLst/>
+            <a:gdLst/>
+            <a:ahLst/>
+            <a:cxnLst/>
+            <a:rect l="l" t="t" r="r" b="b"/>
+            <a:pathLst>
+              <a:path w="7908" h="10000">
+                <a:moveTo>
+                  <a:pt x="7908" y="4694"/>
+                </a:moveTo>
+                <a:lnTo>
+                  <a:pt x="6575" y="188"/>
+                </a:lnTo>
+                <a:cubicBezTo>
+                  <a:pt x="6566" y="157"/>
+                  <a:pt x="6555" y="125"/>
+                  <a:pt x="6546" y="94"/>
+                </a:cubicBezTo>
+                <a:cubicBezTo>
+                  <a:pt x="6519" y="0"/>
+                  <a:pt x="6491" y="0"/>
+                  <a:pt x="6463" y="0"/>
+                </a:cubicBezTo>
+                <a:lnTo>
+                  <a:pt x="5935" y="0"/>
+                </a:lnTo>
+                <a:lnTo>
+                  <a:pt x="0" y="62"/>
+                </a:lnTo>
+                <a:lnTo>
+                  <a:pt x="0" y="10000"/>
+                </a:lnTo>
+                <a:lnTo>
+                  <a:pt x="5935" y="9952"/>
+                </a:lnTo>
+                <a:lnTo>
+                  <a:pt x="6463" y="9952"/>
+                </a:lnTo>
+                <a:cubicBezTo>
+                  <a:pt x="6491" y="9952"/>
+                  <a:pt x="6519" y="9859"/>
+                  <a:pt x="6546" y="9859"/>
+                </a:cubicBezTo>
+                <a:cubicBezTo>
+                  <a:pt x="6546" y="9764"/>
+                  <a:pt x="6575" y="9764"/>
+                  <a:pt x="6575" y="9764"/>
+                </a:cubicBezTo>
+                <a:lnTo>
+                  <a:pt x="7908" y="5258"/>
+                </a:lnTo>
+                <a:cubicBezTo>
+                  <a:pt x="7963" y="5070"/>
+                  <a:pt x="7963" y="4883"/>
+                  <a:pt x="7908" y="4694"/>
+                </a:cubicBezTo>
+                <a:close/>
+              </a:path>
+            </a:pathLst>
+          </a:custGeom>
+          <a:solidFill>
+            <a:schemeClr val="accent1"/>
+          </a:solidFill>
+          <a:ln>
+            <a:noFill/>
+          </a:ln>
+        </p:spPr>
+      </p:sp>
+      <p:sp>
+        <p:nvSpPr>
+          <p:cNvPr id="7" name="Slide Number Placeholder 6"/>
+          <p:cNvSpPr>
+            <a:spLocks noGrp="1"/>
+          </p:cNvSpPr>
+          <p:nvPr>
+            <p:ph type="sldNum" sz="quarter" idx="12"/>
+          </p:nvPr>
+        </p:nvSpPr>
+        <p:spPr>
+          <a:xfrm>
+            <a:off x="511228" y="4983088"/>
+            <a:ext cx="584978" cy="365125"/>
+          </a:xfrm>
+        </p:spPr>
+        <p:txBody>
+          <a:bodyPr/>
+          <a:lstStyle/>
+          <a:p>
+            <a:fld id="{4772D1F6-2088-5947-932A-20F2538F00F7}" type="slidenum">
+              <a:rPr lang="en-US" smtClean="0"/>
+              <a:t>‹#›</a:t>
+            </a:fld>
+            <a:endParaRPr lang="en-US"/>
+          </a:p>
+        </p:txBody>
+      </p:sp>
+      <p:sp>
+        <p:nvSpPr>
+          <p:cNvPr id="11" name="TextBox 10"/>
+          <p:cNvSpPr txBox="1"/>
+          <p:nvPr/>
+        </p:nvSpPr>
+        <p:spPr>
+          <a:xfrm>
+            <a:off x="1808316" y="648005"/>
+            <a:ext cx="457319" cy="584776"/>
+          </a:xfrm>
+          <a:prstGeom prst="rect">
+            <a:avLst/>
+          </a:prstGeom>
+        </p:spPr>
+        <p:txBody>
+          <a:bodyPr vert="horz" lIns="91440" tIns="45720" rIns="91440" bIns="45720" rtlCol="0" anchor="ctr">
+            <a:noAutofit/>
+          </a:bodyPr>
+          <a:lstStyle/>
+          <a:p>
+            <a:pPr lvl="0"/>
+            <a:r>
+              <a:rPr lang="en-US" sz="8000" baseline="0" dirty="0">
+                <a:ln w="3175" cmpd="sng">
+                  <a:noFill/>
+                </a:ln>
+                <a:solidFill>
+                  <a:schemeClr val="accent1"/>
+                </a:solidFill>
+                <a:effectLst/>
+                <a:latin typeface="Arial"/>
+              </a:rPr>
+              <a:t>“</a:t>
+            </a:r>
+          </a:p>
+        </p:txBody>
+      </p:sp>
+      <p:sp>
+        <p:nvSpPr>
+          <p:cNvPr id="12" name="TextBox 11"/>
+          <p:cNvSpPr txBox="1"/>
+          <p:nvPr/>
+        </p:nvSpPr>
+        <p:spPr>
+          <a:xfrm>
+            <a:off x="8169533" y="2905306"/>
+            <a:ext cx="457319" cy="584776"/>
+          </a:xfrm>
+          <a:prstGeom prst="rect">
+            <a:avLst/>
+          </a:prstGeom>
+        </p:spPr>
+        <p:txBody>
+          <a:bodyPr vert="horz" lIns="91440" tIns="45720" rIns="91440" bIns="45720" rtlCol="0" anchor="ctr">
+            <a:noAutofit/>
+          </a:bodyPr>
+          <a:lstStyle/>
+          <a:p>
+            <a:pPr lvl="0"/>
+            <a:r>
+              <a:rPr lang="en-US" sz="8000" baseline="0" dirty="0">
+                <a:ln w="3175" cmpd="sng">
+                  <a:noFill/>
+                </a:ln>
+                <a:solidFill>
+                  <a:schemeClr val="accent1"/>
+                </a:solidFill>
+                <a:effectLst/>
+                <a:latin typeface="Arial"/>
+              </a:rPr>
+              <a:t>”</a:t>
+            </a:r>
+          </a:p>
+        </p:txBody>
+      </p:sp>
+    </p:spTree>
+    <p:extLst>
+      <p:ext uri="{BB962C8B-B14F-4D97-AF65-F5344CB8AC3E}">
+        <p14:creationId xmlns:p14="http://schemas.microsoft.com/office/powerpoint/2010/main" val="3079921047"/>
+      </p:ext>
+    </p:extLst>
+  </p:cSld>
+  <p:clrMapOvr>
+    <a:masterClrMapping/>
+  </p:clrMapOvr>
+</p:sldLayout>
+</file>
+
+<file path=ppt/slideLayouts/slideLayout14.xml><?xml version="1.0" encoding="utf-8"?>
+<p:sldLayout xmlns:a="http://schemas.openxmlformats.org/drawingml/2006/main" xmlns:r="http://schemas.openxmlformats.org/officeDocument/2006/relationships" xmlns:p="http://schemas.openxmlformats.org/presentationml/2006/main" preserve="1">
+  <p:cSld name="True or False">
+    <p:spTree>
+      <p:nvGrpSpPr>
+        <p:cNvPr id="1" name=""/>
+        <p:cNvGrpSpPr/>
+        <p:nvPr/>
+      </p:nvGrpSpPr>
+      <p:grpSpPr>
+        <a:xfrm>
+          <a:off x="0" y="0"/>
+          <a:ext cx="0" cy="0"/>
+          <a:chOff x="0" y="0"/>
+          <a:chExt cx="0" cy="0"/>
+        </a:xfrm>
+      </p:grpSpPr>
+      <p:sp>
+        <p:nvSpPr>
+          <p:cNvPr id="2" name="Title 1"/>
+          <p:cNvSpPr>
+            <a:spLocks noGrp="1"/>
+          </p:cNvSpPr>
+          <p:nvPr>
+            <p:ph type="title"/>
+          </p:nvPr>
+        </p:nvSpPr>
+        <p:spPr>
+          <a:xfrm>
+            <a:off x="1942416" y="627407"/>
+            <a:ext cx="6591984" cy="2880020"/>
+          </a:xfrm>
+        </p:spPr>
+        <p:txBody>
+          <a:bodyPr anchor="ctr">
+            <a:normAutofit/>
+          </a:bodyPr>
+          <a:lstStyle>
+            <a:lvl1pPr algn="l">
+              <a:defRPr sz="4800" b="0"/>
+            </a:lvl1pPr>
+          </a:lstStyle>
+          <a:p>
+            <a:r>
+              <a:rPr lang="en-US" smtClean="0"/>
+              <a:t>Click to edit Master title style</a:t>
+            </a:r>
+            <a:endParaRPr lang="en-US" dirty="0"/>
+          </a:p>
+        </p:txBody>
+      </p:sp>
+      <p:sp>
+        <p:nvSpPr>
+          <p:cNvPr id="21" name="Text Placeholder 9"/>
+          <p:cNvSpPr>
+            <a:spLocks noGrp="1"/>
+          </p:cNvSpPr>
+          <p:nvPr>
+            <p:ph type="body" sz="quarter" idx="13"/>
+          </p:nvPr>
+        </p:nvSpPr>
+        <p:spPr>
+          <a:xfrm>
+            <a:off x="1942415" y="4343400"/>
+            <a:ext cx="6591985" cy="838200"/>
+          </a:xfrm>
+        </p:spPr>
+        <p:txBody>
+          <a:bodyPr anchor="b">
+            <a:noAutofit/>
+          </a:bodyPr>
+          <a:lstStyle>
+            <a:lvl1pPr marL="0" indent="0">
+              <a:buFontTx/>
+              <a:buNone/>
+              <a:defRPr sz="2400">
+                <a:solidFill>
+                  <a:schemeClr val="accent1"/>
+                </a:solidFill>
+              </a:defRPr>
+            </a:lvl1pPr>
+            <a:lvl2pPr marL="457200" indent="0">
+              <a:buFontTx/>
+              <a:buNone/>
+              <a:defRPr/>
+            </a:lvl2pPr>
+            <a:lvl3pPr marL="914400" indent="0">
+              <a:buFontTx/>
+              <a:buNone/>
+              <a:defRPr/>
+            </a:lvl3pPr>
+            <a:lvl4pPr marL="1371600" indent="0">
+              <a:buFontTx/>
+              <a:buNone/>
+              <a:defRPr/>
+            </a:lvl4pPr>
+            <a:lvl5pPr marL="1828800" indent="0">
+              <a:buFontTx/>
+              <a:buNone/>
+              <a:defRPr/>
+            </a:lvl5pPr>
+          </a:lstStyle>
+          <a:p>
+            <a:pPr lvl="0"/>
+            <a:r>
+              <a:rPr lang="en-US" smtClean="0"/>
+              <a:t>Click to edit Master text styles</a:t>
+            </a:r>
+          </a:p>
+        </p:txBody>
+      </p:sp>
+      <p:sp>
+        <p:nvSpPr>
+          <p:cNvPr id="4" name="Text Placeholder 3"/>
+          <p:cNvSpPr>
+            <a:spLocks noGrp="1"/>
+          </p:cNvSpPr>
+          <p:nvPr>
+            <p:ph type="body" sz="half" idx="2"/>
+          </p:nvPr>
+        </p:nvSpPr>
+        <p:spPr>
+          <a:xfrm>
+            <a:off x="1942415" y="5181600"/>
+            <a:ext cx="6591985" cy="729622"/>
+          </a:xfrm>
+        </p:spPr>
+        <p:txBody>
+          <a:bodyPr vert="horz" lIns="91440" tIns="45720" rIns="91440" bIns="45720" rtlCol="0" anchor="t">
+            <a:normAutofit/>
+          </a:bodyPr>
+          <a:lstStyle>
+            <a:lvl1pPr>
+              <a:buNone/>
+              <a:defRPr lang="en-US">
+                <a:solidFill>
+                  <a:schemeClr val="tx1">
+                    <a:lumMod val="65000"/>
+                    <a:lumOff val="35000"/>
+                  </a:schemeClr>
+                </a:solidFill>
+              </a:defRPr>
+            </a:lvl1pPr>
+          </a:lstStyle>
+          <a:p>
+            <a:pPr marL="0" lvl="0" indent="0">
+              <a:buNone/>
+            </a:pPr>
+            <a:r>
+              <a:rPr lang="en-US" smtClean="0"/>
+              <a:t>Click to edit Master text styles</a:t>
+            </a:r>
+          </a:p>
+        </p:txBody>
+      </p:sp>
+      <p:sp>
+        <p:nvSpPr>
+          <p:cNvPr id="5" name="Date Placeholder 4"/>
+          <p:cNvSpPr>
+            <a:spLocks noGrp="1"/>
+          </p:cNvSpPr>
+          <p:nvPr>
+            <p:ph type="dt" sz="half" idx="10"/>
+          </p:nvPr>
+        </p:nvSpPr>
+        <p:spPr/>
+        <p:txBody>
+          <a:bodyPr/>
+          <a:lstStyle/>
+          <a:p>
+            <a:fld id="{60D67E45-172B-9941-AA88-D5D1B7ED3BBB}" type="datetimeFigureOut">
+              <a:rPr lang="en-US" smtClean="0"/>
+              <a:t>12/2/2014</a:t>
+            </a:fld>
+            <a:endParaRPr lang="en-US"/>
+          </a:p>
+        </p:txBody>
+      </p:sp>
+      <p:sp>
+        <p:nvSpPr>
+          <p:cNvPr id="6" name="Footer Placeholder 5"/>
+          <p:cNvSpPr>
+            <a:spLocks noGrp="1"/>
+          </p:cNvSpPr>
+          <p:nvPr>
+            <p:ph type="ftr" sz="quarter" idx="11"/>
+          </p:nvPr>
+        </p:nvSpPr>
+        <p:spPr/>
+        <p:txBody>
+          <a:bodyPr/>
+          <a:lstStyle/>
+          <a:p>
+            <a:endParaRPr lang="en-US"/>
+          </a:p>
+        </p:txBody>
+      </p:sp>
+      <p:sp>
+        <p:nvSpPr>
+          <p:cNvPr id="10" name="Freeform 11"/>
+          <p:cNvSpPr/>
+          <p:nvPr/>
+        </p:nvSpPr>
+        <p:spPr bwMode="auto">
+          <a:xfrm flipV="1">
+            <a:off x="58" y="4910660"/>
+            <a:ext cx="1358356" cy="508005"/>
+          </a:xfrm>
+          <a:custGeom>
+            <a:avLst/>
+            <a:gdLst/>
+            <a:ahLst/>
+            <a:cxnLst/>
+            <a:rect l="l" t="t" r="r" b="b"/>
+            <a:pathLst>
+              <a:path w="7908" h="10000">
+                <a:moveTo>
+                  <a:pt x="7908" y="4694"/>
+                </a:moveTo>
+                <a:lnTo>
+                  <a:pt x="6575" y="188"/>
+                </a:lnTo>
+                <a:cubicBezTo>
+                  <a:pt x="6566" y="157"/>
+                  <a:pt x="6555" y="125"/>
+                  <a:pt x="6546" y="94"/>
+                </a:cubicBezTo>
+                <a:cubicBezTo>
+                  <a:pt x="6519" y="0"/>
+                  <a:pt x="6491" y="0"/>
+                  <a:pt x="6463" y="0"/>
+                </a:cubicBezTo>
+                <a:lnTo>
+                  <a:pt x="5935" y="0"/>
+                </a:lnTo>
+                <a:lnTo>
+                  <a:pt x="0" y="62"/>
+                </a:lnTo>
+                <a:lnTo>
+                  <a:pt x="0" y="10000"/>
+                </a:lnTo>
+                <a:lnTo>
+                  <a:pt x="5935" y="9952"/>
+                </a:lnTo>
+                <a:lnTo>
+                  <a:pt x="6463" y="9952"/>
+                </a:lnTo>
+                <a:cubicBezTo>
+                  <a:pt x="6491" y="9952"/>
+                  <a:pt x="6519" y="9859"/>
+                  <a:pt x="6546" y="9859"/>
+                </a:cubicBezTo>
+                <a:cubicBezTo>
+                  <a:pt x="6546" y="9764"/>
+                  <a:pt x="6575" y="9764"/>
+                  <a:pt x="6575" y="9764"/>
+                </a:cubicBezTo>
+                <a:lnTo>
+                  <a:pt x="7908" y="5258"/>
+                </a:lnTo>
+                <a:cubicBezTo>
+                  <a:pt x="7963" y="5070"/>
+                  <a:pt x="7963" y="4883"/>
+                  <a:pt x="7908" y="4694"/>
+                </a:cubicBezTo>
+                <a:close/>
+              </a:path>
+            </a:pathLst>
+          </a:custGeom>
+          <a:solidFill>
+            <a:schemeClr val="accent1"/>
+          </a:solidFill>
+          <a:ln>
+            <a:noFill/>
+          </a:ln>
+        </p:spPr>
+      </p:sp>
+      <p:sp>
+        <p:nvSpPr>
+          <p:cNvPr id="7" name="Slide Number Placeholder 6"/>
+          <p:cNvSpPr>
+            <a:spLocks noGrp="1"/>
+          </p:cNvSpPr>
+          <p:nvPr>
+            <p:ph type="sldNum" sz="quarter" idx="12"/>
+          </p:nvPr>
+        </p:nvSpPr>
+        <p:spPr>
+          <a:xfrm>
+            <a:off x="511228" y="4983088"/>
+            <a:ext cx="584978" cy="365125"/>
+          </a:xfrm>
+        </p:spPr>
+        <p:txBody>
+          <a:bodyPr/>
+          <a:lstStyle/>
+          <a:p>
+            <a:fld id="{4772D1F6-2088-5947-932A-20F2538F00F7}" type="slidenum">
+              <a:rPr lang="en-US" smtClean="0"/>
+              <a:t>‹#›</a:t>
+            </a:fld>
+            <a:endParaRPr lang="en-US"/>
+          </a:p>
+        </p:txBody>
+      </p:sp>
+    </p:spTree>
+    <p:extLst>
+      <p:ext uri="{BB962C8B-B14F-4D97-AF65-F5344CB8AC3E}">
+        <p14:creationId xmlns:p14="http://schemas.microsoft.com/office/powerpoint/2010/main" val="2289288797"/>
+      </p:ext>
+    </p:extLst>
+  </p:cSld>
+  <p:clrMapOvr>
+    <a:masterClrMapping/>
+  </p:clrMapOvr>
+</p:sldLayout>
+</file>
+
+<file path=ppt/slideLayouts/slideLayout15.xml><?xml version="1.0" encoding="utf-8"?>
 <p:sldLayout xmlns:a="http://schemas.openxmlformats.org/drawingml/2006/main" xmlns:r="http://schemas.openxmlformats.org/officeDocument/2006/relationships" xmlns:p="http://schemas.openxmlformats.org/presentationml/2006/main" type="vertTx" preserve="1">
   <p:cSld name="Title and Vertical Text">
     <p:spTree>
@@ -408,7 +2277,7 @@
               <a:rPr lang="en-US" smtClean="0"/>
               <a:t>Click to edit Master title style</a:t>
             </a:r>
-            <a:endParaRPr lang="en-US"/>
+            <a:endParaRPr lang="en-US" dirty="0"/>
           </a:p>
         </p:txBody>
       </p:sp>
@@ -424,7 +2293,7 @@
         </p:nvSpPr>
         <p:spPr/>
         <p:txBody>
-          <a:bodyPr vert="eaVert"/>
+          <a:bodyPr vert="eaVert" anchor="t"/>
           <a:lstStyle/>
           <a:p>
             <a:pPr lvl="0"/>
@@ -460,7 +2329,7 @@
               <a:rPr lang="en-US" smtClean="0"/>
               <a:t>Fifth level</a:t>
             </a:r>
-            <a:endParaRPr lang="en-US"/>
+            <a:endParaRPr lang="en-US" dirty="0"/>
           </a:p>
         </p:txBody>
       </p:sp>
@@ -481,7 +2350,7 @@
           <a:p>
             <a:fld id="{60D67E45-172B-9941-AA88-D5D1B7ED3BBB}" type="datetimeFigureOut">
               <a:rPr lang="en-US" smtClean="0"/>
-              <a:t>12/2/14</a:t>
+              <a:t>12/2/2014</a:t>
             </a:fld>
             <a:endParaRPr lang="en-US"/>
           </a:p>
@@ -505,6 +2374,86 @@
             <a:endParaRPr lang="en-US"/>
           </a:p>
         </p:txBody>
+      </p:sp>
+      <p:sp>
+        <p:nvSpPr>
+          <p:cNvPr id="10" name="Freeform 11"/>
+          <p:cNvSpPr/>
+          <p:nvPr/>
+        </p:nvSpPr>
+        <p:spPr bwMode="auto">
+          <a:xfrm flipV="1">
+            <a:off x="58" y="711194"/>
+            <a:ext cx="1358356" cy="508005"/>
+          </a:xfrm>
+          <a:custGeom>
+            <a:avLst/>
+            <a:gdLst/>
+            <a:ahLst/>
+            <a:cxnLst/>
+            <a:rect l="l" t="t" r="r" b="b"/>
+            <a:pathLst>
+              <a:path w="7908" h="10000">
+                <a:moveTo>
+                  <a:pt x="7908" y="4694"/>
+                </a:moveTo>
+                <a:lnTo>
+                  <a:pt x="6575" y="188"/>
+                </a:lnTo>
+                <a:cubicBezTo>
+                  <a:pt x="6566" y="157"/>
+                  <a:pt x="6555" y="125"/>
+                  <a:pt x="6546" y="94"/>
+                </a:cubicBezTo>
+                <a:cubicBezTo>
+                  <a:pt x="6519" y="0"/>
+                  <a:pt x="6491" y="0"/>
+                  <a:pt x="6463" y="0"/>
+                </a:cubicBezTo>
+                <a:lnTo>
+                  <a:pt x="5935" y="0"/>
+                </a:lnTo>
+                <a:lnTo>
+                  <a:pt x="0" y="62"/>
+                </a:lnTo>
+                <a:lnTo>
+                  <a:pt x="0" y="10000"/>
+                </a:lnTo>
+                <a:lnTo>
+                  <a:pt x="5935" y="9952"/>
+                </a:lnTo>
+                <a:lnTo>
+                  <a:pt x="6463" y="9952"/>
+                </a:lnTo>
+                <a:cubicBezTo>
+                  <a:pt x="6491" y="9952"/>
+                  <a:pt x="6519" y="9859"/>
+                  <a:pt x="6546" y="9859"/>
+                </a:cubicBezTo>
+                <a:cubicBezTo>
+                  <a:pt x="6546" y="9764"/>
+                  <a:pt x="6575" y="9764"/>
+                  <a:pt x="6575" y="9764"/>
+                </a:cubicBezTo>
+                <a:lnTo>
+                  <a:pt x="7908" y="5258"/>
+                </a:lnTo>
+                <a:cubicBezTo>
+                  <a:pt x="7963" y="5070"/>
+                  <a:pt x="7963" y="4883"/>
+                  <a:pt x="7908" y="4694"/>
+                </a:cubicBezTo>
+                <a:close/>
+              </a:path>
+            </a:pathLst>
+          </a:custGeom>
+          <a:solidFill>
+            <a:schemeClr val="accent1"/>
+          </a:solidFill>
+          <a:ln>
+            <a:noFill/>
+          </a:ln>
+        </p:spPr>
       </p:sp>
       <p:sp>
         <p:nvSpPr>
@@ -532,7 +2481,7 @@
     </p:spTree>
     <p:extLst>
       <p:ext uri="{BB962C8B-B14F-4D97-AF65-F5344CB8AC3E}">
-        <p14:creationId xmlns:p14="http://schemas.microsoft.com/office/powerpoint/2010/main" val="3644373998"/>
+        <p14:creationId xmlns:p14="http://schemas.microsoft.com/office/powerpoint/2010/main" val="2568986451"/>
       </p:ext>
     </p:extLst>
   </p:cSld>
@@ -542,7 +2491,7 @@
 </p:sldLayout>
 </file>
 
-<file path=ppt/slideLayouts/slideLayout11.xml><?xml version="1.0" encoding="utf-8"?>
+<file path=ppt/slideLayouts/slideLayout16.xml><?xml version="1.0" encoding="utf-8"?>
 <p:sldLayout xmlns:a="http://schemas.openxmlformats.org/drawingml/2006/main" xmlns:r="http://schemas.openxmlformats.org/officeDocument/2006/relationships" xmlns:p="http://schemas.openxmlformats.org/presentationml/2006/main" type="vertTitleAndTx" preserve="1">
   <p:cSld name="Vertical Title and Text">
     <p:spTree>
@@ -571,42 +2520,42 @@
         </p:nvSpPr>
         <p:spPr>
           <a:xfrm>
-            <a:off x="6629400" y="274638"/>
-            <a:ext cx="2057400" cy="5851525"/>
+            <a:off x="6878535" y="627406"/>
+            <a:ext cx="1656132" cy="5283817"/>
           </a:xfrm>
         </p:spPr>
         <p:txBody>
+          <a:bodyPr vert="eaVert" anchor="ctr"/>
+          <a:lstStyle/>
+          <a:p>
+            <a:r>
+              <a:rPr lang="en-US" smtClean="0"/>
+              <a:t>Click to edit Master title style</a:t>
+            </a:r>
+            <a:endParaRPr lang="en-US" dirty="0"/>
+          </a:p>
+        </p:txBody>
+      </p:sp>
+      <p:sp>
+        <p:nvSpPr>
+          <p:cNvPr id="3" name="Vertical Text Placeholder 2"/>
+          <p:cNvSpPr>
+            <a:spLocks noGrp="1"/>
+          </p:cNvSpPr>
+          <p:nvPr>
+            <p:ph type="body" orient="vert" idx="1"/>
+          </p:nvPr>
+        </p:nvSpPr>
+        <p:spPr>
+          <a:xfrm>
+            <a:off x="1942416" y="627406"/>
+            <a:ext cx="4716348" cy="5283817"/>
+          </a:xfrm>
+        </p:spPr>
+        <p:txBody>
           <a:bodyPr vert="eaVert"/>
           <a:lstStyle/>
           <a:p>
-            <a:r>
-              <a:rPr lang="en-US" smtClean="0"/>
-              <a:t>Click to edit Master title style</a:t>
-            </a:r>
-            <a:endParaRPr lang="en-US"/>
-          </a:p>
-        </p:txBody>
-      </p:sp>
-      <p:sp>
-        <p:nvSpPr>
-          <p:cNvPr id="3" name="Vertical Text Placeholder 2"/>
-          <p:cNvSpPr>
-            <a:spLocks noGrp="1"/>
-          </p:cNvSpPr>
-          <p:nvPr>
-            <p:ph type="body" orient="vert" idx="1"/>
-          </p:nvPr>
-        </p:nvSpPr>
-        <p:spPr>
-          <a:xfrm>
-            <a:off x="457200" y="274638"/>
-            <a:ext cx="6019800" cy="5851525"/>
-          </a:xfrm>
-        </p:spPr>
-        <p:txBody>
-          <a:bodyPr vert="eaVert"/>
-          <a:lstStyle/>
-          <a:p>
             <a:pPr lvl="0"/>
             <a:r>
               <a:rPr lang="en-US" smtClean="0"/>
@@ -640,7 +2589,7 @@
               <a:rPr lang="en-US" smtClean="0"/>
               <a:t>Fifth level</a:t>
             </a:r>
-            <a:endParaRPr lang="en-US"/>
+            <a:endParaRPr lang="en-US" dirty="0"/>
           </a:p>
         </p:txBody>
       </p:sp>
@@ -661,7 +2610,7 @@
           <a:p>
             <a:fld id="{60D67E45-172B-9941-AA88-D5D1B7ED3BBB}" type="datetimeFigureOut">
               <a:rPr lang="en-US" smtClean="0"/>
-              <a:t>12/2/14</a:t>
+              <a:t>12/2/2014</a:t>
             </a:fld>
             <a:endParaRPr lang="en-US"/>
           </a:p>
@@ -685,6 +2634,86 @@
             <a:endParaRPr lang="en-US"/>
           </a:p>
         </p:txBody>
+      </p:sp>
+      <p:sp>
+        <p:nvSpPr>
+          <p:cNvPr id="10" name="Freeform 11"/>
+          <p:cNvSpPr/>
+          <p:nvPr/>
+        </p:nvSpPr>
+        <p:spPr bwMode="auto">
+          <a:xfrm flipV="1">
+            <a:off x="58" y="711194"/>
+            <a:ext cx="1358356" cy="508005"/>
+          </a:xfrm>
+          <a:custGeom>
+            <a:avLst/>
+            <a:gdLst/>
+            <a:ahLst/>
+            <a:cxnLst/>
+            <a:rect l="l" t="t" r="r" b="b"/>
+            <a:pathLst>
+              <a:path w="7908" h="10000">
+                <a:moveTo>
+                  <a:pt x="7908" y="4694"/>
+                </a:moveTo>
+                <a:lnTo>
+                  <a:pt x="6575" y="188"/>
+                </a:lnTo>
+                <a:cubicBezTo>
+                  <a:pt x="6566" y="157"/>
+                  <a:pt x="6555" y="125"/>
+                  <a:pt x="6546" y="94"/>
+                </a:cubicBezTo>
+                <a:cubicBezTo>
+                  <a:pt x="6519" y="0"/>
+                  <a:pt x="6491" y="0"/>
+                  <a:pt x="6463" y="0"/>
+                </a:cubicBezTo>
+                <a:lnTo>
+                  <a:pt x="5935" y="0"/>
+                </a:lnTo>
+                <a:lnTo>
+                  <a:pt x="0" y="62"/>
+                </a:lnTo>
+                <a:lnTo>
+                  <a:pt x="0" y="10000"/>
+                </a:lnTo>
+                <a:lnTo>
+                  <a:pt x="5935" y="9952"/>
+                </a:lnTo>
+                <a:lnTo>
+                  <a:pt x="6463" y="9952"/>
+                </a:lnTo>
+                <a:cubicBezTo>
+                  <a:pt x="6491" y="9952"/>
+                  <a:pt x="6519" y="9859"/>
+                  <a:pt x="6546" y="9859"/>
+                </a:cubicBezTo>
+                <a:cubicBezTo>
+                  <a:pt x="6546" y="9764"/>
+                  <a:pt x="6575" y="9764"/>
+                  <a:pt x="6575" y="9764"/>
+                </a:cubicBezTo>
+                <a:lnTo>
+                  <a:pt x="7908" y="5258"/>
+                </a:lnTo>
+                <a:cubicBezTo>
+                  <a:pt x="7963" y="5070"/>
+                  <a:pt x="7963" y="4883"/>
+                  <a:pt x="7908" y="4694"/>
+                </a:cubicBezTo>
+                <a:close/>
+              </a:path>
+            </a:pathLst>
+          </a:custGeom>
+          <a:solidFill>
+            <a:schemeClr val="accent1"/>
+          </a:solidFill>
+          <a:ln>
+            <a:noFill/>
+          </a:ln>
+        </p:spPr>
       </p:sp>
       <p:sp>
         <p:nvSpPr>
@@ -712,7 +2741,7 @@
     </p:spTree>
     <p:extLst>
       <p:ext uri="{BB962C8B-B14F-4D97-AF65-F5344CB8AC3E}">
-        <p14:creationId xmlns:p14="http://schemas.microsoft.com/office/powerpoint/2010/main" val="1224795304"/>
+        <p14:creationId xmlns:p14="http://schemas.microsoft.com/office/powerpoint/2010/main" val="2392445066"/>
       </p:ext>
     </p:extLst>
   </p:cSld>
@@ -749,7 +2778,12 @@
             <p:ph type="title"/>
           </p:nvPr>
         </p:nvSpPr>
-        <p:spPr/>
+        <p:spPr>
+          <a:xfrm>
+            <a:off x="1945201" y="624110"/>
+            <a:ext cx="6589199" cy="1280890"/>
+          </a:xfrm>
+        </p:spPr>
         <p:txBody>
           <a:bodyPr/>
           <a:lstStyle/>
@@ -758,7 +2792,7 @@
               <a:rPr lang="en-US" smtClean="0"/>
               <a:t>Click to edit Master title style</a:t>
             </a:r>
-            <a:endParaRPr lang="en-US"/>
+            <a:endParaRPr lang="en-US" dirty="0"/>
           </a:p>
         </p:txBody>
       </p:sp>
@@ -772,7 +2806,12 @@
             <p:ph idx="1"/>
           </p:nvPr>
         </p:nvSpPr>
-        <p:spPr/>
+        <p:spPr>
+          <a:xfrm>
+            <a:off x="1942415" y="2133600"/>
+            <a:ext cx="6591985" cy="3777622"/>
+          </a:xfrm>
+        </p:spPr>
         <p:txBody>
           <a:bodyPr/>
           <a:lstStyle/>
@@ -810,7 +2849,7 @@
               <a:rPr lang="en-US" smtClean="0"/>
               <a:t>Fifth level</a:t>
             </a:r>
-            <a:endParaRPr lang="en-US"/>
+            <a:endParaRPr lang="en-US" dirty="0"/>
           </a:p>
         </p:txBody>
       </p:sp>
@@ -831,7 +2870,7 @@
           <a:p>
             <a:fld id="{60D67E45-172B-9941-AA88-D5D1B7ED3BBB}" type="datetimeFigureOut">
               <a:rPr lang="en-US" smtClean="0"/>
-              <a:t>12/2/14</a:t>
+              <a:t>12/2/2014</a:t>
             </a:fld>
             <a:endParaRPr lang="en-US"/>
           </a:p>
@@ -855,6 +2894,86 @@
             <a:endParaRPr lang="en-US"/>
           </a:p>
         </p:txBody>
+      </p:sp>
+      <p:sp>
+        <p:nvSpPr>
+          <p:cNvPr id="10" name="Freeform 11"/>
+          <p:cNvSpPr/>
+          <p:nvPr/>
+        </p:nvSpPr>
+        <p:spPr bwMode="auto">
+          <a:xfrm flipV="1">
+            <a:off x="58" y="711194"/>
+            <a:ext cx="1358356" cy="508005"/>
+          </a:xfrm>
+          <a:custGeom>
+            <a:avLst/>
+            <a:gdLst/>
+            <a:ahLst/>
+            <a:cxnLst/>
+            <a:rect l="l" t="t" r="r" b="b"/>
+            <a:pathLst>
+              <a:path w="7908" h="10000">
+                <a:moveTo>
+                  <a:pt x="7908" y="4694"/>
+                </a:moveTo>
+                <a:lnTo>
+                  <a:pt x="6575" y="188"/>
+                </a:lnTo>
+                <a:cubicBezTo>
+                  <a:pt x="6566" y="157"/>
+                  <a:pt x="6555" y="125"/>
+                  <a:pt x="6546" y="94"/>
+                </a:cubicBezTo>
+                <a:cubicBezTo>
+                  <a:pt x="6519" y="0"/>
+                  <a:pt x="6491" y="0"/>
+                  <a:pt x="6463" y="0"/>
+                </a:cubicBezTo>
+                <a:lnTo>
+                  <a:pt x="5935" y="0"/>
+                </a:lnTo>
+                <a:lnTo>
+                  <a:pt x="0" y="62"/>
+                </a:lnTo>
+                <a:lnTo>
+                  <a:pt x="0" y="10000"/>
+                </a:lnTo>
+                <a:lnTo>
+                  <a:pt x="5935" y="9952"/>
+                </a:lnTo>
+                <a:lnTo>
+                  <a:pt x="6463" y="9952"/>
+                </a:lnTo>
+                <a:cubicBezTo>
+                  <a:pt x="6491" y="9952"/>
+                  <a:pt x="6519" y="9859"/>
+                  <a:pt x="6546" y="9859"/>
+                </a:cubicBezTo>
+                <a:cubicBezTo>
+                  <a:pt x="6546" y="9764"/>
+                  <a:pt x="6575" y="9764"/>
+                  <a:pt x="6575" y="9764"/>
+                </a:cubicBezTo>
+                <a:lnTo>
+                  <a:pt x="7908" y="5258"/>
+                </a:lnTo>
+                <a:cubicBezTo>
+                  <a:pt x="7963" y="5070"/>
+                  <a:pt x="7963" y="4883"/>
+                  <a:pt x="7908" y="4694"/>
+                </a:cubicBezTo>
+                <a:close/>
+              </a:path>
+            </a:pathLst>
+          </a:custGeom>
+          <a:solidFill>
+            <a:schemeClr val="accent1"/>
+          </a:solidFill>
+          <a:ln>
+            <a:noFill/>
+          </a:ln>
+        </p:spPr>
       </p:sp>
       <p:sp>
         <p:nvSpPr>
@@ -882,7 +3001,7 @@
     </p:spTree>
     <p:extLst>
       <p:ext uri="{BB962C8B-B14F-4D97-AF65-F5344CB8AC3E}">
-        <p14:creationId xmlns:p14="http://schemas.microsoft.com/office/powerpoint/2010/main" val="184775975"/>
+        <p14:creationId xmlns:p14="http://schemas.microsoft.com/office/powerpoint/2010/main" val="2377007353"/>
       </p:ext>
     </p:extLst>
   </p:cSld>
@@ -921,51 +3040,52 @@
         </p:nvSpPr>
         <p:spPr>
           <a:xfrm>
-            <a:off x="722313" y="4406900"/>
-            <a:ext cx="7772400" cy="1362075"/>
+            <a:off x="1942415" y="2074562"/>
+            <a:ext cx="6591985" cy="1468800"/>
           </a:xfrm>
         </p:spPr>
         <p:txBody>
+          <a:bodyPr anchor="b"/>
+          <a:lstStyle>
+            <a:lvl1pPr algn="l">
+              <a:defRPr sz="4000" b="0" cap="none"/>
+            </a:lvl1pPr>
+          </a:lstStyle>
+          <a:p>
+            <a:r>
+              <a:rPr lang="en-US" smtClean="0"/>
+              <a:t>Click to edit Master title style</a:t>
+            </a:r>
+            <a:endParaRPr lang="en-US" dirty="0"/>
+          </a:p>
+        </p:txBody>
+      </p:sp>
+      <p:sp>
+        <p:nvSpPr>
+          <p:cNvPr id="3" name="Text Placeholder 2"/>
+          <p:cNvSpPr>
+            <a:spLocks noGrp="1"/>
+          </p:cNvSpPr>
+          <p:nvPr>
+            <p:ph type="body" idx="1"/>
+          </p:nvPr>
+        </p:nvSpPr>
+        <p:spPr>
+          <a:xfrm>
+            <a:off x="1942415" y="3581400"/>
+            <a:ext cx="6591985" cy="860400"/>
+          </a:xfrm>
+        </p:spPr>
+        <p:txBody>
           <a:bodyPr anchor="t"/>
           <a:lstStyle>
-            <a:lvl1pPr algn="l">
-              <a:defRPr sz="4000" b="1" cap="all"/>
-            </a:lvl1pPr>
-          </a:lstStyle>
-          <a:p>
-            <a:r>
-              <a:rPr lang="en-US" smtClean="0"/>
-              <a:t>Click to edit Master title style</a:t>
-            </a:r>
-            <a:endParaRPr lang="en-US"/>
-          </a:p>
-        </p:txBody>
-      </p:sp>
-      <p:sp>
-        <p:nvSpPr>
-          <p:cNvPr id="3" name="Text Placeholder 2"/>
-          <p:cNvSpPr>
-            <a:spLocks noGrp="1"/>
-          </p:cNvSpPr>
-          <p:nvPr>
-            <p:ph type="body" idx="1"/>
-          </p:nvPr>
-        </p:nvSpPr>
-        <p:spPr>
-          <a:xfrm>
-            <a:off x="722313" y="2906713"/>
-            <a:ext cx="7772400" cy="1500187"/>
-          </a:xfrm>
-        </p:spPr>
-        <p:txBody>
-          <a:bodyPr anchor="b"/>
-          <a:lstStyle>
-            <a:lvl1pPr marL="0" indent="0">
+            <a:lvl1pPr marL="0" indent="0" algn="l">
               <a:buNone/>
               <a:defRPr sz="2000">
                 <a:solidFill>
                   <a:schemeClr val="tx1">
-                    <a:tint val="75000"/>
+                    <a:lumMod val="65000"/>
+                    <a:lumOff val="35000"/>
                   </a:schemeClr>
                 </a:solidFill>
               </a:defRPr>
@@ -1077,7 +3197,7 @@
           <a:p>
             <a:fld id="{60D67E45-172B-9941-AA88-D5D1B7ED3BBB}" type="datetimeFigureOut">
               <a:rPr lang="en-US" smtClean="0"/>
-              <a:t>12/2/14</a:t>
+              <a:t>12/2/2014</a:t>
             </a:fld>
             <a:endParaRPr lang="en-US"/>
           </a:p>
@@ -1104,6 +3224,86 @@
       </p:sp>
       <p:sp>
         <p:nvSpPr>
+          <p:cNvPr id="11" name="Freeform 11"/>
+          <p:cNvSpPr/>
+          <p:nvPr/>
+        </p:nvSpPr>
+        <p:spPr bwMode="auto">
+          <a:xfrm flipV="1">
+            <a:off x="58" y="3166527"/>
+            <a:ext cx="1358356" cy="508005"/>
+          </a:xfrm>
+          <a:custGeom>
+            <a:avLst/>
+            <a:gdLst/>
+            <a:ahLst/>
+            <a:cxnLst/>
+            <a:rect l="l" t="t" r="r" b="b"/>
+            <a:pathLst>
+              <a:path w="7908" h="10000">
+                <a:moveTo>
+                  <a:pt x="7908" y="4694"/>
+                </a:moveTo>
+                <a:lnTo>
+                  <a:pt x="6575" y="188"/>
+                </a:lnTo>
+                <a:cubicBezTo>
+                  <a:pt x="6566" y="157"/>
+                  <a:pt x="6555" y="125"/>
+                  <a:pt x="6546" y="94"/>
+                </a:cubicBezTo>
+                <a:cubicBezTo>
+                  <a:pt x="6519" y="0"/>
+                  <a:pt x="6491" y="0"/>
+                  <a:pt x="6463" y="0"/>
+                </a:cubicBezTo>
+                <a:lnTo>
+                  <a:pt x="5935" y="0"/>
+                </a:lnTo>
+                <a:lnTo>
+                  <a:pt x="0" y="62"/>
+                </a:lnTo>
+                <a:lnTo>
+                  <a:pt x="0" y="10000"/>
+                </a:lnTo>
+                <a:lnTo>
+                  <a:pt x="5935" y="9952"/>
+                </a:lnTo>
+                <a:lnTo>
+                  <a:pt x="6463" y="9952"/>
+                </a:lnTo>
+                <a:cubicBezTo>
+                  <a:pt x="6491" y="9952"/>
+                  <a:pt x="6519" y="9859"/>
+                  <a:pt x="6546" y="9859"/>
+                </a:cubicBezTo>
+                <a:cubicBezTo>
+                  <a:pt x="6546" y="9764"/>
+                  <a:pt x="6575" y="9764"/>
+                  <a:pt x="6575" y="9764"/>
+                </a:cubicBezTo>
+                <a:lnTo>
+                  <a:pt x="7908" y="5258"/>
+                </a:lnTo>
+                <a:cubicBezTo>
+                  <a:pt x="7963" y="5070"/>
+                  <a:pt x="7963" y="4883"/>
+                  <a:pt x="7908" y="4694"/>
+                </a:cubicBezTo>
+                <a:close/>
+              </a:path>
+            </a:pathLst>
+          </a:custGeom>
+          <a:solidFill>
+            <a:schemeClr val="accent1"/>
+          </a:solidFill>
+          <a:ln>
+            <a:noFill/>
+          </a:ln>
+        </p:spPr>
+      </p:sp>
+      <p:sp>
+        <p:nvSpPr>
           <p:cNvPr id="6" name="Slide Number Placeholder 5"/>
           <p:cNvSpPr>
             <a:spLocks noGrp="1"/>
@@ -1112,7 +3312,12 @@
             <p:ph type="sldNum" sz="quarter" idx="12"/>
           </p:nvPr>
         </p:nvSpPr>
-        <p:spPr/>
+        <p:spPr>
+          <a:xfrm>
+            <a:off x="511228" y="3244140"/>
+            <a:ext cx="584978" cy="365125"/>
+          </a:xfrm>
+        </p:spPr>
         <p:txBody>
           <a:bodyPr/>
           <a:lstStyle/>
@@ -1128,7 +3333,7 @@
     </p:spTree>
     <p:extLst>
       <p:ext uri="{BB962C8B-B14F-4D97-AF65-F5344CB8AC3E}">
-        <p14:creationId xmlns:p14="http://schemas.microsoft.com/office/powerpoint/2010/main" val="3361198499"/>
+        <p14:creationId xmlns:p14="http://schemas.microsoft.com/office/powerpoint/2010/main" val="1547921140"/>
       </p:ext>
     </p:extLst>
   </p:cSld>
@@ -1157,7 +3362,7 @@
       </p:grpSpPr>
       <p:sp>
         <p:nvSpPr>
-          <p:cNvPr id="2" name="Title 1"/>
+          <p:cNvPr id="8" name="Title 7"/>
           <p:cNvSpPr>
             <a:spLocks noGrp="1"/>
           </p:cNvSpPr>
@@ -1174,7 +3379,7 @@
               <a:rPr lang="en-US" smtClean="0"/>
               <a:t>Click to edit Master title style</a:t>
             </a:r>
-            <a:endParaRPr lang="en-US"/>
+            <a:endParaRPr lang="en-US" dirty="0"/>
           </a:p>
         </p:txBody>
       </p:sp>
@@ -1190,41 +3395,15 @@
         </p:nvSpPr>
         <p:spPr>
           <a:xfrm>
-            <a:off x="457200" y="1600200"/>
-            <a:ext cx="4038600" cy="4525963"/>
+            <a:off x="1942416" y="2136706"/>
+            <a:ext cx="3197531" cy="3767397"/>
           </a:xfrm>
         </p:spPr>
         <p:txBody>
-          <a:bodyPr/>
-          <a:lstStyle>
-            <a:lvl1pPr>
-              <a:defRPr sz="2800"/>
-            </a:lvl1pPr>
-            <a:lvl2pPr>
-              <a:defRPr sz="2400"/>
-            </a:lvl2pPr>
-            <a:lvl3pPr>
-              <a:defRPr sz="2000"/>
-            </a:lvl3pPr>
-            <a:lvl4pPr>
-              <a:defRPr sz="1800"/>
-            </a:lvl4pPr>
-            <a:lvl5pPr>
-              <a:defRPr sz="1800"/>
-            </a:lvl5pPr>
-            <a:lvl6pPr>
-              <a:defRPr sz="1800"/>
-            </a:lvl6pPr>
-            <a:lvl7pPr>
-              <a:defRPr sz="1800"/>
-            </a:lvl7pPr>
-            <a:lvl8pPr>
-              <a:defRPr sz="1800"/>
-            </a:lvl8pPr>
-            <a:lvl9pPr>
-              <a:defRPr sz="1800"/>
-            </a:lvl9pPr>
-          </a:lstStyle>
+          <a:bodyPr>
+            <a:normAutofit/>
+          </a:bodyPr>
+          <a:lstStyle/>
           <a:p>
             <a:pPr lvl="0"/>
             <a:r>
@@ -1259,7 +3438,7 @@
               <a:rPr lang="en-US" smtClean="0"/>
               <a:t>Fifth level</a:t>
             </a:r>
-            <a:endParaRPr lang="en-US"/>
+            <a:endParaRPr lang="en-US" dirty="0"/>
           </a:p>
         </p:txBody>
       </p:sp>
@@ -1275,41 +3454,15 @@
         </p:nvSpPr>
         <p:spPr>
           <a:xfrm>
-            <a:off x="4648200" y="1600200"/>
-            <a:ext cx="4038600" cy="4525963"/>
+            <a:off x="5337307" y="2136706"/>
+            <a:ext cx="3197093" cy="3767397"/>
           </a:xfrm>
         </p:spPr>
         <p:txBody>
-          <a:bodyPr/>
-          <a:lstStyle>
-            <a:lvl1pPr>
-              <a:defRPr sz="2800"/>
-            </a:lvl1pPr>
-            <a:lvl2pPr>
-              <a:defRPr sz="2400"/>
-            </a:lvl2pPr>
-            <a:lvl3pPr>
-              <a:defRPr sz="2000"/>
-            </a:lvl3pPr>
-            <a:lvl4pPr>
-              <a:defRPr sz="1800"/>
-            </a:lvl4pPr>
-            <a:lvl5pPr>
-              <a:defRPr sz="1800"/>
-            </a:lvl5pPr>
-            <a:lvl6pPr>
-              <a:defRPr sz="1800"/>
-            </a:lvl6pPr>
-            <a:lvl7pPr>
-              <a:defRPr sz="1800"/>
-            </a:lvl7pPr>
-            <a:lvl8pPr>
-              <a:defRPr sz="1800"/>
-            </a:lvl8pPr>
-            <a:lvl9pPr>
-              <a:defRPr sz="1800"/>
-            </a:lvl9pPr>
-          </a:lstStyle>
+          <a:bodyPr>
+            <a:normAutofit/>
+          </a:bodyPr>
+          <a:lstStyle/>
           <a:p>
             <a:pPr lvl="0"/>
             <a:r>
@@ -1344,7 +3497,7 @@
               <a:rPr lang="en-US" smtClean="0"/>
               <a:t>Fifth level</a:t>
             </a:r>
-            <a:endParaRPr lang="en-US"/>
+            <a:endParaRPr lang="en-US" dirty="0"/>
           </a:p>
         </p:txBody>
       </p:sp>
@@ -1365,7 +3518,7 @@
           <a:p>
             <a:fld id="{60D67E45-172B-9941-AA88-D5D1B7ED3BBB}" type="datetimeFigureOut">
               <a:rPr lang="en-US" smtClean="0"/>
-              <a:t>12/2/14</a:t>
+              <a:t>12/2/2014</a:t>
             </a:fld>
             <a:endParaRPr lang="en-US"/>
           </a:p>
@@ -1392,7 +3545,87 @@
       </p:sp>
       <p:sp>
         <p:nvSpPr>
-          <p:cNvPr id="7" name="Slide Number Placeholder 6"/>
+          <p:cNvPr id="9" name="Freeform 11"/>
+          <p:cNvSpPr/>
+          <p:nvPr/>
+        </p:nvSpPr>
+        <p:spPr bwMode="auto">
+          <a:xfrm flipV="1">
+            <a:off x="58" y="711194"/>
+            <a:ext cx="1358356" cy="508005"/>
+          </a:xfrm>
+          <a:custGeom>
+            <a:avLst/>
+            <a:gdLst/>
+            <a:ahLst/>
+            <a:cxnLst/>
+            <a:rect l="l" t="t" r="r" b="b"/>
+            <a:pathLst>
+              <a:path w="7908" h="10000">
+                <a:moveTo>
+                  <a:pt x="7908" y="4694"/>
+                </a:moveTo>
+                <a:lnTo>
+                  <a:pt x="6575" y="188"/>
+                </a:lnTo>
+                <a:cubicBezTo>
+                  <a:pt x="6566" y="157"/>
+                  <a:pt x="6555" y="125"/>
+                  <a:pt x="6546" y="94"/>
+                </a:cubicBezTo>
+                <a:cubicBezTo>
+                  <a:pt x="6519" y="0"/>
+                  <a:pt x="6491" y="0"/>
+                  <a:pt x="6463" y="0"/>
+                </a:cubicBezTo>
+                <a:lnTo>
+                  <a:pt x="5935" y="0"/>
+                </a:lnTo>
+                <a:lnTo>
+                  <a:pt x="0" y="62"/>
+                </a:lnTo>
+                <a:lnTo>
+                  <a:pt x="0" y="10000"/>
+                </a:lnTo>
+                <a:lnTo>
+                  <a:pt x="5935" y="9952"/>
+                </a:lnTo>
+                <a:lnTo>
+                  <a:pt x="6463" y="9952"/>
+                </a:lnTo>
+                <a:cubicBezTo>
+                  <a:pt x="6491" y="9952"/>
+                  <a:pt x="6519" y="9859"/>
+                  <a:pt x="6546" y="9859"/>
+                </a:cubicBezTo>
+                <a:cubicBezTo>
+                  <a:pt x="6546" y="9764"/>
+                  <a:pt x="6575" y="9764"/>
+                  <a:pt x="6575" y="9764"/>
+                </a:cubicBezTo>
+                <a:lnTo>
+                  <a:pt x="7908" y="5258"/>
+                </a:lnTo>
+                <a:cubicBezTo>
+                  <a:pt x="7963" y="5070"/>
+                  <a:pt x="7963" y="4883"/>
+                  <a:pt x="7908" y="4694"/>
+                </a:cubicBezTo>
+                <a:close/>
+              </a:path>
+            </a:pathLst>
+          </a:custGeom>
+          <a:solidFill>
+            <a:schemeClr val="accent1"/>
+          </a:solidFill>
+          <a:ln>
+            <a:noFill/>
+          </a:ln>
+        </p:spPr>
+      </p:sp>
+      <p:sp>
+        <p:nvSpPr>
+          <p:cNvPr id="10" name="Slide Number Placeholder 5"/>
           <p:cNvSpPr>
             <a:spLocks noGrp="1"/>
           </p:cNvSpPr>
@@ -1400,7 +3633,12 @@
             <p:ph type="sldNum" sz="quarter" idx="12"/>
           </p:nvPr>
         </p:nvSpPr>
-        <p:spPr/>
+        <p:spPr>
+          <a:xfrm>
+            <a:off x="511228" y="787783"/>
+            <a:ext cx="584978" cy="365125"/>
+          </a:xfrm>
+        </p:spPr>
         <p:txBody>
           <a:bodyPr/>
           <a:lstStyle/>
@@ -1416,7 +3654,7 @@
     </p:spTree>
     <p:extLst>
       <p:ext uri="{BB962C8B-B14F-4D97-AF65-F5344CB8AC3E}">
-        <p14:creationId xmlns:p14="http://schemas.microsoft.com/office/powerpoint/2010/main" val="974312003"/>
+        <p14:creationId xmlns:p14="http://schemas.microsoft.com/office/powerpoint/2010/main" val="1060821520"/>
       </p:ext>
     </p:extLst>
   </p:cSld>
@@ -1445,7 +3683,7 @@
       </p:grpSpPr>
       <p:sp>
         <p:nvSpPr>
-          <p:cNvPr id="2" name="Title 1"/>
+          <p:cNvPr id="10" name="Title 9"/>
           <p:cNvSpPr>
             <a:spLocks noGrp="1"/>
           </p:cNvSpPr>
@@ -1456,17 +3694,13 @@
         <p:spPr/>
         <p:txBody>
           <a:bodyPr/>
-          <a:lstStyle>
-            <a:lvl1pPr>
-              <a:defRPr/>
-            </a:lvl1pPr>
-          </a:lstStyle>
+          <a:lstStyle/>
           <a:p>
             <a:r>
               <a:rPr lang="en-US" smtClean="0"/>
               <a:t>Click to edit Master title style</a:t>
             </a:r>
-            <a:endParaRPr lang="en-US"/>
+            <a:endParaRPr lang="en-US" dirty="0"/>
           </a:p>
         </p:txBody>
       </p:sp>
@@ -1482,16 +3716,18 @@
         </p:nvSpPr>
         <p:spPr>
           <a:xfrm>
-            <a:off x="457200" y="1535113"/>
-            <a:ext cx="4040188" cy="639762"/>
+            <a:off x="2265352" y="2226626"/>
+            <a:ext cx="2874596" cy="576262"/>
           </a:xfrm>
         </p:spPr>
         <p:txBody>
-          <a:bodyPr anchor="b"/>
+          <a:bodyPr anchor="b">
+            <a:noAutofit/>
+          </a:bodyPr>
           <a:lstStyle>
             <a:lvl1pPr marL="0" indent="0">
               <a:buNone/>
-              <a:defRPr sz="2400" b="1"/>
+              <a:defRPr sz="2400" b="0"/>
             </a:lvl1pPr>
             <a:lvl2pPr marL="457200" indent="0">
               <a:buNone/>
@@ -1547,41 +3783,15 @@
         </p:nvSpPr>
         <p:spPr>
           <a:xfrm>
-            <a:off x="457200" y="2174875"/>
-            <a:ext cx="4040188" cy="3951288"/>
+            <a:off x="1942415" y="2802888"/>
+            <a:ext cx="3197532" cy="3105703"/>
           </a:xfrm>
         </p:spPr>
         <p:txBody>
-          <a:bodyPr/>
-          <a:lstStyle>
-            <a:lvl1pPr>
-              <a:defRPr sz="2400"/>
-            </a:lvl1pPr>
-            <a:lvl2pPr>
-              <a:defRPr sz="2000"/>
-            </a:lvl2pPr>
-            <a:lvl3pPr>
-              <a:defRPr sz="1800"/>
-            </a:lvl3pPr>
-            <a:lvl4pPr>
-              <a:defRPr sz="1600"/>
-            </a:lvl4pPr>
-            <a:lvl5pPr>
-              <a:defRPr sz="1600"/>
-            </a:lvl5pPr>
-            <a:lvl6pPr>
-              <a:defRPr sz="1600"/>
-            </a:lvl6pPr>
-            <a:lvl7pPr>
-              <a:defRPr sz="1600"/>
-            </a:lvl7pPr>
-            <a:lvl8pPr>
-              <a:defRPr sz="1600"/>
-            </a:lvl8pPr>
-            <a:lvl9pPr>
-              <a:defRPr sz="1600"/>
-            </a:lvl9pPr>
-          </a:lstStyle>
+          <a:bodyPr>
+            <a:normAutofit/>
+          </a:bodyPr>
+          <a:lstStyle/>
           <a:p>
             <a:pPr lvl="0"/>
             <a:r>
@@ -1616,7 +3826,7 @@
               <a:rPr lang="en-US" smtClean="0"/>
               <a:t>Fifth level</a:t>
             </a:r>
-            <a:endParaRPr lang="en-US"/>
+            <a:endParaRPr lang="en-US" dirty="0"/>
           </a:p>
         </p:txBody>
       </p:sp>
@@ -1632,16 +3842,18 @@
         </p:nvSpPr>
         <p:spPr>
           <a:xfrm>
-            <a:off x="4645025" y="1535113"/>
-            <a:ext cx="4041775" cy="639762"/>
+            <a:off x="5656154" y="2223398"/>
+            <a:ext cx="2873239" cy="576262"/>
           </a:xfrm>
         </p:spPr>
         <p:txBody>
-          <a:bodyPr anchor="b"/>
+          <a:bodyPr anchor="b">
+            <a:noAutofit/>
+          </a:bodyPr>
           <a:lstStyle>
             <a:lvl1pPr marL="0" indent="0">
               <a:buNone/>
-              <a:defRPr sz="2400" b="1"/>
+              <a:defRPr sz="2400" b="0"/>
             </a:lvl1pPr>
             <a:lvl2pPr marL="457200" indent="0">
               <a:buNone/>
@@ -1697,41 +3909,15 @@
         </p:nvSpPr>
         <p:spPr>
           <a:xfrm>
-            <a:off x="4645025" y="2174875"/>
-            <a:ext cx="4041775" cy="3951288"/>
+            <a:off x="5333715" y="2799660"/>
+            <a:ext cx="3195680" cy="3105703"/>
           </a:xfrm>
         </p:spPr>
         <p:txBody>
-          <a:bodyPr/>
-          <a:lstStyle>
-            <a:lvl1pPr>
-              <a:defRPr sz="2400"/>
-            </a:lvl1pPr>
-            <a:lvl2pPr>
-              <a:defRPr sz="2000"/>
-            </a:lvl2pPr>
-            <a:lvl3pPr>
-              <a:defRPr sz="1800"/>
-            </a:lvl3pPr>
-            <a:lvl4pPr>
-              <a:defRPr sz="1600"/>
-            </a:lvl4pPr>
-            <a:lvl5pPr>
-              <a:defRPr sz="1600"/>
-            </a:lvl5pPr>
-            <a:lvl6pPr>
-              <a:defRPr sz="1600"/>
-            </a:lvl6pPr>
-            <a:lvl7pPr>
-              <a:defRPr sz="1600"/>
-            </a:lvl7pPr>
-            <a:lvl8pPr>
-              <a:defRPr sz="1600"/>
-            </a:lvl8pPr>
-            <a:lvl9pPr>
-              <a:defRPr sz="1600"/>
-            </a:lvl9pPr>
-          </a:lstStyle>
+          <a:bodyPr>
+            <a:normAutofit/>
+          </a:bodyPr>
+          <a:lstStyle/>
           <a:p>
             <a:pPr lvl="0"/>
             <a:r>
@@ -1766,7 +3952,7 @@
               <a:rPr lang="en-US" smtClean="0"/>
               <a:t>Fifth level</a:t>
             </a:r>
-            <a:endParaRPr lang="en-US"/>
+            <a:endParaRPr lang="en-US" dirty="0"/>
           </a:p>
         </p:txBody>
       </p:sp>
@@ -1787,7 +3973,7 @@
           <a:p>
             <a:fld id="{60D67E45-172B-9941-AA88-D5D1B7ED3BBB}" type="datetimeFigureOut">
               <a:rPr lang="en-US" smtClean="0"/>
-              <a:t>12/2/14</a:t>
+              <a:t>12/2/2014</a:t>
             </a:fld>
             <a:endParaRPr lang="en-US"/>
           </a:p>
@@ -1814,7 +4000,87 @@
       </p:sp>
       <p:sp>
         <p:nvSpPr>
-          <p:cNvPr id="9" name="Slide Number Placeholder 8"/>
+          <p:cNvPr id="11" name="Freeform 11"/>
+          <p:cNvSpPr/>
+          <p:nvPr/>
+        </p:nvSpPr>
+        <p:spPr bwMode="auto">
+          <a:xfrm flipV="1">
+            <a:off x="58" y="711194"/>
+            <a:ext cx="1358356" cy="508005"/>
+          </a:xfrm>
+          <a:custGeom>
+            <a:avLst/>
+            <a:gdLst/>
+            <a:ahLst/>
+            <a:cxnLst/>
+            <a:rect l="l" t="t" r="r" b="b"/>
+            <a:pathLst>
+              <a:path w="7908" h="10000">
+                <a:moveTo>
+                  <a:pt x="7908" y="4694"/>
+                </a:moveTo>
+                <a:lnTo>
+                  <a:pt x="6575" y="188"/>
+                </a:lnTo>
+                <a:cubicBezTo>
+                  <a:pt x="6566" y="157"/>
+                  <a:pt x="6555" y="125"/>
+                  <a:pt x="6546" y="94"/>
+                </a:cubicBezTo>
+                <a:cubicBezTo>
+                  <a:pt x="6519" y="0"/>
+                  <a:pt x="6491" y="0"/>
+                  <a:pt x="6463" y="0"/>
+                </a:cubicBezTo>
+                <a:lnTo>
+                  <a:pt x="5935" y="0"/>
+                </a:lnTo>
+                <a:lnTo>
+                  <a:pt x="0" y="62"/>
+                </a:lnTo>
+                <a:lnTo>
+                  <a:pt x="0" y="10000"/>
+                </a:lnTo>
+                <a:lnTo>
+                  <a:pt x="5935" y="9952"/>
+                </a:lnTo>
+                <a:lnTo>
+                  <a:pt x="6463" y="9952"/>
+                </a:lnTo>
+                <a:cubicBezTo>
+                  <a:pt x="6491" y="9952"/>
+                  <a:pt x="6519" y="9859"/>
+                  <a:pt x="6546" y="9859"/>
+                </a:cubicBezTo>
+                <a:cubicBezTo>
+                  <a:pt x="6546" y="9764"/>
+                  <a:pt x="6575" y="9764"/>
+                  <a:pt x="6575" y="9764"/>
+                </a:cubicBezTo>
+                <a:lnTo>
+                  <a:pt x="7908" y="5258"/>
+                </a:lnTo>
+                <a:cubicBezTo>
+                  <a:pt x="7963" y="5070"/>
+                  <a:pt x="7963" y="4883"/>
+                  <a:pt x="7908" y="4694"/>
+                </a:cubicBezTo>
+                <a:close/>
+              </a:path>
+            </a:pathLst>
+          </a:custGeom>
+          <a:solidFill>
+            <a:schemeClr val="accent1"/>
+          </a:solidFill>
+          <a:ln>
+            <a:noFill/>
+          </a:ln>
+        </p:spPr>
+      </p:sp>
+      <p:sp>
+        <p:nvSpPr>
+          <p:cNvPr id="12" name="Slide Number Placeholder 5"/>
           <p:cNvSpPr>
             <a:spLocks noGrp="1"/>
           </p:cNvSpPr>
@@ -1822,7 +4088,12 @@
             <p:ph type="sldNum" sz="quarter" idx="12"/>
           </p:nvPr>
         </p:nvSpPr>
-        <p:spPr/>
+        <p:spPr>
+          <a:xfrm>
+            <a:off x="511228" y="787783"/>
+            <a:ext cx="584978" cy="365125"/>
+          </a:xfrm>
+        </p:spPr>
         <p:txBody>
           <a:bodyPr/>
           <a:lstStyle/>
@@ -1838,7 +4109,7 @@
     </p:spTree>
     <p:extLst>
       <p:ext uri="{BB962C8B-B14F-4D97-AF65-F5344CB8AC3E}">
-        <p14:creationId xmlns:p14="http://schemas.microsoft.com/office/powerpoint/2010/main" val="2598040451"/>
+        <p14:creationId xmlns:p14="http://schemas.microsoft.com/office/powerpoint/2010/main" val="4079349856"/>
       </p:ext>
     </p:extLst>
   </p:cSld>
@@ -1875,7 +4146,12 @@
             <p:ph type="title"/>
           </p:nvPr>
         </p:nvSpPr>
-        <p:spPr/>
+        <p:spPr>
+          <a:xfrm>
+            <a:off x="1945200" y="624110"/>
+            <a:ext cx="6589200" cy="1280890"/>
+          </a:xfrm>
+        </p:spPr>
         <p:txBody>
           <a:bodyPr/>
           <a:lstStyle/>
@@ -1884,7 +4160,7 @@
               <a:rPr lang="en-US" smtClean="0"/>
               <a:t>Click to edit Master title style</a:t>
             </a:r>
-            <a:endParaRPr lang="en-US"/>
+            <a:endParaRPr lang="en-US" dirty="0"/>
           </a:p>
         </p:txBody>
       </p:sp>
@@ -1905,7 +4181,7 @@
           <a:p>
             <a:fld id="{60D67E45-172B-9941-AA88-D5D1B7ED3BBB}" type="datetimeFigureOut">
               <a:rPr lang="en-US" smtClean="0"/>
-              <a:t>12/2/14</a:t>
+              <a:t>12/2/2014</a:t>
             </a:fld>
             <a:endParaRPr lang="en-US"/>
           </a:p>
@@ -1929,6 +4205,86 @@
             <a:endParaRPr lang="en-US"/>
           </a:p>
         </p:txBody>
+      </p:sp>
+      <p:sp>
+        <p:nvSpPr>
+          <p:cNvPr id="8" name="Freeform 11"/>
+          <p:cNvSpPr/>
+          <p:nvPr/>
+        </p:nvSpPr>
+        <p:spPr bwMode="auto">
+          <a:xfrm flipV="1">
+            <a:off x="58" y="711194"/>
+            <a:ext cx="1358356" cy="508005"/>
+          </a:xfrm>
+          <a:custGeom>
+            <a:avLst/>
+            <a:gdLst/>
+            <a:ahLst/>
+            <a:cxnLst/>
+            <a:rect l="l" t="t" r="r" b="b"/>
+            <a:pathLst>
+              <a:path w="7908" h="10000">
+                <a:moveTo>
+                  <a:pt x="7908" y="4694"/>
+                </a:moveTo>
+                <a:lnTo>
+                  <a:pt x="6575" y="188"/>
+                </a:lnTo>
+                <a:cubicBezTo>
+                  <a:pt x="6566" y="157"/>
+                  <a:pt x="6555" y="125"/>
+                  <a:pt x="6546" y="94"/>
+                </a:cubicBezTo>
+                <a:cubicBezTo>
+                  <a:pt x="6519" y="0"/>
+                  <a:pt x="6491" y="0"/>
+                  <a:pt x="6463" y="0"/>
+                </a:cubicBezTo>
+                <a:lnTo>
+                  <a:pt x="5935" y="0"/>
+                </a:lnTo>
+                <a:lnTo>
+                  <a:pt x="0" y="62"/>
+                </a:lnTo>
+                <a:lnTo>
+                  <a:pt x="0" y="10000"/>
+                </a:lnTo>
+                <a:lnTo>
+                  <a:pt x="5935" y="9952"/>
+                </a:lnTo>
+                <a:lnTo>
+                  <a:pt x="6463" y="9952"/>
+                </a:lnTo>
+                <a:cubicBezTo>
+                  <a:pt x="6491" y="9952"/>
+                  <a:pt x="6519" y="9859"/>
+                  <a:pt x="6546" y="9859"/>
+                </a:cubicBezTo>
+                <a:cubicBezTo>
+                  <a:pt x="6546" y="9764"/>
+                  <a:pt x="6575" y="9764"/>
+                  <a:pt x="6575" y="9764"/>
+                </a:cubicBezTo>
+                <a:lnTo>
+                  <a:pt x="7908" y="5258"/>
+                </a:lnTo>
+                <a:cubicBezTo>
+                  <a:pt x="7963" y="5070"/>
+                  <a:pt x="7963" y="4883"/>
+                  <a:pt x="7908" y="4694"/>
+                </a:cubicBezTo>
+                <a:close/>
+              </a:path>
+            </a:pathLst>
+          </a:custGeom>
+          <a:solidFill>
+            <a:schemeClr val="accent1"/>
+          </a:solidFill>
+          <a:ln>
+            <a:noFill/>
+          </a:ln>
+        </p:spPr>
       </p:sp>
       <p:sp>
         <p:nvSpPr>
@@ -1956,7 +4312,7 @@
     </p:spTree>
     <p:extLst>
       <p:ext uri="{BB962C8B-B14F-4D97-AF65-F5344CB8AC3E}">
-        <p14:creationId xmlns:p14="http://schemas.microsoft.com/office/powerpoint/2010/main" val="3175881856"/>
+        <p14:creationId xmlns:p14="http://schemas.microsoft.com/office/powerpoint/2010/main" val="944396849"/>
       </p:ext>
     </p:extLst>
   </p:cSld>
@@ -2000,7 +4356,7 @@
           <a:p>
             <a:fld id="{60D67E45-172B-9941-AA88-D5D1B7ED3BBB}" type="datetimeFigureOut">
               <a:rPr lang="en-US" smtClean="0"/>
-              <a:t>12/2/14</a:t>
+              <a:t>12/2/2014</a:t>
             </a:fld>
             <a:endParaRPr lang="en-US"/>
           </a:p>
@@ -2024,6 +4380,86 @@
             <a:endParaRPr lang="en-US"/>
           </a:p>
         </p:txBody>
+      </p:sp>
+      <p:sp>
+        <p:nvSpPr>
+          <p:cNvPr id="6" name="Freeform 11"/>
+          <p:cNvSpPr/>
+          <p:nvPr/>
+        </p:nvSpPr>
+        <p:spPr bwMode="auto">
+          <a:xfrm flipV="1">
+            <a:off x="58" y="711194"/>
+            <a:ext cx="1358356" cy="508005"/>
+          </a:xfrm>
+          <a:custGeom>
+            <a:avLst/>
+            <a:gdLst/>
+            <a:ahLst/>
+            <a:cxnLst/>
+            <a:rect l="l" t="t" r="r" b="b"/>
+            <a:pathLst>
+              <a:path w="7908" h="10000">
+                <a:moveTo>
+                  <a:pt x="7908" y="4694"/>
+                </a:moveTo>
+                <a:lnTo>
+                  <a:pt x="6575" y="188"/>
+                </a:lnTo>
+                <a:cubicBezTo>
+                  <a:pt x="6566" y="157"/>
+                  <a:pt x="6555" y="125"/>
+                  <a:pt x="6546" y="94"/>
+                </a:cubicBezTo>
+                <a:cubicBezTo>
+                  <a:pt x="6519" y="0"/>
+                  <a:pt x="6491" y="0"/>
+                  <a:pt x="6463" y="0"/>
+                </a:cubicBezTo>
+                <a:lnTo>
+                  <a:pt x="5935" y="0"/>
+                </a:lnTo>
+                <a:lnTo>
+                  <a:pt x="0" y="62"/>
+                </a:lnTo>
+                <a:lnTo>
+                  <a:pt x="0" y="10000"/>
+                </a:lnTo>
+                <a:lnTo>
+                  <a:pt x="5935" y="9952"/>
+                </a:lnTo>
+                <a:lnTo>
+                  <a:pt x="6463" y="9952"/>
+                </a:lnTo>
+                <a:cubicBezTo>
+                  <a:pt x="6491" y="9952"/>
+                  <a:pt x="6519" y="9859"/>
+                  <a:pt x="6546" y="9859"/>
+                </a:cubicBezTo>
+                <a:cubicBezTo>
+                  <a:pt x="6546" y="9764"/>
+                  <a:pt x="6575" y="9764"/>
+                  <a:pt x="6575" y="9764"/>
+                </a:cubicBezTo>
+                <a:lnTo>
+                  <a:pt x="7908" y="5258"/>
+                </a:lnTo>
+                <a:cubicBezTo>
+                  <a:pt x="7963" y="5070"/>
+                  <a:pt x="7963" y="4883"/>
+                  <a:pt x="7908" y="4694"/>
+                </a:cubicBezTo>
+                <a:close/>
+              </a:path>
+            </a:pathLst>
+          </a:custGeom>
+          <a:solidFill>
+            <a:schemeClr val="accent1"/>
+          </a:solidFill>
+          <a:ln>
+            <a:noFill/>
+          </a:ln>
+        </p:spPr>
       </p:sp>
       <p:sp>
         <p:nvSpPr>
@@ -2051,7 +4487,7 @@
     </p:spTree>
     <p:extLst>
       <p:ext uri="{BB962C8B-B14F-4D97-AF65-F5344CB8AC3E}">
-        <p14:creationId xmlns:p14="http://schemas.microsoft.com/office/powerpoint/2010/main" val="2407717321"/>
+        <p14:creationId xmlns:p14="http://schemas.microsoft.com/office/powerpoint/2010/main" val="2343188229"/>
       </p:ext>
     </p:extLst>
   </p:cSld>
@@ -2090,15 +4526,15 @@
         </p:nvSpPr>
         <p:spPr>
           <a:xfrm>
-            <a:off x="457200" y="273050"/>
-            <a:ext cx="3008313" cy="1162050"/>
+            <a:off x="1942415" y="446088"/>
+            <a:ext cx="2629584" cy="976312"/>
           </a:xfrm>
         </p:spPr>
         <p:txBody>
           <a:bodyPr anchor="b"/>
           <a:lstStyle>
             <a:lvl1pPr algn="l">
-              <a:defRPr sz="2000" b="1"/>
+              <a:defRPr sz="2000" b="0"/>
             </a:lvl1pPr>
           </a:lstStyle>
           <a:p>
@@ -2106,7 +4542,7 @@
               <a:rPr lang="en-US" smtClean="0"/>
               <a:t>Click to edit Master title style</a:t>
             </a:r>
-            <a:endParaRPr lang="en-US"/>
+            <a:endParaRPr lang="en-US" dirty="0"/>
           </a:p>
         </p:txBody>
       </p:sp>
@@ -2122,41 +4558,15 @@
         </p:nvSpPr>
         <p:spPr>
           <a:xfrm>
-            <a:off x="3575050" y="273050"/>
-            <a:ext cx="5111750" cy="5853113"/>
+            <a:off x="4743494" y="446089"/>
+            <a:ext cx="3790906" cy="5414963"/>
           </a:xfrm>
         </p:spPr>
         <p:txBody>
-          <a:bodyPr/>
-          <a:lstStyle>
-            <a:lvl1pPr>
-              <a:defRPr sz="3200"/>
-            </a:lvl1pPr>
-            <a:lvl2pPr>
-              <a:defRPr sz="2800"/>
-            </a:lvl2pPr>
-            <a:lvl3pPr>
-              <a:defRPr sz="2400"/>
-            </a:lvl3pPr>
-            <a:lvl4pPr>
-              <a:defRPr sz="2000"/>
-            </a:lvl4pPr>
-            <a:lvl5pPr>
-              <a:defRPr sz="2000"/>
-            </a:lvl5pPr>
-            <a:lvl6pPr>
-              <a:defRPr sz="2000"/>
-            </a:lvl6pPr>
-            <a:lvl7pPr>
-              <a:defRPr sz="2000"/>
-            </a:lvl7pPr>
-            <a:lvl8pPr>
-              <a:defRPr sz="2000"/>
-            </a:lvl8pPr>
-            <a:lvl9pPr>
-              <a:defRPr sz="2000"/>
-            </a:lvl9pPr>
-          </a:lstStyle>
+          <a:bodyPr anchor="ctr">
+            <a:normAutofit/>
+          </a:bodyPr>
+          <a:lstStyle/>
           <a:p>
             <a:pPr lvl="0"/>
             <a:r>
@@ -2191,7 +4601,7 @@
               <a:rPr lang="en-US" smtClean="0"/>
               <a:t>Fifth level</a:t>
             </a:r>
-            <a:endParaRPr lang="en-US"/>
+            <a:endParaRPr lang="en-US" dirty="0"/>
           </a:p>
         </p:txBody>
       </p:sp>
@@ -2207,8 +4617,8 @@
         </p:nvSpPr>
         <p:spPr>
           <a:xfrm>
-            <a:off x="457200" y="1435100"/>
-            <a:ext cx="3008313" cy="4691063"/>
+            <a:off x="1942415" y="1598613"/>
+            <a:ext cx="2629584" cy="4262436"/>
           </a:xfrm>
         </p:spPr>
         <p:txBody>
@@ -2277,7 +4687,7 @@
           <a:p>
             <a:fld id="{60D67E45-172B-9941-AA88-D5D1B7ED3BBB}" type="datetimeFigureOut">
               <a:rPr lang="en-US" smtClean="0"/>
-              <a:t>12/2/14</a:t>
+              <a:t>12/2/2014</a:t>
             </a:fld>
             <a:endParaRPr lang="en-US"/>
           </a:p>
@@ -2301,6 +4711,86 @@
             <a:endParaRPr lang="en-US"/>
           </a:p>
         </p:txBody>
+      </p:sp>
+      <p:sp>
+        <p:nvSpPr>
+          <p:cNvPr id="10" name="Freeform 11"/>
+          <p:cNvSpPr/>
+          <p:nvPr/>
+        </p:nvSpPr>
+        <p:spPr bwMode="auto">
+          <a:xfrm flipV="1">
+            <a:off x="58" y="711194"/>
+            <a:ext cx="1358356" cy="508005"/>
+          </a:xfrm>
+          <a:custGeom>
+            <a:avLst/>
+            <a:gdLst/>
+            <a:ahLst/>
+            <a:cxnLst/>
+            <a:rect l="l" t="t" r="r" b="b"/>
+            <a:pathLst>
+              <a:path w="7908" h="10000">
+                <a:moveTo>
+                  <a:pt x="7908" y="4694"/>
+                </a:moveTo>
+                <a:lnTo>
+                  <a:pt x="6575" y="188"/>
+                </a:lnTo>
+                <a:cubicBezTo>
+                  <a:pt x="6566" y="157"/>
+                  <a:pt x="6555" y="125"/>
+                  <a:pt x="6546" y="94"/>
+                </a:cubicBezTo>
+                <a:cubicBezTo>
+                  <a:pt x="6519" y="0"/>
+                  <a:pt x="6491" y="0"/>
+                  <a:pt x="6463" y="0"/>
+                </a:cubicBezTo>
+                <a:lnTo>
+                  <a:pt x="5935" y="0"/>
+                </a:lnTo>
+                <a:lnTo>
+                  <a:pt x="0" y="62"/>
+                </a:lnTo>
+                <a:lnTo>
+                  <a:pt x="0" y="10000"/>
+                </a:lnTo>
+                <a:lnTo>
+                  <a:pt x="5935" y="9952"/>
+                </a:lnTo>
+                <a:lnTo>
+                  <a:pt x="6463" y="9952"/>
+                </a:lnTo>
+                <a:cubicBezTo>
+                  <a:pt x="6491" y="9952"/>
+                  <a:pt x="6519" y="9859"/>
+                  <a:pt x="6546" y="9859"/>
+                </a:cubicBezTo>
+                <a:cubicBezTo>
+                  <a:pt x="6546" y="9764"/>
+                  <a:pt x="6575" y="9764"/>
+                  <a:pt x="6575" y="9764"/>
+                </a:cubicBezTo>
+                <a:lnTo>
+                  <a:pt x="7908" y="5258"/>
+                </a:lnTo>
+                <a:cubicBezTo>
+                  <a:pt x="7963" y="5070"/>
+                  <a:pt x="7963" y="4883"/>
+                  <a:pt x="7908" y="4694"/>
+                </a:cubicBezTo>
+                <a:close/>
+              </a:path>
+            </a:pathLst>
+          </a:custGeom>
+          <a:solidFill>
+            <a:schemeClr val="accent1"/>
+          </a:solidFill>
+          <a:ln>
+            <a:noFill/>
+          </a:ln>
+        </p:spPr>
       </p:sp>
       <p:sp>
         <p:nvSpPr>
@@ -2328,7 +4818,7 @@
     </p:spTree>
     <p:extLst>
       <p:ext uri="{BB962C8B-B14F-4D97-AF65-F5344CB8AC3E}">
-        <p14:creationId xmlns:p14="http://schemas.microsoft.com/office/powerpoint/2010/main" val="2184782902"/>
+        <p14:creationId xmlns:p14="http://schemas.microsoft.com/office/powerpoint/2010/main" val="212690656"/>
       </p:ext>
     </p:extLst>
   </p:cSld>
@@ -2367,15 +4857,17 @@
         </p:nvSpPr>
         <p:spPr>
           <a:xfrm>
-            <a:off x="1792288" y="4800600"/>
-            <a:ext cx="5486400" cy="566738"/>
+            <a:off x="1942415" y="4800600"/>
+            <a:ext cx="6591985" cy="566738"/>
           </a:xfrm>
         </p:spPr>
         <p:txBody>
-          <a:bodyPr anchor="b"/>
+          <a:bodyPr anchor="b">
+            <a:normAutofit/>
+          </a:bodyPr>
           <a:lstStyle>
             <a:lvl1pPr algn="l">
-              <a:defRPr sz="2000" b="1"/>
+              <a:defRPr sz="2400" b="0"/>
             </a:lvl1pPr>
           </a:lstStyle>
           <a:p>
@@ -2383,7 +4875,7 @@
               <a:rPr lang="en-US" smtClean="0"/>
               <a:t>Click to edit Master title style</a:t>
             </a:r>
-            <a:endParaRPr lang="en-US"/>
+            <a:endParaRPr lang="en-US" dirty="0"/>
           </a:p>
         </p:txBody>
       </p:sp>
@@ -2391,7 +4883,7 @@
         <p:nvSpPr>
           <p:cNvPr id="3" name="Picture Placeholder 2"/>
           <p:cNvSpPr>
-            <a:spLocks noGrp="1"/>
+            <a:spLocks noGrp="1" noChangeAspect="1"/>
           </p:cNvSpPr>
           <p:nvPr>
             <p:ph type="pic" idx="1"/>
@@ -2399,77 +4891,85 @@
         </p:nvSpPr>
         <p:spPr>
           <a:xfrm>
-            <a:off x="1792288" y="612775"/>
-            <a:ext cx="5486400" cy="4114800"/>
+            <a:off x="1942415" y="634965"/>
+            <a:ext cx="6591985" cy="3854970"/>
           </a:xfrm>
         </p:spPr>
         <p:txBody>
-          <a:bodyPr/>
+          <a:bodyPr anchor="t">
+            <a:normAutofit/>
+          </a:bodyPr>
+          <a:lstStyle>
+            <a:lvl1pPr marL="0" indent="0" algn="ctr">
+              <a:buNone/>
+              <a:defRPr sz="1600"/>
+            </a:lvl1pPr>
+            <a:lvl2pPr marL="457200" indent="0">
+              <a:buNone/>
+              <a:defRPr sz="1600"/>
+            </a:lvl2pPr>
+            <a:lvl3pPr marL="914400" indent="0">
+              <a:buNone/>
+              <a:defRPr sz="1600"/>
+            </a:lvl3pPr>
+            <a:lvl4pPr marL="1371600" indent="0">
+              <a:buNone/>
+              <a:defRPr sz="1600"/>
+            </a:lvl4pPr>
+            <a:lvl5pPr marL="1828800" indent="0">
+              <a:buNone/>
+              <a:defRPr sz="1600"/>
+            </a:lvl5pPr>
+            <a:lvl6pPr marL="2286000" indent="0">
+              <a:buNone/>
+              <a:defRPr sz="1600"/>
+            </a:lvl6pPr>
+            <a:lvl7pPr marL="2743200" indent="0">
+              <a:buNone/>
+              <a:defRPr sz="1600"/>
+            </a:lvl7pPr>
+            <a:lvl8pPr marL="3200400" indent="0">
+              <a:buNone/>
+              <a:defRPr sz="1600"/>
+            </a:lvl8pPr>
+            <a:lvl9pPr marL="3657600" indent="0">
+              <a:buNone/>
+              <a:defRPr sz="1600"/>
+            </a:lvl9pPr>
+          </a:lstStyle>
+          <a:p>
+            <a:r>
+              <a:rPr lang="en-US" smtClean="0"/>
+              <a:t>Click icon to add picture</a:t>
+            </a:r>
+            <a:endParaRPr lang="en-US" dirty="0"/>
+          </a:p>
+        </p:txBody>
+      </p:sp>
+      <p:sp>
+        <p:nvSpPr>
+          <p:cNvPr id="4" name="Text Placeholder 3"/>
+          <p:cNvSpPr>
+            <a:spLocks noGrp="1"/>
+          </p:cNvSpPr>
+          <p:nvPr>
+            <p:ph type="body" sz="half" idx="2"/>
+          </p:nvPr>
+        </p:nvSpPr>
+        <p:spPr>
+          <a:xfrm>
+            <a:off x="1942415" y="5367338"/>
+            <a:ext cx="6591985" cy="493712"/>
+          </a:xfrm>
+        </p:spPr>
+        <p:txBody>
+          <a:bodyPr>
+            <a:normAutofit/>
+          </a:bodyPr>
           <a:lstStyle>
             <a:lvl1pPr marL="0" indent="0">
               <a:buNone/>
-              <a:defRPr sz="3200"/>
-            </a:lvl1pPr>
-            <a:lvl2pPr marL="457200" indent="0">
-              <a:buNone/>
-              <a:defRPr sz="2800"/>
-            </a:lvl2pPr>
-            <a:lvl3pPr marL="914400" indent="0">
-              <a:buNone/>
-              <a:defRPr sz="2400"/>
-            </a:lvl3pPr>
-            <a:lvl4pPr marL="1371600" indent="0">
-              <a:buNone/>
-              <a:defRPr sz="2000"/>
-            </a:lvl4pPr>
-            <a:lvl5pPr marL="1828800" indent="0">
-              <a:buNone/>
-              <a:defRPr sz="2000"/>
-            </a:lvl5pPr>
-            <a:lvl6pPr marL="2286000" indent="0">
-              <a:buNone/>
-              <a:defRPr sz="2000"/>
-            </a:lvl6pPr>
-            <a:lvl7pPr marL="2743200" indent="0">
-              <a:buNone/>
-              <a:defRPr sz="2000"/>
-            </a:lvl7pPr>
-            <a:lvl8pPr marL="3200400" indent="0">
-              <a:buNone/>
-              <a:defRPr sz="2000"/>
-            </a:lvl8pPr>
-            <a:lvl9pPr marL="3657600" indent="0">
-              <a:buNone/>
-              <a:defRPr sz="2000"/>
-            </a:lvl9pPr>
-          </a:lstStyle>
-          <a:p>
-            <a:endParaRPr lang="en-US"/>
-          </a:p>
-        </p:txBody>
-      </p:sp>
-      <p:sp>
-        <p:nvSpPr>
-          <p:cNvPr id="4" name="Text Placeholder 3"/>
-          <p:cNvSpPr>
-            <a:spLocks noGrp="1"/>
-          </p:cNvSpPr>
-          <p:nvPr>
-            <p:ph type="body" sz="half" idx="2"/>
-          </p:nvPr>
-        </p:nvSpPr>
-        <p:spPr>
-          <a:xfrm>
-            <a:off x="1792288" y="5367338"/>
-            <a:ext cx="5486400" cy="804862"/>
-          </a:xfrm>
-        </p:spPr>
-        <p:txBody>
-          <a:bodyPr/>
-          <a:lstStyle>
-            <a:lvl1pPr marL="0" indent="0">
-              <a:buNone/>
-              <a:defRPr sz="1400"/>
+              <a:defRPr sz="1200"/>
             </a:lvl1pPr>
             <a:lvl2pPr marL="457200" indent="0">
               <a:buNone/>
@@ -2530,7 +5030,7 @@
           <a:p>
             <a:fld id="{60D67E45-172B-9941-AA88-D5D1B7ED3BBB}" type="datetimeFigureOut">
               <a:rPr lang="en-US" smtClean="0"/>
-              <a:t>12/2/14</a:t>
+              <a:t>12/2/2014</a:t>
             </a:fld>
             <a:endParaRPr lang="en-US"/>
           </a:p>
@@ -2557,6 +5057,86 @@
       </p:sp>
       <p:sp>
         <p:nvSpPr>
+          <p:cNvPr id="10" name="Freeform 11"/>
+          <p:cNvSpPr/>
+          <p:nvPr/>
+        </p:nvSpPr>
+        <p:spPr bwMode="auto">
+          <a:xfrm flipV="1">
+            <a:off x="58" y="4910660"/>
+            <a:ext cx="1358356" cy="508005"/>
+          </a:xfrm>
+          <a:custGeom>
+            <a:avLst/>
+            <a:gdLst/>
+            <a:ahLst/>
+            <a:cxnLst/>
+            <a:rect l="l" t="t" r="r" b="b"/>
+            <a:pathLst>
+              <a:path w="7908" h="10000">
+                <a:moveTo>
+                  <a:pt x="7908" y="4694"/>
+                </a:moveTo>
+                <a:lnTo>
+                  <a:pt x="6575" y="188"/>
+                </a:lnTo>
+                <a:cubicBezTo>
+                  <a:pt x="6566" y="157"/>
+                  <a:pt x="6555" y="125"/>
+                  <a:pt x="6546" y="94"/>
+                </a:cubicBezTo>
+                <a:cubicBezTo>
+                  <a:pt x="6519" y="0"/>
+                  <a:pt x="6491" y="0"/>
+                  <a:pt x="6463" y="0"/>
+                </a:cubicBezTo>
+                <a:lnTo>
+                  <a:pt x="5935" y="0"/>
+                </a:lnTo>
+                <a:lnTo>
+                  <a:pt x="0" y="62"/>
+                </a:lnTo>
+                <a:lnTo>
+                  <a:pt x="0" y="10000"/>
+                </a:lnTo>
+                <a:lnTo>
+                  <a:pt x="5935" y="9952"/>
+                </a:lnTo>
+                <a:lnTo>
+                  <a:pt x="6463" y="9952"/>
+                </a:lnTo>
+                <a:cubicBezTo>
+                  <a:pt x="6491" y="9952"/>
+                  <a:pt x="6519" y="9859"/>
+                  <a:pt x="6546" y="9859"/>
+                </a:cubicBezTo>
+                <a:cubicBezTo>
+                  <a:pt x="6546" y="9764"/>
+                  <a:pt x="6575" y="9764"/>
+                  <a:pt x="6575" y="9764"/>
+                </a:cubicBezTo>
+                <a:lnTo>
+                  <a:pt x="7908" y="5258"/>
+                </a:lnTo>
+                <a:cubicBezTo>
+                  <a:pt x="7963" y="5070"/>
+                  <a:pt x="7963" y="4883"/>
+                  <a:pt x="7908" y="4694"/>
+                </a:cubicBezTo>
+                <a:close/>
+              </a:path>
+            </a:pathLst>
+          </a:custGeom>
+          <a:solidFill>
+            <a:schemeClr val="accent1"/>
+          </a:solidFill>
+          <a:ln>
+            <a:noFill/>
+          </a:ln>
+        </p:spPr>
+      </p:sp>
+      <p:sp>
+        <p:nvSpPr>
           <p:cNvPr id="7" name="Slide Number Placeholder 6"/>
           <p:cNvSpPr>
             <a:spLocks noGrp="1"/>
@@ -2565,7 +5145,12 @@
             <p:ph type="sldNum" sz="quarter" idx="12"/>
           </p:nvPr>
         </p:nvSpPr>
-        <p:spPr/>
+        <p:spPr>
+          <a:xfrm>
+            <a:off x="511228" y="4983088"/>
+            <a:ext cx="584978" cy="365125"/>
+          </a:xfrm>
+        </p:spPr>
         <p:txBody>
           <a:bodyPr/>
           <a:lstStyle/>
@@ -2581,7 +5166,7 @@
     </p:spTree>
     <p:extLst>
       <p:ext uri="{BB962C8B-B14F-4D97-AF65-F5344CB8AC3E}">
-        <p14:creationId xmlns:p14="http://schemas.microsoft.com/office/powerpoint/2010/main" val="2037374279"/>
+        <p14:creationId xmlns:p14="http://schemas.microsoft.com/office/powerpoint/2010/main" val="356277863"/>
       </p:ext>
     </p:extLst>
   </p:cSld>
@@ -2595,8 +5180,8 @@
 <p:sldMaster xmlns:a="http://schemas.openxmlformats.org/drawingml/2006/main" xmlns:r="http://schemas.openxmlformats.org/officeDocument/2006/relationships" xmlns:p="http://schemas.openxmlformats.org/presentationml/2006/main">
   <p:cSld>
     <p:bg>
-      <p:bgRef idx="1001">
-        <a:schemeClr val="bg1"/>
+      <p:bgRef idx="1003">
+        <a:schemeClr val="bg2"/>
       </p:bgRef>
     </p:bg>
     <p:spTree>
@@ -2613,27 +5198,1844 @@
           <a:chExt cx="0" cy="0"/>
         </a:xfrm>
       </p:grpSpPr>
-      <p:sp>
-        <p:nvSpPr>
-          <p:cNvPr id="2" name="Title Placeholder 1"/>
-          <p:cNvSpPr>
-            <a:spLocks noGrp="1"/>
-          </p:cNvSpPr>
-          <p:nvPr>
-            <p:ph type="title"/>
-          </p:nvPr>
+      <p:grpSp>
+        <p:nvGrpSpPr>
+          <p:cNvPr id="36" name="Group 35"/>
+          <p:cNvGrpSpPr/>
+          <p:nvPr/>
+        </p:nvGrpSpPr>
+        <p:grpSpPr>
+          <a:xfrm>
+            <a:off x="1" y="228600"/>
+            <a:ext cx="1981200" cy="6638628"/>
+            <a:chOff x="2487613" y="285750"/>
+            <a:chExt cx="2428875" cy="5654676"/>
+          </a:xfrm>
+        </p:grpSpPr>
+        <p:sp>
+          <p:nvSpPr>
+            <p:cNvPr id="37" name="Freeform 11"/>
+            <p:cNvSpPr/>
+            <p:nvPr/>
+          </p:nvSpPr>
+          <p:spPr bwMode="auto">
+            <a:xfrm>
+              <a:off x="2487613" y="2284413"/>
+              <a:ext cx="85725" cy="533400"/>
+            </a:xfrm>
+            <a:custGeom>
+              <a:avLst/>
+              <a:gdLst/>
+              <a:ahLst/>
+              <a:cxnLst/>
+              <a:rect l="0" t="0" r="r" b="b"/>
+              <a:pathLst>
+                <a:path w="22" h="136">
+                  <a:moveTo>
+                    <a:pt x="22" y="136"/>
+                  </a:moveTo>
+                  <a:cubicBezTo>
+                    <a:pt x="20" y="117"/>
+                    <a:pt x="19" y="99"/>
+                    <a:pt x="17" y="80"/>
+                  </a:cubicBezTo>
+                  <a:cubicBezTo>
+                    <a:pt x="11" y="54"/>
+                    <a:pt x="6" y="27"/>
+                    <a:pt x="0" y="0"/>
+                  </a:cubicBezTo>
+                  <a:cubicBezTo>
+                    <a:pt x="0" y="35"/>
+                    <a:pt x="0" y="35"/>
+                    <a:pt x="0" y="35"/>
+                  </a:cubicBezTo>
+                  <a:cubicBezTo>
+                    <a:pt x="6" y="64"/>
+                    <a:pt x="13" y="94"/>
+                    <a:pt x="20" y="124"/>
+                  </a:cubicBezTo>
+                  <a:cubicBezTo>
+                    <a:pt x="20" y="128"/>
+                    <a:pt x="21" y="132"/>
+                    <a:pt x="22" y="136"/>
+                  </a:cubicBezTo>
+                  <a:close/>
+                </a:path>
+              </a:pathLst>
+            </a:custGeom>
+            <a:solidFill>
+              <a:schemeClr val="tx2">
+                <a:alpha val="20000"/>
+              </a:schemeClr>
+            </a:solidFill>
+            <a:ln>
+              <a:noFill/>
+            </a:ln>
+          </p:spPr>
+        </p:sp>
+        <p:sp>
+          <p:nvSpPr>
+            <p:cNvPr id="38" name="Freeform 12"/>
+            <p:cNvSpPr/>
+            <p:nvPr/>
+          </p:nvSpPr>
+          <p:spPr bwMode="auto">
+            <a:xfrm>
+              <a:off x="2597151" y="2779713"/>
+              <a:ext cx="550863" cy="1978025"/>
+            </a:xfrm>
+            <a:custGeom>
+              <a:avLst/>
+              <a:gdLst/>
+              <a:ahLst/>
+              <a:cxnLst/>
+              <a:rect l="0" t="0" r="r" b="b"/>
+              <a:pathLst>
+                <a:path w="140" h="504">
+                  <a:moveTo>
+                    <a:pt x="86" y="350"/>
+                  </a:moveTo>
+                  <a:cubicBezTo>
+                    <a:pt x="103" y="402"/>
+                    <a:pt x="120" y="453"/>
+                    <a:pt x="139" y="504"/>
+                  </a:cubicBezTo>
+                  <a:cubicBezTo>
+                    <a:pt x="139" y="495"/>
+                    <a:pt x="139" y="487"/>
+                    <a:pt x="140" y="478"/>
+                  </a:cubicBezTo>
+                  <a:cubicBezTo>
+                    <a:pt x="124" y="435"/>
+                    <a:pt x="109" y="391"/>
+                    <a:pt x="95" y="347"/>
+                  </a:cubicBezTo>
+                  <a:cubicBezTo>
+                    <a:pt x="58" y="233"/>
+                    <a:pt x="27" y="117"/>
+                    <a:pt x="0" y="0"/>
+                  </a:cubicBezTo>
+                  <a:cubicBezTo>
+                    <a:pt x="2" y="20"/>
+                    <a:pt x="4" y="41"/>
+                    <a:pt x="6" y="61"/>
+                  </a:cubicBezTo>
+                  <a:cubicBezTo>
+                    <a:pt x="30" y="158"/>
+                    <a:pt x="56" y="255"/>
+                    <a:pt x="86" y="350"/>
+                  </a:cubicBezTo>
+                  <a:close/>
+                </a:path>
+              </a:pathLst>
+            </a:custGeom>
+            <a:solidFill>
+              <a:schemeClr val="tx2">
+                <a:alpha val="20000"/>
+              </a:schemeClr>
+            </a:solidFill>
+            <a:ln>
+              <a:noFill/>
+            </a:ln>
+          </p:spPr>
+        </p:sp>
+        <p:sp>
+          <p:nvSpPr>
+            <p:cNvPr id="39" name="Freeform 13"/>
+            <p:cNvSpPr/>
+            <p:nvPr/>
+          </p:nvSpPr>
+          <p:spPr bwMode="auto">
+            <a:xfrm>
+              <a:off x="3175001" y="4730750"/>
+              <a:ext cx="519113" cy="1209675"/>
+            </a:xfrm>
+            <a:custGeom>
+              <a:avLst/>
+              <a:gdLst/>
+              <a:ahLst/>
+              <a:cxnLst/>
+              <a:rect l="0" t="0" r="r" b="b"/>
+              <a:pathLst>
+                <a:path w="132" h="308">
+                  <a:moveTo>
+                    <a:pt x="8" y="22"/>
+                  </a:moveTo>
+                  <a:cubicBezTo>
+                    <a:pt x="5" y="15"/>
+                    <a:pt x="2" y="8"/>
+                    <a:pt x="0" y="0"/>
+                  </a:cubicBezTo>
+                  <a:cubicBezTo>
+                    <a:pt x="0" y="10"/>
+                    <a:pt x="0" y="19"/>
+                    <a:pt x="0" y="29"/>
+                  </a:cubicBezTo>
+                  <a:cubicBezTo>
+                    <a:pt x="21" y="85"/>
+                    <a:pt x="44" y="140"/>
+                    <a:pt x="68" y="194"/>
+                  </a:cubicBezTo>
+                  <a:cubicBezTo>
+                    <a:pt x="85" y="232"/>
+                    <a:pt x="104" y="270"/>
+                    <a:pt x="123" y="308"/>
+                  </a:cubicBezTo>
+                  <a:cubicBezTo>
+                    <a:pt x="132" y="308"/>
+                    <a:pt x="132" y="308"/>
+                    <a:pt x="132" y="308"/>
+                  </a:cubicBezTo>
+                  <a:cubicBezTo>
+                    <a:pt x="113" y="269"/>
+                    <a:pt x="94" y="230"/>
+                    <a:pt x="77" y="190"/>
+                  </a:cubicBezTo>
+                  <a:cubicBezTo>
+                    <a:pt x="52" y="135"/>
+                    <a:pt x="29" y="79"/>
+                    <a:pt x="8" y="22"/>
+                  </a:cubicBezTo>
+                  <a:close/>
+                </a:path>
+              </a:pathLst>
+            </a:custGeom>
+            <a:solidFill>
+              <a:schemeClr val="tx2">
+                <a:alpha val="20000"/>
+              </a:schemeClr>
+            </a:solidFill>
+            <a:ln>
+              <a:noFill/>
+            </a:ln>
+          </p:spPr>
+        </p:sp>
+        <p:sp>
+          <p:nvSpPr>
+            <p:cNvPr id="40" name="Freeform 14"/>
+            <p:cNvSpPr/>
+            <p:nvPr/>
+          </p:nvSpPr>
+          <p:spPr bwMode="auto">
+            <a:xfrm>
+              <a:off x="3305176" y="5630863"/>
+              <a:ext cx="146050" cy="309563"/>
+            </a:xfrm>
+            <a:custGeom>
+              <a:avLst/>
+              <a:gdLst/>
+              <a:ahLst/>
+              <a:cxnLst/>
+              <a:rect l="0" t="0" r="r" b="b"/>
+              <a:pathLst>
+                <a:path w="37" h="79">
+                  <a:moveTo>
+                    <a:pt x="28" y="79"/>
+                  </a:moveTo>
+                  <a:cubicBezTo>
+                    <a:pt x="37" y="79"/>
+                    <a:pt x="37" y="79"/>
+                    <a:pt x="37" y="79"/>
+                  </a:cubicBezTo>
+                  <a:cubicBezTo>
+                    <a:pt x="24" y="53"/>
+                    <a:pt x="12" y="27"/>
+                    <a:pt x="0" y="0"/>
+                  </a:cubicBezTo>
+                  <a:cubicBezTo>
+                    <a:pt x="8" y="27"/>
+                    <a:pt x="17" y="53"/>
+                    <a:pt x="28" y="79"/>
+                  </a:cubicBezTo>
+                  <a:close/>
+                </a:path>
+              </a:pathLst>
+            </a:custGeom>
+            <a:solidFill>
+              <a:schemeClr val="tx2">
+                <a:alpha val="20000"/>
+              </a:schemeClr>
+            </a:solidFill>
+            <a:ln>
+              <a:noFill/>
+            </a:ln>
+          </p:spPr>
+        </p:sp>
+        <p:sp>
+          <p:nvSpPr>
+            <p:cNvPr id="41" name="Freeform 15"/>
+            <p:cNvSpPr/>
+            <p:nvPr/>
+          </p:nvSpPr>
+          <p:spPr bwMode="auto">
+            <a:xfrm>
+              <a:off x="2573338" y="2817813"/>
+              <a:ext cx="700088" cy="2835275"/>
+            </a:xfrm>
+            <a:custGeom>
+              <a:avLst/>
+              <a:gdLst/>
+              <a:ahLst/>
+              <a:cxnLst/>
+              <a:rect l="0" t="0" r="r" b="b"/>
+              <a:pathLst>
+                <a:path w="178" h="722">
+                  <a:moveTo>
+                    <a:pt x="162" y="660"/>
+                  </a:moveTo>
+                  <a:cubicBezTo>
+                    <a:pt x="145" y="618"/>
+                    <a:pt x="130" y="576"/>
+                    <a:pt x="116" y="534"/>
+                  </a:cubicBezTo>
+                  <a:cubicBezTo>
+                    <a:pt x="84" y="437"/>
+                    <a:pt x="59" y="337"/>
+                    <a:pt x="40" y="236"/>
+                  </a:cubicBezTo>
+                  <a:cubicBezTo>
+                    <a:pt x="29" y="175"/>
+                    <a:pt x="20" y="113"/>
+                    <a:pt x="12" y="51"/>
+                  </a:cubicBezTo>
+                  <a:cubicBezTo>
+                    <a:pt x="8" y="34"/>
+                    <a:pt x="4" y="17"/>
+                    <a:pt x="0" y="0"/>
+                  </a:cubicBezTo>
+                  <a:cubicBezTo>
+                    <a:pt x="8" y="79"/>
+                    <a:pt x="19" y="159"/>
+                    <a:pt x="33" y="237"/>
+                  </a:cubicBezTo>
+                  <a:cubicBezTo>
+                    <a:pt x="51" y="339"/>
+                    <a:pt x="76" y="439"/>
+                    <a:pt x="107" y="537"/>
+                  </a:cubicBezTo>
+                  <a:cubicBezTo>
+                    <a:pt x="123" y="586"/>
+                    <a:pt x="141" y="634"/>
+                    <a:pt x="160" y="681"/>
+                  </a:cubicBezTo>
+                  <a:cubicBezTo>
+                    <a:pt x="166" y="695"/>
+                    <a:pt x="172" y="708"/>
+                    <a:pt x="178" y="722"/>
+                  </a:cubicBezTo>
+                  <a:cubicBezTo>
+                    <a:pt x="176" y="717"/>
+                    <a:pt x="175" y="713"/>
+                    <a:pt x="174" y="708"/>
+                  </a:cubicBezTo>
+                  <a:cubicBezTo>
+                    <a:pt x="169" y="692"/>
+                    <a:pt x="165" y="676"/>
+                    <a:pt x="162" y="660"/>
+                  </a:cubicBezTo>
+                  <a:close/>
+                </a:path>
+              </a:pathLst>
+            </a:custGeom>
+            <a:solidFill>
+              <a:schemeClr val="tx2">
+                <a:alpha val="20000"/>
+              </a:schemeClr>
+            </a:solidFill>
+            <a:ln>
+              <a:noFill/>
+            </a:ln>
+          </p:spPr>
+        </p:sp>
+        <p:sp>
+          <p:nvSpPr>
+            <p:cNvPr id="42" name="Freeform 16"/>
+            <p:cNvSpPr/>
+            <p:nvPr/>
+          </p:nvSpPr>
+          <p:spPr bwMode="auto">
+            <a:xfrm>
+              <a:off x="2506663" y="285750"/>
+              <a:ext cx="90488" cy="2493963"/>
+            </a:xfrm>
+            <a:custGeom>
+              <a:avLst/>
+              <a:gdLst/>
+              <a:ahLst/>
+              <a:cxnLst/>
+              <a:rect l="0" t="0" r="r" b="b"/>
+              <a:pathLst>
+                <a:path w="23" h="635">
+                  <a:moveTo>
+                    <a:pt x="11" y="577"/>
+                  </a:moveTo>
+                  <a:cubicBezTo>
+                    <a:pt x="12" y="581"/>
+                    <a:pt x="12" y="585"/>
+                    <a:pt x="12" y="589"/>
+                  </a:cubicBezTo>
+                  <a:cubicBezTo>
+                    <a:pt x="15" y="603"/>
+                    <a:pt x="19" y="617"/>
+                    <a:pt x="22" y="632"/>
+                  </a:cubicBezTo>
+                  <a:cubicBezTo>
+                    <a:pt x="22" y="633"/>
+                    <a:pt x="22" y="634"/>
+                    <a:pt x="23" y="635"/>
+                  </a:cubicBezTo>
+                  <a:cubicBezTo>
+                    <a:pt x="21" y="615"/>
+                    <a:pt x="19" y="596"/>
+                    <a:pt x="17" y="576"/>
+                  </a:cubicBezTo>
+                  <a:cubicBezTo>
+                    <a:pt x="9" y="474"/>
+                    <a:pt x="5" y="372"/>
+                    <a:pt x="5" y="269"/>
+                  </a:cubicBezTo>
+                  <a:cubicBezTo>
+                    <a:pt x="6" y="179"/>
+                    <a:pt x="9" y="90"/>
+                    <a:pt x="15" y="0"/>
+                  </a:cubicBezTo>
+                  <a:cubicBezTo>
+                    <a:pt x="12" y="0"/>
+                    <a:pt x="12" y="0"/>
+                    <a:pt x="12" y="0"/>
+                  </a:cubicBezTo>
+                  <a:cubicBezTo>
+                    <a:pt x="5" y="89"/>
+                    <a:pt x="2" y="179"/>
+                    <a:pt x="1" y="269"/>
+                  </a:cubicBezTo>
+                  <a:cubicBezTo>
+                    <a:pt x="0" y="372"/>
+                    <a:pt x="3" y="474"/>
+                    <a:pt x="11" y="577"/>
+                  </a:cubicBezTo>
+                  <a:close/>
+                </a:path>
+              </a:pathLst>
+            </a:custGeom>
+            <a:solidFill>
+              <a:schemeClr val="tx2">
+                <a:alpha val="20000"/>
+              </a:schemeClr>
+            </a:solidFill>
+            <a:ln>
+              <a:noFill/>
+            </a:ln>
+          </p:spPr>
+        </p:sp>
+        <p:sp>
+          <p:nvSpPr>
+            <p:cNvPr id="43" name="Freeform 17"/>
+            <p:cNvSpPr/>
+            <p:nvPr/>
+          </p:nvSpPr>
+          <p:spPr bwMode="auto">
+            <a:xfrm>
+              <a:off x="2554288" y="2598738"/>
+              <a:ext cx="66675" cy="420688"/>
+            </a:xfrm>
+            <a:custGeom>
+              <a:avLst/>
+              <a:gdLst/>
+              <a:ahLst/>
+              <a:cxnLst/>
+              <a:rect l="0" t="0" r="r" b="b"/>
+              <a:pathLst>
+                <a:path w="17" h="107">
+                  <a:moveTo>
+                    <a:pt x="0" y="0"/>
+                  </a:moveTo>
+                  <a:cubicBezTo>
+                    <a:pt x="2" y="19"/>
+                    <a:pt x="3" y="37"/>
+                    <a:pt x="5" y="56"/>
+                  </a:cubicBezTo>
+                  <a:cubicBezTo>
+                    <a:pt x="9" y="73"/>
+                    <a:pt x="13" y="90"/>
+                    <a:pt x="17" y="107"/>
+                  </a:cubicBezTo>
+                  <a:cubicBezTo>
+                    <a:pt x="15" y="87"/>
+                    <a:pt x="13" y="66"/>
+                    <a:pt x="11" y="46"/>
+                  </a:cubicBezTo>
+                  <a:cubicBezTo>
+                    <a:pt x="10" y="45"/>
+                    <a:pt x="10" y="44"/>
+                    <a:pt x="10" y="43"/>
+                  </a:cubicBezTo>
+                  <a:cubicBezTo>
+                    <a:pt x="7" y="28"/>
+                    <a:pt x="3" y="14"/>
+                    <a:pt x="0" y="0"/>
+                  </a:cubicBezTo>
+                  <a:close/>
+                </a:path>
+              </a:pathLst>
+            </a:custGeom>
+            <a:solidFill>
+              <a:schemeClr val="tx2">
+                <a:alpha val="20000"/>
+              </a:schemeClr>
+            </a:solidFill>
+            <a:ln>
+              <a:noFill/>
+            </a:ln>
+          </p:spPr>
+        </p:sp>
+        <p:sp>
+          <p:nvSpPr>
+            <p:cNvPr id="44" name="Freeform 18"/>
+            <p:cNvSpPr/>
+            <p:nvPr/>
+          </p:nvSpPr>
+          <p:spPr bwMode="auto">
+            <a:xfrm>
+              <a:off x="3143251" y="4757738"/>
+              <a:ext cx="161925" cy="873125"/>
+            </a:xfrm>
+            <a:custGeom>
+              <a:avLst/>
+              <a:gdLst/>
+              <a:ahLst/>
+              <a:cxnLst/>
+              <a:rect l="0" t="0" r="r" b="b"/>
+              <a:pathLst>
+                <a:path w="41" h="222">
+                  <a:moveTo>
+                    <a:pt x="0" y="0"/>
+                  </a:moveTo>
+                  <a:cubicBezTo>
+                    <a:pt x="0" y="31"/>
+                    <a:pt x="2" y="62"/>
+                    <a:pt x="5" y="93"/>
+                  </a:cubicBezTo>
+                  <a:cubicBezTo>
+                    <a:pt x="8" y="117"/>
+                    <a:pt x="12" y="142"/>
+                    <a:pt x="17" y="166"/>
+                  </a:cubicBezTo>
+                  <a:cubicBezTo>
+                    <a:pt x="19" y="172"/>
+                    <a:pt x="22" y="178"/>
+                    <a:pt x="24" y="184"/>
+                  </a:cubicBezTo>
+                  <a:cubicBezTo>
+                    <a:pt x="30" y="197"/>
+                    <a:pt x="35" y="209"/>
+                    <a:pt x="41" y="222"/>
+                  </a:cubicBezTo>
+                  <a:cubicBezTo>
+                    <a:pt x="40" y="219"/>
+                    <a:pt x="39" y="215"/>
+                    <a:pt x="38" y="212"/>
+                  </a:cubicBezTo>
+                  <a:cubicBezTo>
+                    <a:pt x="26" y="172"/>
+                    <a:pt x="18" y="132"/>
+                    <a:pt x="13" y="92"/>
+                  </a:cubicBezTo>
+                  <a:cubicBezTo>
+                    <a:pt x="11" y="68"/>
+                    <a:pt x="9" y="45"/>
+                    <a:pt x="8" y="22"/>
+                  </a:cubicBezTo>
+                  <a:cubicBezTo>
+                    <a:pt x="8" y="21"/>
+                    <a:pt x="7" y="20"/>
+                    <a:pt x="7" y="18"/>
+                  </a:cubicBezTo>
+                  <a:cubicBezTo>
+                    <a:pt x="5" y="12"/>
+                    <a:pt x="2" y="6"/>
+                    <a:pt x="0" y="0"/>
+                  </a:cubicBezTo>
+                  <a:close/>
+                </a:path>
+              </a:pathLst>
+            </a:custGeom>
+            <a:solidFill>
+              <a:schemeClr val="tx2">
+                <a:alpha val="20000"/>
+              </a:schemeClr>
+            </a:solidFill>
+            <a:ln>
+              <a:noFill/>
+            </a:ln>
+          </p:spPr>
+        </p:sp>
+        <p:sp>
+          <p:nvSpPr>
+            <p:cNvPr id="45" name="Freeform 19"/>
+            <p:cNvSpPr/>
+            <p:nvPr/>
+          </p:nvSpPr>
+          <p:spPr bwMode="auto">
+            <a:xfrm>
+              <a:off x="3148013" y="1282700"/>
+              <a:ext cx="1768475" cy="3448050"/>
+            </a:xfrm>
+            <a:custGeom>
+              <a:avLst/>
+              <a:gdLst/>
+              <a:ahLst/>
+              <a:cxnLst/>
+              <a:rect l="0" t="0" r="r" b="b"/>
+              <a:pathLst>
+                <a:path w="450" h="878">
+                  <a:moveTo>
+                    <a:pt x="7" y="854"/>
+                  </a:moveTo>
+                  <a:cubicBezTo>
+                    <a:pt x="10" y="772"/>
+                    <a:pt x="26" y="691"/>
+                    <a:pt x="50" y="613"/>
+                  </a:cubicBezTo>
+                  <a:cubicBezTo>
+                    <a:pt x="75" y="535"/>
+                    <a:pt x="109" y="460"/>
+                    <a:pt x="149" y="388"/>
+                  </a:cubicBezTo>
+                  <a:cubicBezTo>
+                    <a:pt x="189" y="316"/>
+                    <a:pt x="235" y="248"/>
+                    <a:pt x="285" y="183"/>
+                  </a:cubicBezTo>
+                  <a:cubicBezTo>
+                    <a:pt x="310" y="151"/>
+                    <a:pt x="337" y="119"/>
+                    <a:pt x="364" y="89"/>
+                  </a:cubicBezTo>
+                  <a:cubicBezTo>
+                    <a:pt x="378" y="74"/>
+                    <a:pt x="392" y="58"/>
+                    <a:pt x="406" y="44"/>
+                  </a:cubicBezTo>
+                  <a:cubicBezTo>
+                    <a:pt x="421" y="29"/>
+                    <a:pt x="435" y="15"/>
+                    <a:pt x="450" y="1"/>
+                  </a:cubicBezTo>
+                  <a:cubicBezTo>
+                    <a:pt x="450" y="0"/>
+                    <a:pt x="450" y="0"/>
+                    <a:pt x="450" y="0"/>
+                  </a:cubicBezTo>
+                  <a:cubicBezTo>
+                    <a:pt x="434" y="14"/>
+                    <a:pt x="420" y="28"/>
+                    <a:pt x="405" y="43"/>
+                  </a:cubicBezTo>
+                  <a:cubicBezTo>
+                    <a:pt x="391" y="57"/>
+                    <a:pt x="377" y="72"/>
+                    <a:pt x="363" y="88"/>
+                  </a:cubicBezTo>
+                  <a:cubicBezTo>
+                    <a:pt x="335" y="118"/>
+                    <a:pt x="308" y="149"/>
+                    <a:pt x="283" y="181"/>
+                  </a:cubicBezTo>
+                  <a:cubicBezTo>
+                    <a:pt x="232" y="246"/>
+                    <a:pt x="185" y="314"/>
+                    <a:pt x="145" y="386"/>
+                  </a:cubicBezTo>
+                  <a:cubicBezTo>
+                    <a:pt x="104" y="457"/>
+                    <a:pt x="70" y="533"/>
+                    <a:pt x="45" y="611"/>
+                  </a:cubicBezTo>
+                  <a:cubicBezTo>
+                    <a:pt x="19" y="690"/>
+                    <a:pt x="3" y="771"/>
+                    <a:pt x="0" y="854"/>
+                  </a:cubicBezTo>
+                  <a:cubicBezTo>
+                    <a:pt x="0" y="856"/>
+                    <a:pt x="0" y="857"/>
+                    <a:pt x="0" y="859"/>
+                  </a:cubicBezTo>
+                  <a:cubicBezTo>
+                    <a:pt x="2" y="865"/>
+                    <a:pt x="4" y="872"/>
+                    <a:pt x="7" y="878"/>
+                  </a:cubicBezTo>
+                  <a:cubicBezTo>
+                    <a:pt x="7" y="870"/>
+                    <a:pt x="7" y="862"/>
+                    <a:pt x="7" y="854"/>
+                  </a:cubicBezTo>
+                  <a:close/>
+                </a:path>
+              </a:pathLst>
+            </a:custGeom>
+            <a:solidFill>
+              <a:schemeClr val="tx2">
+                <a:alpha val="20000"/>
+              </a:schemeClr>
+            </a:solidFill>
+            <a:ln>
+              <a:noFill/>
+            </a:ln>
+          </p:spPr>
+        </p:sp>
+        <p:sp>
+          <p:nvSpPr>
+            <p:cNvPr id="46" name="Freeform 20"/>
+            <p:cNvSpPr/>
+            <p:nvPr/>
+          </p:nvSpPr>
+          <p:spPr bwMode="auto">
+            <a:xfrm>
+              <a:off x="3273426" y="5653088"/>
+              <a:ext cx="138113" cy="287338"/>
+            </a:xfrm>
+            <a:custGeom>
+              <a:avLst/>
+              <a:gdLst/>
+              <a:ahLst/>
+              <a:cxnLst/>
+              <a:rect l="0" t="0" r="r" b="b"/>
+              <a:pathLst>
+                <a:path w="35" h="73">
+                  <a:moveTo>
+                    <a:pt x="0" y="0"/>
+                  </a:moveTo>
+                  <a:cubicBezTo>
+                    <a:pt x="7" y="24"/>
+                    <a:pt x="16" y="49"/>
+                    <a:pt x="26" y="73"/>
+                  </a:cubicBezTo>
+                  <a:cubicBezTo>
+                    <a:pt x="35" y="73"/>
+                    <a:pt x="35" y="73"/>
+                    <a:pt x="35" y="73"/>
+                  </a:cubicBezTo>
+                  <a:cubicBezTo>
+                    <a:pt x="23" y="49"/>
+                    <a:pt x="11" y="24"/>
+                    <a:pt x="0" y="0"/>
+                  </a:cubicBezTo>
+                  <a:close/>
+                </a:path>
+              </a:pathLst>
+            </a:custGeom>
+            <a:solidFill>
+              <a:schemeClr val="tx2">
+                <a:alpha val="20000"/>
+              </a:schemeClr>
+            </a:solidFill>
+            <a:ln>
+              <a:noFill/>
+            </a:ln>
+          </p:spPr>
+        </p:sp>
+        <p:sp>
+          <p:nvSpPr>
+            <p:cNvPr id="47" name="Freeform 21"/>
+            <p:cNvSpPr/>
+            <p:nvPr/>
+          </p:nvSpPr>
+          <p:spPr bwMode="auto">
+            <a:xfrm>
+              <a:off x="3143251" y="4656138"/>
+              <a:ext cx="31750" cy="188913"/>
+            </a:xfrm>
+            <a:custGeom>
+              <a:avLst/>
+              <a:gdLst/>
+              <a:ahLst/>
+              <a:cxnLst/>
+              <a:rect l="0" t="0" r="r" b="b"/>
+              <a:pathLst>
+                <a:path w="8" h="48">
+                  <a:moveTo>
+                    <a:pt x="7" y="44"/>
+                  </a:moveTo>
+                  <a:cubicBezTo>
+                    <a:pt x="7" y="46"/>
+                    <a:pt x="8" y="47"/>
+                    <a:pt x="8" y="48"/>
+                  </a:cubicBezTo>
+                  <a:cubicBezTo>
+                    <a:pt x="8" y="38"/>
+                    <a:pt x="8" y="29"/>
+                    <a:pt x="8" y="19"/>
+                  </a:cubicBezTo>
+                  <a:cubicBezTo>
+                    <a:pt x="5" y="13"/>
+                    <a:pt x="3" y="6"/>
+                    <a:pt x="1" y="0"/>
+                  </a:cubicBezTo>
+                  <a:cubicBezTo>
+                    <a:pt x="0" y="9"/>
+                    <a:pt x="0" y="17"/>
+                    <a:pt x="0" y="26"/>
+                  </a:cubicBezTo>
+                  <a:cubicBezTo>
+                    <a:pt x="2" y="32"/>
+                    <a:pt x="5" y="38"/>
+                    <a:pt x="7" y="44"/>
+                  </a:cubicBezTo>
+                  <a:close/>
+                </a:path>
+              </a:pathLst>
+            </a:custGeom>
+            <a:solidFill>
+              <a:schemeClr val="tx2">
+                <a:alpha val="20000"/>
+              </a:schemeClr>
+            </a:solidFill>
+            <a:ln>
+              <a:noFill/>
+            </a:ln>
+          </p:spPr>
+        </p:sp>
+        <p:sp>
+          <p:nvSpPr>
+            <p:cNvPr id="48" name="Freeform 22"/>
+            <p:cNvSpPr/>
+            <p:nvPr/>
+          </p:nvSpPr>
+          <p:spPr bwMode="auto">
+            <a:xfrm>
+              <a:off x="3211513" y="5410200"/>
+              <a:ext cx="203200" cy="530225"/>
+            </a:xfrm>
+            <a:custGeom>
+              <a:avLst/>
+              <a:gdLst/>
+              <a:ahLst/>
+              <a:cxnLst/>
+              <a:rect l="0" t="0" r="r" b="b"/>
+              <a:pathLst>
+                <a:path w="52" h="135">
+                  <a:moveTo>
+                    <a:pt x="7" y="18"/>
+                  </a:moveTo>
+                  <a:cubicBezTo>
+                    <a:pt x="5" y="12"/>
+                    <a:pt x="2" y="6"/>
+                    <a:pt x="0" y="0"/>
+                  </a:cubicBezTo>
+                  <a:cubicBezTo>
+                    <a:pt x="3" y="16"/>
+                    <a:pt x="7" y="32"/>
+                    <a:pt x="12" y="48"/>
+                  </a:cubicBezTo>
+                  <a:cubicBezTo>
+                    <a:pt x="13" y="53"/>
+                    <a:pt x="14" y="57"/>
+                    <a:pt x="16" y="62"/>
+                  </a:cubicBezTo>
+                  <a:cubicBezTo>
+                    <a:pt x="27" y="86"/>
+                    <a:pt x="39" y="111"/>
+                    <a:pt x="51" y="135"/>
+                  </a:cubicBezTo>
+                  <a:cubicBezTo>
+                    <a:pt x="52" y="135"/>
+                    <a:pt x="52" y="135"/>
+                    <a:pt x="52" y="135"/>
+                  </a:cubicBezTo>
+                  <a:cubicBezTo>
+                    <a:pt x="41" y="109"/>
+                    <a:pt x="32" y="83"/>
+                    <a:pt x="24" y="56"/>
+                  </a:cubicBezTo>
+                  <a:cubicBezTo>
+                    <a:pt x="18" y="43"/>
+                    <a:pt x="13" y="31"/>
+                    <a:pt x="7" y="18"/>
+                  </a:cubicBezTo>
+                  <a:close/>
+                </a:path>
+              </a:pathLst>
+            </a:custGeom>
+            <a:solidFill>
+              <a:schemeClr val="tx2">
+                <a:alpha val="20000"/>
+              </a:schemeClr>
+            </a:solidFill>
+            <a:ln>
+              <a:noFill/>
+            </a:ln>
+          </p:spPr>
+        </p:sp>
+      </p:grpSp>
+      <p:grpSp>
+        <p:nvGrpSpPr>
+          <p:cNvPr id="49" name="Group 48"/>
+          <p:cNvGrpSpPr/>
+          <p:nvPr/>
+        </p:nvGrpSpPr>
+        <p:grpSpPr>
+          <a:xfrm>
+            <a:off x="20421" y="285"/>
+            <a:ext cx="1952272" cy="6852968"/>
+            <a:chOff x="6627813" y="195717"/>
+            <a:chExt cx="1952625" cy="5678034"/>
+          </a:xfrm>
+        </p:grpSpPr>
+        <p:sp>
+          <p:nvSpPr>
+            <p:cNvPr id="50" name="Freeform 27"/>
+            <p:cNvSpPr/>
+            <p:nvPr/>
+          </p:nvSpPr>
+          <p:spPr bwMode="auto">
+            <a:xfrm>
+              <a:off x="6627813" y="195717"/>
+              <a:ext cx="409575" cy="3646488"/>
+            </a:xfrm>
+            <a:custGeom>
+              <a:avLst/>
+              <a:gdLst/>
+              <a:ahLst/>
+              <a:cxnLst/>
+              <a:rect l="0" t="0" r="r" b="b"/>
+              <a:pathLst>
+                <a:path w="103" h="920">
+                  <a:moveTo>
+                    <a:pt x="7" y="210"/>
+                  </a:moveTo>
+                  <a:cubicBezTo>
+                    <a:pt x="11" y="288"/>
+                    <a:pt x="17" y="367"/>
+                    <a:pt x="26" y="445"/>
+                  </a:cubicBezTo>
+                  <a:cubicBezTo>
+                    <a:pt x="34" y="523"/>
+                    <a:pt x="44" y="601"/>
+                    <a:pt x="57" y="679"/>
+                  </a:cubicBezTo>
+                  <a:cubicBezTo>
+                    <a:pt x="69" y="757"/>
+                    <a:pt x="84" y="834"/>
+                    <a:pt x="101" y="911"/>
+                  </a:cubicBezTo>
+                  <a:cubicBezTo>
+                    <a:pt x="102" y="914"/>
+                    <a:pt x="103" y="917"/>
+                    <a:pt x="103" y="920"/>
+                  </a:cubicBezTo>
+                  <a:cubicBezTo>
+                    <a:pt x="102" y="905"/>
+                    <a:pt x="100" y="889"/>
+                    <a:pt x="99" y="874"/>
+                  </a:cubicBezTo>
+                  <a:cubicBezTo>
+                    <a:pt x="99" y="871"/>
+                    <a:pt x="99" y="868"/>
+                    <a:pt x="99" y="866"/>
+                  </a:cubicBezTo>
+                  <a:cubicBezTo>
+                    <a:pt x="85" y="803"/>
+                    <a:pt x="73" y="741"/>
+                    <a:pt x="63" y="678"/>
+                  </a:cubicBezTo>
+                  <a:cubicBezTo>
+                    <a:pt x="50" y="600"/>
+                    <a:pt x="39" y="523"/>
+                    <a:pt x="30" y="444"/>
+                  </a:cubicBezTo>
+                  <a:cubicBezTo>
+                    <a:pt x="21" y="366"/>
+                    <a:pt x="14" y="288"/>
+                    <a:pt x="9" y="209"/>
+                  </a:cubicBezTo>
+                  <a:cubicBezTo>
+                    <a:pt x="7" y="170"/>
+                    <a:pt x="5" y="131"/>
+                    <a:pt x="3" y="92"/>
+                  </a:cubicBezTo>
+                  <a:cubicBezTo>
+                    <a:pt x="2" y="61"/>
+                    <a:pt x="1" y="31"/>
+                    <a:pt x="1" y="0"/>
+                  </a:cubicBezTo>
+                  <a:cubicBezTo>
+                    <a:pt x="0" y="0"/>
+                    <a:pt x="0" y="0"/>
+                    <a:pt x="0" y="0"/>
+                  </a:cubicBezTo>
+                  <a:cubicBezTo>
+                    <a:pt x="0" y="31"/>
+                    <a:pt x="1" y="61"/>
+                    <a:pt x="1" y="92"/>
+                  </a:cubicBezTo>
+                  <a:cubicBezTo>
+                    <a:pt x="3" y="131"/>
+                    <a:pt x="4" y="170"/>
+                    <a:pt x="7" y="210"/>
+                  </a:cubicBezTo>
+                  <a:close/>
+                </a:path>
+              </a:pathLst>
+            </a:custGeom>
+            <a:solidFill>
+              <a:schemeClr val="tx2"/>
+            </a:solidFill>
+            <a:ln>
+              <a:noFill/>
+            </a:ln>
+          </p:spPr>
+        </p:sp>
+        <p:sp>
+          <p:nvSpPr>
+            <p:cNvPr id="51" name="Freeform 28"/>
+            <p:cNvSpPr/>
+            <p:nvPr/>
+          </p:nvSpPr>
+          <p:spPr bwMode="auto">
+            <a:xfrm>
+              <a:off x="7061201" y="3771900"/>
+              <a:ext cx="350838" cy="1309688"/>
+            </a:xfrm>
+            <a:custGeom>
+              <a:avLst/>
+              <a:gdLst/>
+              <a:ahLst/>
+              <a:cxnLst/>
+              <a:rect l="0" t="0" r="r" b="b"/>
+              <a:pathLst>
+                <a:path w="88" h="330">
+                  <a:moveTo>
+                    <a:pt x="53" y="229"/>
+                  </a:moveTo>
+                  <a:cubicBezTo>
+                    <a:pt x="64" y="263"/>
+                    <a:pt x="75" y="297"/>
+                    <a:pt x="88" y="330"/>
+                  </a:cubicBezTo>
+                  <a:cubicBezTo>
+                    <a:pt x="88" y="323"/>
+                    <a:pt x="88" y="315"/>
+                    <a:pt x="88" y="308"/>
+                  </a:cubicBezTo>
+                  <a:cubicBezTo>
+                    <a:pt x="88" y="307"/>
+                    <a:pt x="88" y="305"/>
+                    <a:pt x="88" y="304"/>
+                  </a:cubicBezTo>
+                  <a:cubicBezTo>
+                    <a:pt x="79" y="278"/>
+                    <a:pt x="70" y="252"/>
+                    <a:pt x="62" y="226"/>
+                  </a:cubicBezTo>
+                  <a:cubicBezTo>
+                    <a:pt x="38" y="152"/>
+                    <a:pt x="17" y="76"/>
+                    <a:pt x="0" y="0"/>
+                  </a:cubicBezTo>
+                  <a:cubicBezTo>
+                    <a:pt x="2" y="21"/>
+                    <a:pt x="4" y="42"/>
+                    <a:pt x="7" y="63"/>
+                  </a:cubicBezTo>
+                  <a:cubicBezTo>
+                    <a:pt x="21" y="119"/>
+                    <a:pt x="36" y="174"/>
+                    <a:pt x="53" y="229"/>
+                  </a:cubicBezTo>
+                  <a:close/>
+                </a:path>
+              </a:pathLst>
+            </a:custGeom>
+            <a:solidFill>
+              <a:schemeClr val="tx2"/>
+            </a:solidFill>
+            <a:ln>
+              <a:noFill/>
+            </a:ln>
+          </p:spPr>
+        </p:sp>
+        <p:sp>
+          <p:nvSpPr>
+            <p:cNvPr id="52" name="Freeform 29"/>
+            <p:cNvSpPr/>
+            <p:nvPr/>
+          </p:nvSpPr>
+          <p:spPr bwMode="auto">
+            <a:xfrm>
+              <a:off x="7439026" y="5053013"/>
+              <a:ext cx="357188" cy="820738"/>
+            </a:xfrm>
+            <a:custGeom>
+              <a:avLst/>
+              <a:gdLst/>
+              <a:ahLst/>
+              <a:cxnLst/>
+              <a:rect l="0" t="0" r="r" b="b"/>
+              <a:pathLst>
+                <a:path w="90" h="207">
+                  <a:moveTo>
+                    <a:pt x="6" y="15"/>
+                  </a:moveTo>
+                  <a:cubicBezTo>
+                    <a:pt x="4" y="10"/>
+                    <a:pt x="2" y="5"/>
+                    <a:pt x="0" y="0"/>
+                  </a:cubicBezTo>
+                  <a:cubicBezTo>
+                    <a:pt x="0" y="9"/>
+                    <a:pt x="0" y="19"/>
+                    <a:pt x="1" y="29"/>
+                  </a:cubicBezTo>
+                  <a:cubicBezTo>
+                    <a:pt x="14" y="62"/>
+                    <a:pt x="27" y="95"/>
+                    <a:pt x="42" y="127"/>
+                  </a:cubicBezTo>
+                  <a:cubicBezTo>
+                    <a:pt x="54" y="154"/>
+                    <a:pt x="67" y="181"/>
+                    <a:pt x="80" y="207"/>
+                  </a:cubicBezTo>
+                  <a:cubicBezTo>
+                    <a:pt x="90" y="207"/>
+                    <a:pt x="90" y="207"/>
+                    <a:pt x="90" y="207"/>
+                  </a:cubicBezTo>
+                  <a:cubicBezTo>
+                    <a:pt x="76" y="180"/>
+                    <a:pt x="63" y="152"/>
+                    <a:pt x="50" y="123"/>
+                  </a:cubicBezTo>
+                  <a:cubicBezTo>
+                    <a:pt x="34" y="88"/>
+                    <a:pt x="20" y="51"/>
+                    <a:pt x="6" y="15"/>
+                  </a:cubicBezTo>
+                  <a:close/>
+                </a:path>
+              </a:pathLst>
+            </a:custGeom>
+            <a:solidFill>
+              <a:schemeClr val="tx2"/>
+            </a:solidFill>
+            <a:ln>
+              <a:noFill/>
+            </a:ln>
+          </p:spPr>
+        </p:sp>
+        <p:sp>
+          <p:nvSpPr>
+            <p:cNvPr id="53" name="Freeform 30"/>
+            <p:cNvSpPr/>
+            <p:nvPr/>
+          </p:nvSpPr>
+          <p:spPr bwMode="auto">
+            <a:xfrm>
+              <a:off x="7037388" y="3811588"/>
+              <a:ext cx="457200" cy="1852613"/>
+            </a:xfrm>
+            <a:custGeom>
+              <a:avLst/>
+              <a:gdLst/>
+              <a:ahLst/>
+              <a:cxnLst/>
+              <a:rect l="0" t="0" r="r" b="b"/>
+              <a:pathLst>
+                <a:path w="115" h="467">
+                  <a:moveTo>
+                    <a:pt x="101" y="409"/>
+                  </a:moveTo>
+                  <a:cubicBezTo>
+                    <a:pt x="93" y="388"/>
+                    <a:pt x="85" y="366"/>
+                    <a:pt x="78" y="344"/>
+                  </a:cubicBezTo>
+                  <a:cubicBezTo>
+                    <a:pt x="57" y="281"/>
+                    <a:pt x="41" y="216"/>
+                    <a:pt x="29" y="151"/>
+                  </a:cubicBezTo>
+                  <a:cubicBezTo>
+                    <a:pt x="22" y="119"/>
+                    <a:pt x="17" y="86"/>
+                    <a:pt x="13" y="53"/>
+                  </a:cubicBezTo>
+                  <a:cubicBezTo>
+                    <a:pt x="9" y="35"/>
+                    <a:pt x="4" y="18"/>
+                    <a:pt x="0" y="0"/>
+                  </a:cubicBezTo>
+                  <a:cubicBezTo>
+                    <a:pt x="5" y="51"/>
+                    <a:pt x="12" y="102"/>
+                    <a:pt x="21" y="152"/>
+                  </a:cubicBezTo>
+                  <a:cubicBezTo>
+                    <a:pt x="33" y="218"/>
+                    <a:pt x="49" y="283"/>
+                    <a:pt x="69" y="347"/>
+                  </a:cubicBezTo>
+                  <a:cubicBezTo>
+                    <a:pt x="79" y="378"/>
+                    <a:pt x="90" y="410"/>
+                    <a:pt x="103" y="441"/>
+                  </a:cubicBezTo>
+                  <a:cubicBezTo>
+                    <a:pt x="107" y="449"/>
+                    <a:pt x="111" y="458"/>
+                    <a:pt x="115" y="467"/>
+                  </a:cubicBezTo>
+                  <a:cubicBezTo>
+                    <a:pt x="114" y="464"/>
+                    <a:pt x="113" y="461"/>
+                    <a:pt x="112" y="458"/>
+                  </a:cubicBezTo>
+                  <a:cubicBezTo>
+                    <a:pt x="108" y="442"/>
+                    <a:pt x="104" y="425"/>
+                    <a:pt x="101" y="409"/>
+                  </a:cubicBezTo>
+                  <a:close/>
+                </a:path>
+              </a:pathLst>
+            </a:custGeom>
+            <a:solidFill>
+              <a:schemeClr val="tx2"/>
+            </a:solidFill>
+            <a:ln>
+              <a:noFill/>
+            </a:ln>
+          </p:spPr>
+        </p:sp>
+        <p:sp>
+          <p:nvSpPr>
+            <p:cNvPr id="54" name="Freeform 31"/>
+            <p:cNvSpPr/>
+            <p:nvPr/>
+          </p:nvSpPr>
+          <p:spPr bwMode="auto">
+            <a:xfrm>
+              <a:off x="6992938" y="1263650"/>
+              <a:ext cx="144463" cy="2508250"/>
+            </a:xfrm>
+            <a:custGeom>
+              <a:avLst/>
+              <a:gdLst/>
+              <a:ahLst/>
+              <a:cxnLst/>
+              <a:rect l="0" t="0" r="r" b="b"/>
+              <a:pathLst>
+                <a:path w="36" h="633">
+                  <a:moveTo>
+                    <a:pt x="17" y="633"/>
+                  </a:moveTo>
+                  <a:cubicBezTo>
+                    <a:pt x="15" y="621"/>
+                    <a:pt x="14" y="609"/>
+                    <a:pt x="13" y="597"/>
+                  </a:cubicBezTo>
+                  <a:cubicBezTo>
+                    <a:pt x="8" y="530"/>
+                    <a:pt x="5" y="464"/>
+                    <a:pt x="5" y="398"/>
+                  </a:cubicBezTo>
+                  <a:cubicBezTo>
+                    <a:pt x="5" y="331"/>
+                    <a:pt x="8" y="265"/>
+                    <a:pt x="13" y="198"/>
+                  </a:cubicBezTo>
+                  <a:cubicBezTo>
+                    <a:pt x="15" y="165"/>
+                    <a:pt x="18" y="132"/>
+                    <a:pt x="22" y="99"/>
+                  </a:cubicBezTo>
+                  <a:cubicBezTo>
+                    <a:pt x="26" y="66"/>
+                    <a:pt x="30" y="33"/>
+                    <a:pt x="36" y="0"/>
+                  </a:cubicBezTo>
+                  <a:cubicBezTo>
+                    <a:pt x="35" y="0"/>
+                    <a:pt x="35" y="0"/>
+                    <a:pt x="35" y="0"/>
+                  </a:cubicBezTo>
+                  <a:cubicBezTo>
+                    <a:pt x="29" y="33"/>
+                    <a:pt x="24" y="66"/>
+                    <a:pt x="20" y="99"/>
+                  </a:cubicBezTo>
+                  <a:cubicBezTo>
+                    <a:pt x="16" y="132"/>
+                    <a:pt x="13" y="165"/>
+                    <a:pt x="10" y="198"/>
+                  </a:cubicBezTo>
+                  <a:cubicBezTo>
+                    <a:pt x="4" y="264"/>
+                    <a:pt x="1" y="331"/>
+                    <a:pt x="1" y="398"/>
+                  </a:cubicBezTo>
+                  <a:cubicBezTo>
+                    <a:pt x="0" y="461"/>
+                    <a:pt x="2" y="525"/>
+                    <a:pt x="7" y="589"/>
+                  </a:cubicBezTo>
+                  <a:cubicBezTo>
+                    <a:pt x="10" y="603"/>
+                    <a:pt x="13" y="618"/>
+                    <a:pt x="16" y="632"/>
+                  </a:cubicBezTo>
+                  <a:cubicBezTo>
+                    <a:pt x="16" y="632"/>
+                    <a:pt x="17" y="633"/>
+                    <a:pt x="17" y="633"/>
+                  </a:cubicBezTo>
+                  <a:close/>
+                </a:path>
+              </a:pathLst>
+            </a:custGeom>
+            <a:solidFill>
+              <a:schemeClr val="tx2"/>
+            </a:solidFill>
+            <a:ln>
+              <a:noFill/>
+            </a:ln>
+          </p:spPr>
+        </p:sp>
+        <p:sp>
+          <p:nvSpPr>
+            <p:cNvPr id="55" name="Freeform 32"/>
+            <p:cNvSpPr/>
+            <p:nvPr/>
+          </p:nvSpPr>
+          <p:spPr bwMode="auto">
+            <a:xfrm>
+              <a:off x="7526338" y="5640388"/>
+              <a:ext cx="111125" cy="233363"/>
+            </a:xfrm>
+            <a:custGeom>
+              <a:avLst/>
+              <a:gdLst/>
+              <a:ahLst/>
+              <a:cxnLst/>
+              <a:rect l="0" t="0" r="r" b="b"/>
+              <a:pathLst>
+                <a:path w="28" h="59">
+                  <a:moveTo>
+                    <a:pt x="22" y="59"/>
+                  </a:moveTo>
+                  <a:cubicBezTo>
+                    <a:pt x="28" y="59"/>
+                    <a:pt x="28" y="59"/>
+                    <a:pt x="28" y="59"/>
+                  </a:cubicBezTo>
+                  <a:cubicBezTo>
+                    <a:pt x="18" y="40"/>
+                    <a:pt x="9" y="20"/>
+                    <a:pt x="0" y="0"/>
+                  </a:cubicBezTo>
+                  <a:cubicBezTo>
+                    <a:pt x="6" y="20"/>
+                    <a:pt x="13" y="40"/>
+                    <a:pt x="22" y="59"/>
+                  </a:cubicBezTo>
+                  <a:close/>
+                </a:path>
+              </a:pathLst>
+            </a:custGeom>
+            <a:solidFill>
+              <a:schemeClr val="tx2"/>
+            </a:solidFill>
+            <a:ln>
+              <a:noFill/>
+            </a:ln>
+          </p:spPr>
+        </p:sp>
+        <p:sp>
+          <p:nvSpPr>
+            <p:cNvPr id="56" name="Freeform 33"/>
+            <p:cNvSpPr/>
+            <p:nvPr/>
+          </p:nvSpPr>
+          <p:spPr bwMode="auto">
+            <a:xfrm>
+              <a:off x="7021513" y="3598863"/>
+              <a:ext cx="68263" cy="423863"/>
+            </a:xfrm>
+            <a:custGeom>
+              <a:avLst/>
+              <a:gdLst/>
+              <a:ahLst/>
+              <a:cxnLst/>
+              <a:rect l="0" t="0" r="r" b="b"/>
+              <a:pathLst>
+                <a:path w="17" h="107">
+                  <a:moveTo>
+                    <a:pt x="4" y="54"/>
+                  </a:moveTo>
+                  <a:cubicBezTo>
+                    <a:pt x="8" y="72"/>
+                    <a:pt x="13" y="89"/>
+                    <a:pt x="17" y="107"/>
+                  </a:cubicBezTo>
+                  <a:cubicBezTo>
+                    <a:pt x="14" y="86"/>
+                    <a:pt x="12" y="65"/>
+                    <a:pt x="10" y="44"/>
+                  </a:cubicBezTo>
+                  <a:cubicBezTo>
+                    <a:pt x="10" y="44"/>
+                    <a:pt x="9" y="43"/>
+                    <a:pt x="9" y="43"/>
+                  </a:cubicBezTo>
+                  <a:cubicBezTo>
+                    <a:pt x="6" y="29"/>
+                    <a:pt x="3" y="14"/>
+                    <a:pt x="0" y="0"/>
+                  </a:cubicBezTo>
+                  <a:cubicBezTo>
+                    <a:pt x="0" y="2"/>
+                    <a:pt x="0" y="5"/>
+                    <a:pt x="0" y="8"/>
+                  </a:cubicBezTo>
+                  <a:cubicBezTo>
+                    <a:pt x="1" y="23"/>
+                    <a:pt x="3" y="39"/>
+                    <a:pt x="4" y="54"/>
+                  </a:cubicBezTo>
+                  <a:close/>
+                </a:path>
+              </a:pathLst>
+            </a:custGeom>
+            <a:solidFill>
+              <a:schemeClr val="tx2"/>
+            </a:solidFill>
+            <a:ln>
+              <a:noFill/>
+            </a:ln>
+          </p:spPr>
+        </p:sp>
+        <p:sp>
+          <p:nvSpPr>
+            <p:cNvPr id="57" name="Freeform 34"/>
+            <p:cNvSpPr/>
+            <p:nvPr/>
+          </p:nvSpPr>
+          <p:spPr bwMode="auto">
+            <a:xfrm>
+              <a:off x="7412038" y="2801938"/>
+              <a:ext cx="1168400" cy="2251075"/>
+            </a:xfrm>
+            <a:custGeom>
+              <a:avLst/>
+              <a:gdLst/>
+              <a:ahLst/>
+              <a:cxnLst/>
+              <a:rect l="0" t="0" r="r" b="b"/>
+              <a:pathLst>
+                <a:path w="294" h="568">
+                  <a:moveTo>
+                    <a:pt x="8" y="553"/>
+                  </a:moveTo>
+                  <a:cubicBezTo>
+                    <a:pt x="9" y="501"/>
+                    <a:pt x="19" y="448"/>
+                    <a:pt x="35" y="397"/>
+                  </a:cubicBezTo>
+                  <a:cubicBezTo>
+                    <a:pt x="51" y="347"/>
+                    <a:pt x="73" y="298"/>
+                    <a:pt x="99" y="252"/>
+                  </a:cubicBezTo>
+                  <a:cubicBezTo>
+                    <a:pt x="124" y="205"/>
+                    <a:pt x="154" y="161"/>
+                    <a:pt x="187" y="119"/>
+                  </a:cubicBezTo>
+                  <a:cubicBezTo>
+                    <a:pt x="203" y="98"/>
+                    <a:pt x="220" y="77"/>
+                    <a:pt x="238" y="58"/>
+                  </a:cubicBezTo>
+                  <a:cubicBezTo>
+                    <a:pt x="247" y="48"/>
+                    <a:pt x="256" y="38"/>
+                    <a:pt x="265" y="28"/>
+                  </a:cubicBezTo>
+                  <a:cubicBezTo>
+                    <a:pt x="274" y="19"/>
+                    <a:pt x="284" y="9"/>
+                    <a:pt x="294" y="0"/>
+                  </a:cubicBezTo>
+                  <a:cubicBezTo>
+                    <a:pt x="293" y="0"/>
+                    <a:pt x="293" y="0"/>
+                    <a:pt x="293" y="0"/>
+                  </a:cubicBezTo>
+                  <a:cubicBezTo>
+                    <a:pt x="283" y="9"/>
+                    <a:pt x="273" y="18"/>
+                    <a:pt x="264" y="27"/>
+                  </a:cubicBezTo>
+                  <a:cubicBezTo>
+                    <a:pt x="255" y="37"/>
+                    <a:pt x="246" y="47"/>
+                    <a:pt x="237" y="56"/>
+                  </a:cubicBezTo>
+                  <a:cubicBezTo>
+                    <a:pt x="218" y="76"/>
+                    <a:pt x="201" y="96"/>
+                    <a:pt x="185" y="117"/>
+                  </a:cubicBezTo>
+                  <a:cubicBezTo>
+                    <a:pt x="151" y="159"/>
+                    <a:pt x="121" y="203"/>
+                    <a:pt x="95" y="249"/>
+                  </a:cubicBezTo>
+                  <a:cubicBezTo>
+                    <a:pt x="68" y="296"/>
+                    <a:pt x="46" y="345"/>
+                    <a:pt x="30" y="396"/>
+                  </a:cubicBezTo>
+                  <a:cubicBezTo>
+                    <a:pt x="13" y="445"/>
+                    <a:pt x="3" y="497"/>
+                    <a:pt x="0" y="549"/>
+                  </a:cubicBezTo>
+                  <a:cubicBezTo>
+                    <a:pt x="3" y="555"/>
+                    <a:pt x="5" y="561"/>
+                    <a:pt x="7" y="568"/>
+                  </a:cubicBezTo>
+                  <a:cubicBezTo>
+                    <a:pt x="7" y="563"/>
+                    <a:pt x="7" y="558"/>
+                    <a:pt x="8" y="553"/>
+                  </a:cubicBezTo>
+                  <a:close/>
+                </a:path>
+              </a:pathLst>
+            </a:custGeom>
+            <a:solidFill>
+              <a:schemeClr val="tx2"/>
+            </a:solidFill>
+            <a:ln>
+              <a:noFill/>
+            </a:ln>
+          </p:spPr>
+        </p:sp>
+        <p:sp>
+          <p:nvSpPr>
+            <p:cNvPr id="58" name="Freeform 35"/>
+            <p:cNvSpPr/>
+            <p:nvPr/>
+          </p:nvSpPr>
+          <p:spPr bwMode="auto">
+            <a:xfrm>
+              <a:off x="7494588" y="5664200"/>
+              <a:ext cx="100013" cy="209550"/>
+            </a:xfrm>
+            <a:custGeom>
+              <a:avLst/>
+              <a:gdLst/>
+              <a:ahLst/>
+              <a:cxnLst/>
+              <a:rect l="0" t="0" r="r" b="b"/>
+              <a:pathLst>
+                <a:path w="25" h="53">
+                  <a:moveTo>
+                    <a:pt x="0" y="0"/>
+                  </a:moveTo>
+                  <a:cubicBezTo>
+                    <a:pt x="5" y="18"/>
+                    <a:pt x="12" y="36"/>
+                    <a:pt x="19" y="53"/>
+                  </a:cubicBezTo>
+                  <a:cubicBezTo>
+                    <a:pt x="25" y="53"/>
+                    <a:pt x="25" y="53"/>
+                    <a:pt x="25" y="53"/>
+                  </a:cubicBezTo>
+                  <a:cubicBezTo>
+                    <a:pt x="16" y="36"/>
+                    <a:pt x="8" y="18"/>
+                    <a:pt x="0" y="0"/>
+                  </a:cubicBezTo>
+                  <a:close/>
+                </a:path>
+              </a:pathLst>
+            </a:custGeom>
+            <a:solidFill>
+              <a:schemeClr val="tx2"/>
+            </a:solidFill>
+            <a:ln>
+              <a:noFill/>
+            </a:ln>
+          </p:spPr>
+        </p:sp>
+        <p:sp>
+          <p:nvSpPr>
+            <p:cNvPr id="59" name="Freeform 36"/>
+            <p:cNvSpPr/>
+            <p:nvPr/>
+          </p:nvSpPr>
+          <p:spPr bwMode="auto">
+            <a:xfrm>
+              <a:off x="7412038" y="5081588"/>
+              <a:ext cx="114300" cy="558800"/>
+            </a:xfrm>
+            <a:custGeom>
+              <a:avLst/>
+              <a:gdLst/>
+              <a:ahLst/>
+              <a:cxnLst/>
+              <a:rect l="0" t="0" r="r" b="b"/>
+              <a:pathLst>
+                <a:path w="29" h="141">
+                  <a:moveTo>
+                    <a:pt x="0" y="0"/>
+                  </a:moveTo>
+                  <a:cubicBezTo>
+                    <a:pt x="0" y="30"/>
+                    <a:pt x="2" y="60"/>
+                    <a:pt x="7" y="89"/>
+                  </a:cubicBezTo>
+                  <a:cubicBezTo>
+                    <a:pt x="11" y="98"/>
+                    <a:pt x="14" y="108"/>
+                    <a:pt x="18" y="117"/>
+                  </a:cubicBezTo>
+                  <a:cubicBezTo>
+                    <a:pt x="22" y="125"/>
+                    <a:pt x="25" y="133"/>
+                    <a:pt x="29" y="141"/>
+                  </a:cubicBezTo>
+                  <a:cubicBezTo>
+                    <a:pt x="28" y="139"/>
+                    <a:pt x="28" y="137"/>
+                    <a:pt x="27" y="135"/>
+                  </a:cubicBezTo>
+                  <a:cubicBezTo>
+                    <a:pt x="16" y="98"/>
+                    <a:pt x="10" y="60"/>
+                    <a:pt x="8" y="22"/>
+                  </a:cubicBezTo>
+                  <a:cubicBezTo>
+                    <a:pt x="7" y="18"/>
+                    <a:pt x="5" y="15"/>
+                    <a:pt x="4" y="11"/>
+                  </a:cubicBezTo>
+                  <a:cubicBezTo>
+                    <a:pt x="2" y="7"/>
+                    <a:pt x="1" y="3"/>
+                    <a:pt x="0" y="0"/>
+                  </a:cubicBezTo>
+                  <a:close/>
+                </a:path>
+              </a:pathLst>
+            </a:custGeom>
+            <a:solidFill>
+              <a:schemeClr val="tx2"/>
+            </a:solidFill>
+            <a:ln>
+              <a:noFill/>
+            </a:ln>
+          </p:spPr>
+        </p:sp>
+        <p:sp>
+          <p:nvSpPr>
+            <p:cNvPr id="60" name="Freeform 37"/>
+            <p:cNvSpPr/>
+            <p:nvPr/>
+          </p:nvSpPr>
+          <p:spPr bwMode="auto">
+            <a:xfrm>
+              <a:off x="7412038" y="4978400"/>
+              <a:ext cx="31750" cy="188913"/>
+            </a:xfrm>
+            <a:custGeom>
+              <a:avLst/>
+              <a:gdLst/>
+              <a:ahLst/>
+              <a:cxnLst/>
+              <a:rect l="0" t="0" r="r" b="b"/>
+              <a:pathLst>
+                <a:path w="8" h="48">
+                  <a:moveTo>
+                    <a:pt x="0" y="26"/>
+                  </a:moveTo>
+                  <a:cubicBezTo>
+                    <a:pt x="1" y="29"/>
+                    <a:pt x="2" y="33"/>
+                    <a:pt x="4" y="37"/>
+                  </a:cubicBezTo>
+                  <a:cubicBezTo>
+                    <a:pt x="5" y="41"/>
+                    <a:pt x="7" y="44"/>
+                    <a:pt x="8" y="48"/>
+                  </a:cubicBezTo>
+                  <a:cubicBezTo>
+                    <a:pt x="7" y="38"/>
+                    <a:pt x="7" y="28"/>
+                    <a:pt x="7" y="19"/>
+                  </a:cubicBezTo>
+                  <a:cubicBezTo>
+                    <a:pt x="5" y="12"/>
+                    <a:pt x="3" y="6"/>
+                    <a:pt x="0" y="0"/>
+                  </a:cubicBezTo>
+                  <a:cubicBezTo>
+                    <a:pt x="0" y="1"/>
+                    <a:pt x="0" y="3"/>
+                    <a:pt x="0" y="4"/>
+                  </a:cubicBezTo>
+                  <a:cubicBezTo>
+                    <a:pt x="0" y="11"/>
+                    <a:pt x="0" y="19"/>
+                    <a:pt x="0" y="26"/>
+                  </a:cubicBezTo>
+                  <a:close/>
+                </a:path>
+              </a:pathLst>
+            </a:custGeom>
+            <a:solidFill>
+              <a:schemeClr val="tx2"/>
+            </a:solidFill>
+            <a:ln>
+              <a:noFill/>
+            </a:ln>
+          </p:spPr>
+        </p:sp>
+        <p:sp>
+          <p:nvSpPr>
+            <p:cNvPr id="61" name="Freeform 38"/>
+            <p:cNvSpPr/>
+            <p:nvPr/>
+          </p:nvSpPr>
+          <p:spPr bwMode="auto">
+            <a:xfrm>
+              <a:off x="7439026" y="5434013"/>
+              <a:ext cx="174625" cy="439738"/>
+            </a:xfrm>
+            <a:custGeom>
+              <a:avLst/>
+              <a:gdLst/>
+              <a:ahLst/>
+              <a:cxnLst/>
+              <a:rect l="0" t="0" r="r" b="b"/>
+              <a:pathLst>
+                <a:path w="44" h="111">
+                  <a:moveTo>
+                    <a:pt x="11" y="28"/>
+                  </a:moveTo>
+                  <a:cubicBezTo>
+                    <a:pt x="7" y="19"/>
+                    <a:pt x="4" y="9"/>
+                    <a:pt x="0" y="0"/>
+                  </a:cubicBezTo>
+                  <a:cubicBezTo>
+                    <a:pt x="3" y="16"/>
+                    <a:pt x="7" y="33"/>
+                    <a:pt x="11" y="49"/>
+                  </a:cubicBezTo>
+                  <a:cubicBezTo>
+                    <a:pt x="12" y="52"/>
+                    <a:pt x="13" y="55"/>
+                    <a:pt x="14" y="58"/>
+                  </a:cubicBezTo>
+                  <a:cubicBezTo>
+                    <a:pt x="22" y="76"/>
+                    <a:pt x="30" y="94"/>
+                    <a:pt x="39" y="111"/>
+                  </a:cubicBezTo>
+                  <a:cubicBezTo>
+                    <a:pt x="44" y="111"/>
+                    <a:pt x="44" y="111"/>
+                    <a:pt x="44" y="111"/>
+                  </a:cubicBezTo>
+                  <a:cubicBezTo>
+                    <a:pt x="35" y="92"/>
+                    <a:pt x="28" y="72"/>
+                    <a:pt x="22" y="52"/>
+                  </a:cubicBezTo>
+                  <a:cubicBezTo>
+                    <a:pt x="18" y="44"/>
+                    <a:pt x="15" y="36"/>
+                    <a:pt x="11" y="28"/>
+                  </a:cubicBezTo>
+                  <a:close/>
+                </a:path>
+              </a:pathLst>
+            </a:custGeom>
+            <a:solidFill>
+              <a:schemeClr val="tx2"/>
+            </a:solidFill>
+            <a:ln>
+              <a:noFill/>
+            </a:ln>
+          </p:spPr>
+        </p:sp>
+      </p:grpSp>
+      <p:sp>
+        <p:nvSpPr>
+          <p:cNvPr id="62" name="Rectangle 61"/>
+          <p:cNvSpPr/>
+          <p:nvPr/>
         </p:nvSpPr>
         <p:spPr>
           <a:xfrm>
-            <a:off x="457200" y="274638"/>
-            <a:ext cx="8229600" cy="1143000"/>
+            <a:off x="0" y="0"/>
+            <a:ext cx="182880" cy="6858000"/>
+          </a:xfrm>
+          <a:prstGeom prst="rect">
+            <a:avLst/>
+          </a:prstGeom>
+          <a:solidFill>
+            <a:schemeClr val="tx2"/>
+          </a:solidFill>
+          <a:ln>
+            <a:noFill/>
+          </a:ln>
+          <a:effectLst/>
+        </p:spPr>
+        <p:style>
+          <a:lnRef idx="1">
+            <a:schemeClr val="accent1"/>
+          </a:lnRef>
+          <a:fillRef idx="3">
+            <a:schemeClr val="accent1"/>
+          </a:fillRef>
+          <a:effectRef idx="2">
+            <a:schemeClr val="accent1"/>
+          </a:effectRef>
+          <a:fontRef idx="minor">
+            <a:schemeClr val="lt1"/>
+          </a:fontRef>
+        </p:style>
+      </p:sp>
+      <p:sp>
+        <p:nvSpPr>
+          <p:cNvPr id="2" name="Title Placeholder 1"/>
+          <p:cNvSpPr>
+            <a:spLocks noGrp="1"/>
+          </p:cNvSpPr>
+          <p:nvPr>
+            <p:ph type="title"/>
+          </p:nvPr>
+        </p:nvSpPr>
+        <p:spPr>
+          <a:xfrm>
+            <a:off x="1945200" y="624110"/>
+            <a:ext cx="6589200" cy="1280890"/>
           </a:xfrm>
           <a:prstGeom prst="rect">
             <a:avLst/>
           </a:prstGeom>
         </p:spPr>
         <p:txBody>
-          <a:bodyPr vert="horz" lIns="91440" tIns="45720" rIns="91440" bIns="45720" rtlCol="0" anchor="ctr">
+          <a:bodyPr vert="horz" lIns="91440" tIns="45720" rIns="91440" bIns="45720" rtlCol="0" anchor="t">
             <a:normAutofit/>
           </a:bodyPr>
           <a:lstStyle/>
@@ -2642,7 +7044,7 @@
               <a:rPr lang="en-US" smtClean="0"/>
               <a:t>Click to edit Master title style</a:t>
             </a:r>
-            <a:endParaRPr lang="en-US"/>
+            <a:endParaRPr lang="en-US" dirty="0"/>
           </a:p>
         </p:txBody>
       </p:sp>
@@ -2658,8 +7060,8 @@
         </p:nvSpPr>
         <p:spPr>
           <a:xfrm>
-            <a:off x="457200" y="1600200"/>
-            <a:ext cx="8229600" cy="4525963"/>
+            <a:off x="1942415" y="2133600"/>
+            <a:ext cx="6591985" cy="3886200"/>
           </a:xfrm>
           <a:prstGeom prst="rect">
             <a:avLst/>
@@ -2704,7 +7106,7 @@
               <a:rPr lang="en-US" smtClean="0"/>
               <a:t>Fifth level</a:t>
             </a:r>
-            <a:endParaRPr lang="en-US"/>
+            <a:endParaRPr lang="en-US" dirty="0"/>
           </a:p>
         </p:txBody>
       </p:sp>
@@ -2720,8 +7122,8 @@
         </p:nvSpPr>
         <p:spPr>
           <a:xfrm>
-            <a:off x="457200" y="6356350"/>
-            <a:ext cx="2133600" cy="365125"/>
+            <a:off x="7772400" y="6135089"/>
+            <a:ext cx="766380" cy="370171"/>
           </a:xfrm>
           <a:prstGeom prst="rect">
             <a:avLst/>
@@ -2730,8 +7132,8 @@
         <p:txBody>
           <a:bodyPr vert="horz" lIns="91440" tIns="45720" rIns="91440" bIns="45720" rtlCol="0" anchor="ctr"/>
           <a:lstStyle>
-            <a:lvl1pPr algn="l">
-              <a:defRPr sz="1200">
+            <a:lvl1pPr algn="r">
+              <a:defRPr sz="900">
                 <a:solidFill>
                   <a:schemeClr val="tx1">
                     <a:tint val="75000"/>
@@ -2743,7 +7145,7 @@
           <a:p>
             <a:fld id="{60D67E45-172B-9941-AA88-D5D1B7ED3BBB}" type="datetimeFigureOut">
               <a:rPr lang="en-US" smtClean="0"/>
-              <a:t>12/2/14</a:t>
+              <a:t>12/2/2014</a:t>
             </a:fld>
             <a:endParaRPr lang="en-US"/>
           </a:p>
@@ -2761,8 +7163,8 @@
         </p:nvSpPr>
         <p:spPr>
           <a:xfrm>
-            <a:off x="3124200" y="6356350"/>
-            <a:ext cx="2895600" cy="365125"/>
+            <a:off x="1942415" y="6135809"/>
+            <a:ext cx="5716488" cy="365125"/>
           </a:xfrm>
           <a:prstGeom prst="rect">
             <a:avLst/>
@@ -2771,8 +7173,8 @@
         <p:txBody>
           <a:bodyPr vert="horz" lIns="91440" tIns="45720" rIns="91440" bIns="45720" rtlCol="0" anchor="ctr"/>
           <a:lstStyle>
-            <a:lvl1pPr algn="ctr">
-              <a:defRPr sz="1200">
+            <a:lvl1pPr algn="l">
+              <a:defRPr sz="900">
                 <a:solidFill>
                   <a:schemeClr val="tx1">
                     <a:tint val="75000"/>
@@ -2796,10 +7198,10 @@
             <p:ph type="sldNum" sz="quarter" idx="4"/>
           </p:nvPr>
         </p:nvSpPr>
-        <p:spPr>
+        <p:spPr bwMode="gray">
           <a:xfrm>
-            <a:off x="6553200" y="6356350"/>
-            <a:ext cx="2133600" cy="365125"/>
+            <a:off x="511228" y="787783"/>
+            <a:ext cx="584978" cy="365125"/>
           </a:xfrm>
           <a:prstGeom prst="rect">
             <a:avLst/>
@@ -2809,11 +7211,9 @@
           <a:bodyPr vert="horz" lIns="91440" tIns="45720" rIns="91440" bIns="45720" rtlCol="0" anchor="ctr"/>
           <a:lstStyle>
             <a:lvl1pPr algn="r">
-              <a:defRPr sz="1200">
+              <a:defRPr sz="2000">
                 <a:solidFill>
-                  <a:schemeClr val="tx1">
-                    <a:tint val="75000"/>
-                  </a:schemeClr>
+                  <a:srgbClr val="FEFFFF"/>
                 </a:solidFill>
               </a:defRPr>
             </a:lvl1pPr>
@@ -2830,51 +7230,124 @@
     </p:spTree>
     <p:extLst>
       <p:ext uri="{BB962C8B-B14F-4D97-AF65-F5344CB8AC3E}">
-        <p14:creationId xmlns:p14="http://schemas.microsoft.com/office/powerpoint/2010/main" val="2740044088"/>
+        <p14:creationId xmlns:p14="http://schemas.microsoft.com/office/powerpoint/2010/main" val="4263177611"/>
       </p:ext>
     </p:extLst>
   </p:cSld>
   <p:clrMap bg1="lt1" tx1="dk1" bg2="lt2" tx2="dk2" accent1="accent1" accent2="accent2" accent3="accent3" accent4="accent4" accent5="accent5" accent6="accent6" hlink="hlink" folHlink="folHlink"/>
   <p:sldLayoutIdLst>
-    <p:sldLayoutId id="2147483649" r:id="rId1"/>
-    <p:sldLayoutId id="2147483650" r:id="rId2"/>
-    <p:sldLayoutId id="2147483651" r:id="rId3"/>
-    <p:sldLayoutId id="2147483652" r:id="rId4"/>
-    <p:sldLayoutId id="2147483653" r:id="rId5"/>
-    <p:sldLayoutId id="2147483654" r:id="rId6"/>
-    <p:sldLayoutId id="2147483655" r:id="rId7"/>
-    <p:sldLayoutId id="2147483656" r:id="rId8"/>
-    <p:sldLayoutId id="2147483657" r:id="rId9"/>
-    <p:sldLayoutId id="2147483658" r:id="rId10"/>
-    <p:sldLayoutId id="2147483659" r:id="rId11"/>
+    <p:sldLayoutId id="2147483679" r:id="rId1"/>
+    <p:sldLayoutId id="2147483680" r:id="rId2"/>
+    <p:sldLayoutId id="2147483681" r:id="rId3"/>
+    <p:sldLayoutId id="2147483682" r:id="rId4"/>
+    <p:sldLayoutId id="2147483683" r:id="rId5"/>
+    <p:sldLayoutId id="2147483684" r:id="rId6"/>
+    <p:sldLayoutId id="2147483685" r:id="rId7"/>
+    <p:sldLayoutId id="2147483686" r:id="rId8"/>
+    <p:sldLayoutId id="2147483687" r:id="rId9"/>
+    <p:sldLayoutId id="2147483688" r:id="rId10"/>
+    <p:sldLayoutId id="2147483689" r:id="rId11"/>
+    <p:sldLayoutId id="2147483690" r:id="rId12"/>
+    <p:sldLayoutId id="2147483691" r:id="rId13"/>
+    <p:sldLayoutId id="2147483692" r:id="rId14"/>
+    <p:sldLayoutId id="2147483693" r:id="rId15"/>
+    <p:sldLayoutId id="2147483694" r:id="rId16"/>
   </p:sldLayoutIdLst>
   <p:txStyles>
     <p:titleStyle>
-      <a:lvl1pPr algn="ctr" defTabSz="457200" rtl="0" eaLnBrk="1" latinLnBrk="0" hangingPunct="1">
+      <a:lvl1pPr algn="l" defTabSz="457200" rtl="0" eaLnBrk="1" latinLnBrk="0" hangingPunct="1">
         <a:spcBef>
           <a:spcPct val="0"/>
         </a:spcBef>
         <a:buNone/>
-        <a:defRPr sz="4400" kern="1200">
+        <a:defRPr sz="3600" kern="1200">
           <a:solidFill>
-            <a:schemeClr val="tx1"/>
+            <a:schemeClr val="tx1">
+              <a:lumMod val="85000"/>
+              <a:lumOff val="15000"/>
+            </a:schemeClr>
           </a:solidFill>
           <a:latin typeface="+mj-lt"/>
           <a:ea typeface="+mj-ea"/>
           <a:cs typeface="+mj-cs"/>
         </a:defRPr>
       </a:lvl1pPr>
+      <a:lvl2pPr eaLnBrk="1" hangingPunct="1">
+        <a:defRPr>
+          <a:solidFill>
+            <a:schemeClr val="tx2"/>
+          </a:solidFill>
+        </a:defRPr>
+      </a:lvl2pPr>
+      <a:lvl3pPr eaLnBrk="1" hangingPunct="1">
+        <a:defRPr>
+          <a:solidFill>
+            <a:schemeClr val="tx2"/>
+          </a:solidFill>
+        </a:defRPr>
+      </a:lvl3pPr>
+      <a:lvl4pPr eaLnBrk="1" hangingPunct="1">
+        <a:defRPr>
+          <a:solidFill>
+            <a:schemeClr val="tx2"/>
+          </a:solidFill>
+        </a:defRPr>
+      </a:lvl4pPr>
+      <a:lvl5pPr eaLnBrk="1" hangingPunct="1">
+        <a:defRPr>
+          <a:solidFill>
+            <a:schemeClr val="tx2"/>
+          </a:solidFill>
+        </a:defRPr>
+      </a:lvl5pPr>
+      <a:lvl6pPr eaLnBrk="1" hangingPunct="1">
+        <a:defRPr>
+          <a:solidFill>
+            <a:schemeClr val="tx2"/>
+          </a:solidFill>
+        </a:defRPr>
+      </a:lvl6pPr>
+      <a:lvl7pPr eaLnBrk="1" hangingPunct="1">
+        <a:defRPr>
+          <a:solidFill>
+            <a:schemeClr val="tx2"/>
+          </a:solidFill>
+        </a:defRPr>
+      </a:lvl7pPr>
+      <a:lvl8pPr eaLnBrk="1" hangingPunct="1">
+        <a:defRPr>
+          <a:solidFill>
+            <a:schemeClr val="tx2"/>
+          </a:solidFill>
+        </a:defRPr>
+      </a:lvl8pPr>
+      <a:lvl9pPr eaLnBrk="1" hangingPunct="1">
+        <a:defRPr>
+          <a:solidFill>
+            <a:schemeClr val="tx2"/>
+          </a:solidFill>
+        </a:defRPr>
+      </a:lvl9pPr>
     </p:titleStyle>
     <p:bodyStyle>
       <a:lvl1pPr marL="342900" indent="-342900" algn="l" defTabSz="457200" rtl="0" eaLnBrk="1" latinLnBrk="0" hangingPunct="1">
         <a:spcBef>
-          <a:spcPct val="20000"/>
+          <a:spcPts val="1000"/>
         </a:spcBef>
-        <a:buFont typeface="Arial"/>
-        <a:buChar char="•"/>
-        <a:defRPr sz="3200" kern="1200">
+        <a:spcAft>
+          <a:spcPts val="0"/>
+        </a:spcAft>
+        <a:buClr>
+          <a:schemeClr val="accent1"/>
+        </a:buClr>
+        <a:buFont typeface="Wingdings 3" charset="2"/>
+        <a:buChar char=""/>
+        <a:defRPr sz="1800" kern="1200">
           <a:solidFill>
-            <a:schemeClr val="tx1"/>
+            <a:schemeClr val="tx1">
+              <a:lumMod val="75000"/>
+              <a:lumOff val="25000"/>
+            </a:schemeClr>
           </a:solidFill>
           <a:latin typeface="+mn-lt"/>
           <a:ea typeface="+mn-ea"/>
@@ -2883,13 +7356,22 @@
       </a:lvl1pPr>
       <a:lvl2pPr marL="742950" indent="-285750" algn="l" defTabSz="457200" rtl="0" eaLnBrk="1" latinLnBrk="0" hangingPunct="1">
         <a:spcBef>
-          <a:spcPct val="20000"/>
+          <a:spcPts val="1000"/>
         </a:spcBef>
-        <a:buFont typeface="Arial"/>
-        <a:buChar char="–"/>
-        <a:defRPr sz="2800" kern="1200">
+        <a:spcAft>
+          <a:spcPts val="0"/>
+        </a:spcAft>
+        <a:buClr>
+          <a:schemeClr val="accent1"/>
+        </a:buClr>
+        <a:buFont typeface="Wingdings 3" charset="2"/>
+        <a:buChar char=""/>
+        <a:defRPr sz="1600" kern="1200">
           <a:solidFill>
-            <a:schemeClr val="tx1"/>
+            <a:schemeClr val="tx1">
+              <a:lumMod val="75000"/>
+              <a:lumOff val="25000"/>
+            </a:schemeClr>
           </a:solidFill>
           <a:latin typeface="+mn-lt"/>
           <a:ea typeface="+mn-ea"/>
@@ -2898,13 +7380,22 @@
       </a:lvl2pPr>
       <a:lvl3pPr marL="1143000" indent="-228600" algn="l" defTabSz="457200" rtl="0" eaLnBrk="1" latinLnBrk="0" hangingPunct="1">
         <a:spcBef>
-          <a:spcPct val="20000"/>
+          <a:spcPts val="1000"/>
         </a:spcBef>
-        <a:buFont typeface="Arial"/>
-        <a:buChar char="•"/>
-        <a:defRPr sz="2400" kern="1200">
+        <a:spcAft>
+          <a:spcPts val="0"/>
+        </a:spcAft>
+        <a:buClr>
+          <a:schemeClr val="accent1"/>
+        </a:buClr>
+        <a:buFont typeface="Wingdings 3" charset="2"/>
+        <a:buChar char=""/>
+        <a:defRPr sz="1400" kern="1200">
           <a:solidFill>
-            <a:schemeClr val="tx1"/>
+            <a:schemeClr val="tx1">
+              <a:lumMod val="75000"/>
+              <a:lumOff val="25000"/>
+            </a:schemeClr>
           </a:solidFill>
           <a:latin typeface="+mn-lt"/>
           <a:ea typeface="+mn-ea"/>
@@ -2913,13 +7404,22 @@
       </a:lvl3pPr>
       <a:lvl4pPr marL="1600200" indent="-228600" algn="l" defTabSz="457200" rtl="0" eaLnBrk="1" latinLnBrk="0" hangingPunct="1">
         <a:spcBef>
-          <a:spcPct val="20000"/>
+          <a:spcPts val="1000"/>
         </a:spcBef>
-        <a:buFont typeface="Arial"/>
-        <a:buChar char="–"/>
-        <a:defRPr sz="2000" kern="1200">
+        <a:spcAft>
+          <a:spcPts val="0"/>
+        </a:spcAft>
+        <a:buClr>
+          <a:schemeClr val="accent1"/>
+        </a:buClr>
+        <a:buFont typeface="Wingdings 3" charset="2"/>
+        <a:buChar char=""/>
+        <a:defRPr sz="1200" kern="1200">
           <a:solidFill>
-            <a:schemeClr val="tx1"/>
+            <a:schemeClr val="tx1">
+              <a:lumMod val="75000"/>
+              <a:lumOff val="25000"/>
+            </a:schemeClr>
           </a:solidFill>
           <a:latin typeface="+mn-lt"/>
           <a:ea typeface="+mn-ea"/>
@@ -2928,13 +7428,22 @@
       </a:lvl4pPr>
       <a:lvl5pPr marL="2057400" indent="-228600" algn="l" defTabSz="457200" rtl="0" eaLnBrk="1" latinLnBrk="0" hangingPunct="1">
         <a:spcBef>
-          <a:spcPct val="20000"/>
+          <a:spcPts val="1000"/>
         </a:spcBef>
-        <a:buFont typeface="Arial"/>
-        <a:buChar char="»"/>
-        <a:defRPr sz="2000" kern="1200">
+        <a:spcAft>
+          <a:spcPts val="0"/>
+        </a:spcAft>
+        <a:buClr>
+          <a:schemeClr val="accent1"/>
+        </a:buClr>
+        <a:buFont typeface="Wingdings 3" charset="2"/>
+        <a:buChar char=""/>
+        <a:defRPr sz="1200" kern="1200">
           <a:solidFill>
-            <a:schemeClr val="tx1"/>
+            <a:schemeClr val="tx1">
+              <a:lumMod val="75000"/>
+              <a:lumOff val="25000"/>
+            </a:schemeClr>
           </a:solidFill>
           <a:latin typeface="+mn-lt"/>
           <a:ea typeface="+mn-ea"/>
@@ -2943,13 +7452,22 @@
       </a:lvl5pPr>
       <a:lvl6pPr marL="2514600" indent="-228600" algn="l" defTabSz="457200" rtl="0" eaLnBrk="1" latinLnBrk="0" hangingPunct="1">
         <a:spcBef>
-          <a:spcPct val="20000"/>
+          <a:spcPts val="1000"/>
         </a:spcBef>
-        <a:buFont typeface="Arial"/>
-        <a:buChar char="•"/>
-        <a:defRPr sz="2000" kern="1200">
+        <a:spcAft>
+          <a:spcPts val="0"/>
+        </a:spcAft>
+        <a:buClr>
+          <a:schemeClr val="accent1"/>
+        </a:buClr>
+        <a:buFont typeface="Wingdings 3" charset="2"/>
+        <a:buChar char=""/>
+        <a:defRPr sz="1200" kern="1200">
           <a:solidFill>
-            <a:schemeClr val="tx1"/>
+            <a:schemeClr val="tx1">
+              <a:lumMod val="75000"/>
+              <a:lumOff val="25000"/>
+            </a:schemeClr>
           </a:solidFill>
           <a:latin typeface="+mn-lt"/>
           <a:ea typeface="+mn-ea"/>
@@ -2958,13 +7476,22 @@
       </a:lvl6pPr>
       <a:lvl7pPr marL="2971800" indent="-228600" algn="l" defTabSz="457200" rtl="0" eaLnBrk="1" latinLnBrk="0" hangingPunct="1">
         <a:spcBef>
-          <a:spcPct val="20000"/>
+          <a:spcPts val="1000"/>
         </a:spcBef>
-        <a:buFont typeface="Arial"/>
-        <a:buChar char="•"/>
-        <a:defRPr sz="2000" kern="1200">
+        <a:spcAft>
+          <a:spcPts val="0"/>
+        </a:spcAft>
+        <a:buClr>
+          <a:schemeClr val="accent1"/>
+        </a:buClr>
+        <a:buFont typeface="Wingdings 3" charset="2"/>
+        <a:buChar char=""/>
+        <a:defRPr sz="1200" kern="1200">
           <a:solidFill>
-            <a:schemeClr val="tx1"/>
+            <a:schemeClr val="tx1">
+              <a:lumMod val="75000"/>
+              <a:lumOff val="25000"/>
+            </a:schemeClr>
           </a:solidFill>
           <a:latin typeface="+mn-lt"/>
           <a:ea typeface="+mn-ea"/>
@@ -2973,13 +7500,22 @@
       </a:lvl7pPr>
       <a:lvl8pPr marL="3429000" indent="-228600" algn="l" defTabSz="457200" rtl="0" eaLnBrk="1" latinLnBrk="0" hangingPunct="1">
         <a:spcBef>
-          <a:spcPct val="20000"/>
+          <a:spcPts val="1000"/>
         </a:spcBef>
-        <a:buFont typeface="Arial"/>
-        <a:buChar char="•"/>
-        <a:defRPr sz="2000" kern="1200">
+        <a:spcAft>
+          <a:spcPts val="0"/>
+        </a:spcAft>
+        <a:buClr>
+          <a:schemeClr val="accent1"/>
+        </a:buClr>
+        <a:buFont typeface="Wingdings 3" charset="2"/>
+        <a:buChar char=""/>
+        <a:defRPr sz="1200" kern="1200">
           <a:solidFill>
-            <a:schemeClr val="tx1"/>
+            <a:schemeClr val="tx1">
+              <a:lumMod val="75000"/>
+              <a:lumOff val="25000"/>
+            </a:schemeClr>
           </a:solidFill>
           <a:latin typeface="+mn-lt"/>
           <a:ea typeface="+mn-ea"/>
@@ -2988,13 +7524,22 @@
       </a:lvl8pPr>
       <a:lvl9pPr marL="3886200" indent="-228600" algn="l" defTabSz="457200" rtl="0" eaLnBrk="1" latinLnBrk="0" hangingPunct="1">
         <a:spcBef>
-          <a:spcPct val="20000"/>
+          <a:spcPts val="1000"/>
         </a:spcBef>
-        <a:buFont typeface="Arial"/>
-        <a:buChar char="•"/>
-        <a:defRPr sz="2000" kern="1200">
+        <a:spcAft>
+          <a:spcPts val="0"/>
+        </a:spcAft>
+        <a:buClr>
+          <a:schemeClr val="accent1"/>
+        </a:buClr>
+        <a:buFont typeface="Wingdings 3" charset="2"/>
+        <a:buChar char=""/>
+        <a:defRPr sz="1200" kern="1200">
           <a:solidFill>
-            <a:schemeClr val="tx1"/>
+            <a:schemeClr val="tx1">
+              <a:lumMod val="75000"/>
+              <a:lumOff val="25000"/>
+            </a:schemeClr>
           </a:solidFill>
           <a:latin typeface="+mn-lt"/>
           <a:ea typeface="+mn-ea"/>
@@ -3130,7 +7675,9 @@
         </p:nvSpPr>
         <p:spPr/>
         <p:txBody>
-          <a:bodyPr/>
+          <a:bodyPr>
+            <a:normAutofit fontScale="90000"/>
+          </a:bodyPr>
           <a:lstStyle/>
           <a:p>
             <a:r>
@@ -3631,10 +8178,6 @@
           </p:nvPr>
         </p:nvSpPr>
         <p:spPr>
-          <a:xfrm>
-            <a:off x="457200" y="274638"/>
-            <a:ext cx="8229600" cy="1143001"/>
-          </a:xfrm>
           <a:prstGeom prst="rect">
             <a:avLst/>
           </a:prstGeom>
@@ -3660,27 +8203,25 @@
             <a:spLocks noGrp="1"/>
           </p:cNvSpPr>
           <p:nvPr>
-            <p:ph type="body" idx="1"/>
+            <p:ph idx="1"/>
           </p:nvPr>
         </p:nvSpPr>
         <p:spPr>
-          <a:xfrm>
-            <a:off x="457200" y="1600200"/>
-            <a:ext cx="8229600" cy="4525963"/>
-          </a:xfrm>
           <a:prstGeom prst="rect">
             <a:avLst/>
           </a:prstGeom>
         </p:spPr>
         <p:txBody>
-          <a:bodyPr/>
+          <a:bodyPr>
+            <a:normAutofit fontScale="92500" lnSpcReduction="10000"/>
+          </a:bodyPr>
           <a:lstStyle/>
           <a:p>
             <a:pPr marL="342899" lvl="0" indent="-342899">
               <a:defRPr sz="1800"/>
             </a:pPr>
             <a:r>
-              <a:rPr sz="2800"/>
+              <a:rPr sz="2800" dirty="0"/>
               <a:t>Based on Shortest Remaining Processing Time for Processor Scheduling.</a:t>
             </a:r>
           </a:p>
@@ -3689,9 +8230,28 @@
               <a:defRPr sz="1800"/>
             </a:pPr>
             <a:r>
-              <a:rPr sz="2800"/>
-              <a:t>The maximum for the Random Back off is based on the number of Remaining Frames</a:t>
-            </a:r>
+              <a:rPr sz="2800" dirty="0"/>
+              <a:t>The maximum for the Random Back off is based on the number of Remaining </a:t>
+            </a:r>
+            <a:r>
+              <a:rPr sz="2800" dirty="0" smtClean="0"/>
+              <a:t>Frames</a:t>
+            </a:r>
+            <a:endParaRPr lang="en-US" sz="2800" dirty="0" smtClean="0"/>
+          </a:p>
+          <a:p>
+            <a:pPr marL="342899" lvl="0" indent="-342899">
+              <a:defRPr sz="1800"/>
+            </a:pPr>
+            <a:r>
+              <a:rPr lang="en-US" sz="2800" dirty="0" smtClean="0"/>
+              <a:t>Under 0.8 load, 80% of node traffic improves by factor of 10 (based on </a:t>
+            </a:r>
+            <a:r>
+              <a:rPr lang="en-US" sz="2800" smtClean="0"/>
+              <a:t>previous work done)</a:t>
+            </a:r>
+            <a:endParaRPr lang="en-US" sz="2800" dirty="0" smtClean="0"/>
           </a:p>
         </p:txBody>
       </p:sp>
@@ -3705,11 +8265,11 @@
   <p:clrMapOvr>
     <a:masterClrMapping/>
   </p:clrMapOvr>
-  <mc:AlternateContent xmlns:mc="http://schemas.openxmlformats.org/markup-compatibility/2006">
-    <mc:Choice xmlns:p14="http://schemas.microsoft.com/office/powerpoint/2010/main" Requires="p14">
+  <mc:AlternateContent xmlns:mc="http://schemas.openxmlformats.org/markup-compatibility/2006" xmlns:p14="http://schemas.microsoft.com/office/powerpoint/2010/main">
+    <mc:Choice Requires="p14">
       <p:transition spd="slow" p14:dur="2000"/>
     </mc:Choice>
-    <mc:Fallback>
+    <mc:Fallback xmlns="">
       <p:transition xmlns:p14="http://schemas.microsoft.com/office/powerpoint/2010/main" spd="slow"/>
     </mc:Fallback>
   </mc:AlternateContent>
@@ -3744,10 +8304,6 @@
           </p:nvPr>
         </p:nvSpPr>
         <p:spPr>
-          <a:xfrm>
-            <a:off x="457200" y="274638"/>
-            <a:ext cx="8229600" cy="1143001"/>
-          </a:xfrm>
           <a:prstGeom prst="rect">
             <a:avLst/>
           </a:prstGeom>
@@ -3773,14 +8329,10 @@
             <a:spLocks noGrp="1"/>
           </p:cNvSpPr>
           <p:nvPr>
-            <p:ph type="body" idx="1"/>
+            <p:ph idx="1"/>
           </p:nvPr>
         </p:nvSpPr>
         <p:spPr>
-          <a:xfrm>
-            <a:off x="457200" y="1600200"/>
-            <a:ext cx="8229600" cy="4525963"/>
-          </a:xfrm>
           <a:prstGeom prst="rect">
             <a:avLst/>
           </a:prstGeom>
@@ -3813,11 +8365,11 @@
   <p:clrMapOvr>
     <a:masterClrMapping/>
   </p:clrMapOvr>
-  <mc:AlternateContent xmlns:mc="http://schemas.openxmlformats.org/markup-compatibility/2006">
-    <mc:Choice xmlns:p14="http://schemas.microsoft.com/office/powerpoint/2010/main" Requires="p14">
+  <mc:AlternateContent xmlns:mc="http://schemas.openxmlformats.org/markup-compatibility/2006" xmlns:p14="http://schemas.microsoft.com/office/powerpoint/2010/main">
+    <mc:Choice Requires="p14">
       <p:transition spd="slow" p14:dur="2000"/>
     </mc:Choice>
-    <mc:Fallback>
+    <mc:Fallback xmlns="">
       <p:transition xmlns:p14="http://schemas.microsoft.com/office/powerpoint/2010/main" spd="slow"/>
     </mc:Fallback>
   </mc:AlternateContent>
@@ -3852,10 +8404,6 @@
           </p:nvPr>
         </p:nvSpPr>
         <p:spPr>
-          <a:xfrm>
-            <a:off x="457200" y="274638"/>
-            <a:ext cx="8229600" cy="1143001"/>
-          </a:xfrm>
           <a:prstGeom prst="rect">
             <a:avLst/>
           </a:prstGeom>
@@ -3881,14 +8429,10 @@
             <a:spLocks noGrp="1"/>
           </p:cNvSpPr>
           <p:nvPr>
-            <p:ph type="body" idx="1"/>
+            <p:ph idx="1"/>
           </p:nvPr>
         </p:nvSpPr>
         <p:spPr>
-          <a:xfrm>
-            <a:off x="457200" y="1600200"/>
-            <a:ext cx="8229600" cy="4525963"/>
-          </a:xfrm>
           <a:prstGeom prst="rect">
             <a:avLst/>
           </a:prstGeom>
@@ -3921,11 +8465,11 @@
   <p:clrMapOvr>
     <a:masterClrMapping/>
   </p:clrMapOvr>
-  <mc:AlternateContent xmlns:mc="http://schemas.openxmlformats.org/markup-compatibility/2006">
-    <mc:Choice xmlns:p14="http://schemas.microsoft.com/office/powerpoint/2010/main" Requires="p14">
+  <mc:AlternateContent xmlns:mc="http://schemas.openxmlformats.org/markup-compatibility/2006" xmlns:p14="http://schemas.microsoft.com/office/powerpoint/2010/main">
+    <mc:Choice Requires="p14">
       <p:transition spd="slow" p14:dur="2000"/>
     </mc:Choice>
-    <mc:Fallback>
+    <mc:Fallback xmlns="">
       <p:transition xmlns:p14="http://schemas.microsoft.com/office/powerpoint/2010/main" spd="slow"/>
     </mc:Fallback>
   </mc:AlternateContent>
@@ -4117,9 +8661,9 @@
 </file>
 
 <file path=ppt/theme/theme1.xml><?xml version="1.0" encoding="utf-8"?>
-<a:theme xmlns:a="http://schemas.openxmlformats.org/drawingml/2006/main" name="Office Theme">
+<a:theme xmlns:a="http://schemas.openxmlformats.org/drawingml/2006/main" name="Wisp">
   <a:themeElements>
-    <a:clrScheme name="Office">
+    <a:clrScheme name="Wisp">
       <a:dk1>
         <a:sysClr val="windowText" lastClr="000000"/>
       </a:dk1>
@@ -4127,83 +8671,48 @@
         <a:sysClr val="window" lastClr="FFFFFF"/>
       </a:lt1>
       <a:dk2>
-        <a:srgbClr val="1F497D"/>
+        <a:srgbClr val="766F54"/>
       </a:dk2>
       <a:lt2>
-        <a:srgbClr val="EEECE1"/>
+        <a:srgbClr val="E3EACF"/>
       </a:lt2>
       <a:accent1>
-        <a:srgbClr val="4F81BD"/>
+        <a:srgbClr val="A53010"/>
       </a:accent1>
       <a:accent2>
-        <a:srgbClr val="C0504D"/>
+        <a:srgbClr val="DE7E18"/>
       </a:accent2>
       <a:accent3>
-        <a:srgbClr val="9BBB59"/>
+        <a:srgbClr val="9F8351"/>
       </a:accent3>
       <a:accent4>
-        <a:srgbClr val="8064A2"/>
+        <a:srgbClr val="728653"/>
       </a:accent4>
       <a:accent5>
-        <a:srgbClr val="4BACC6"/>
+        <a:srgbClr val="92AA4C"/>
       </a:accent5>
       <a:accent6>
-        <a:srgbClr val="F79646"/>
+        <a:srgbClr val="6AAC91"/>
       </a:accent6>
       <a:hlink>
-        <a:srgbClr val="0000FF"/>
+        <a:srgbClr val="FB4A18"/>
       </a:hlink>
       <a:folHlink>
-        <a:srgbClr val="800080"/>
+        <a:srgbClr val="FB9318"/>
       </a:folHlink>
     </a:clrScheme>
-    <a:fontScheme name="Office">
+    <a:fontScheme name="Wisp">
       <a:majorFont>
-        <a:latin typeface="Calibri"/>
+        <a:latin typeface="Century Gothic" panose="020B0502020202020204"/>
         <a:ea typeface=""/>
         <a:cs typeface=""/>
-        <a:font script="Jpan" typeface="ＭＳ Ｐゴシック"/>
-        <a:font script="Hang" typeface="맑은 고딕"/>
-        <a:font script="Hans" typeface="宋体"/>
-        <a:font script="Hant" typeface="新細明體"/>
-        <a:font script="Arab" typeface="Times New Roman"/>
-        <a:font script="Hebr" typeface="Times New Roman"/>
-        <a:font script="Thai" typeface="Angsana New"/>
-        <a:font script="Ethi" typeface="Nyala"/>
-        <a:font script="Beng" typeface="Vrinda"/>
-        <a:font script="Gujr" typeface="Shruti"/>
-        <a:font script="Khmr" typeface="MoolBoran"/>
-        <a:font script="Knda" typeface="Tunga"/>
-        <a:font script="Guru" typeface="Raavi"/>
-        <a:font script="Cans" typeface="Euphemia"/>
-        <a:font script="Cher" typeface="Plantagenet Cherokee"/>
-        <a:font script="Yiii" typeface="Microsoft Yi Baiti"/>
-        <a:font script="Tibt" typeface="Microsoft Himalaya"/>
-        <a:font script="Thaa" typeface="MV Boli"/>
-        <a:font script="Deva" typeface="Mangal"/>
-        <a:font script="Telu" typeface="Gautami"/>
-        <a:font script="Taml" typeface="Latha"/>
-        <a:font script="Syrc" typeface="Estrangelo Edessa"/>
-        <a:font script="Orya" typeface="Kalinga"/>
-        <a:font script="Mlym" typeface="Kartika"/>
-        <a:font script="Laoo" typeface="DokChampa"/>
-        <a:font script="Sinh" typeface="Iskoola Pota"/>
-        <a:font script="Mong" typeface="Mongolian Baiti"/>
-        <a:font script="Viet" typeface="Times New Roman"/>
-        <a:font script="Uigh" typeface="Microsoft Uighur"/>
-        <a:font script="Geor" typeface="Sylfaen"/>
-      </a:majorFont>
-      <a:minorFont>
-        <a:latin typeface="Calibri"/>
-        <a:ea typeface=""/>
-        <a:cs typeface=""/>
-        <a:font script="Jpan" typeface="ＭＳ Ｐゴシック"/>
-        <a:font script="Hang" typeface="맑은 고딕"/>
-        <a:font script="Hans" typeface="宋体"/>
-        <a:font script="Hant" typeface="新細明體"/>
-        <a:font script="Arab" typeface="Arial"/>
-        <a:font script="Hebr" typeface="Arial"/>
-        <a:font script="Thai" typeface="Cordia New"/>
+        <a:font script="Jpan" typeface="メイリオ"/>
+        <a:font script="Hang" typeface="HY중고딕"/>
+        <a:font script="Hans" typeface="幼圆"/>
+        <a:font script="Hant" typeface="微軟正黑體"/>
+        <a:font script="Arab" typeface="Tahoma"/>
+        <a:font script="Hebr" typeface="Gisha"/>
+        <a:font script="Thai" typeface="DilleniaUPC"/>
         <a:font script="Ethi" typeface="Nyala"/>
         <a:font script="Beng" typeface="Vrinda"/>
         <a:font script="Gujr" typeface="Shruti"/>
@@ -4224,76 +8733,91 @@
         <a:font script="Laoo" typeface="DokChampa"/>
         <a:font script="Sinh" typeface="Iskoola Pota"/>
         <a:font script="Mong" typeface="Mongolian Baiti"/>
-        <a:font script="Viet" typeface="Arial"/>
+        <a:font script="Viet" typeface="Tahoma"/>
+        <a:font script="Uigh" typeface="Microsoft Uighur"/>
+        <a:font script="Geor" typeface="Sylfaen"/>
+      </a:majorFont>
+      <a:minorFont>
+        <a:latin typeface="Century Gothic" panose="020B0502020202020204"/>
+        <a:ea typeface=""/>
+        <a:cs typeface=""/>
+        <a:font script="Jpan" typeface="メイリオ"/>
+        <a:font script="Hang" typeface="HY중고딕"/>
+        <a:font script="Hans" typeface="幼圆"/>
+        <a:font script="Hant" typeface="微軟正黑體"/>
+        <a:font script="Arab" typeface="Tahoma"/>
+        <a:font script="Hebr" typeface="Gisha"/>
+        <a:font script="Thai" typeface="DilleniaUPC"/>
+        <a:font script="Ethi" typeface="Nyala"/>
+        <a:font script="Beng" typeface="Vrinda"/>
+        <a:font script="Gujr" typeface="Shruti"/>
+        <a:font script="Khmr" typeface="DaunPenh"/>
+        <a:font script="Knda" typeface="Tunga"/>
+        <a:font script="Guru" typeface="Raavi"/>
+        <a:font script="Cans" typeface="Euphemia"/>
+        <a:font script="Cher" typeface="Plantagenet Cherokee"/>
+        <a:font script="Yiii" typeface="Microsoft Yi Baiti"/>
+        <a:font script="Tibt" typeface="Microsoft Himalaya"/>
+        <a:font script="Thaa" typeface="MV Boli"/>
+        <a:font script="Deva" typeface="Mangal"/>
+        <a:font script="Telu" typeface="Gautami"/>
+        <a:font script="Taml" typeface="Latha"/>
+        <a:font script="Syrc" typeface="Estrangelo Edessa"/>
+        <a:font script="Orya" typeface="Kalinga"/>
+        <a:font script="Mlym" typeface="Kartika"/>
+        <a:font script="Laoo" typeface="DokChampa"/>
+        <a:font script="Sinh" typeface="Iskoola Pota"/>
+        <a:font script="Mong" typeface="Mongolian Baiti"/>
+        <a:font script="Viet" typeface="Tahoma"/>
         <a:font script="Uigh" typeface="Microsoft Uighur"/>
         <a:font script="Geor" typeface="Sylfaen"/>
       </a:minorFont>
     </a:fontScheme>
-    <a:fmtScheme name="Office">
+    <a:fmtScheme name="Wisp">
       <a:fillStyleLst>
         <a:solidFill>
           <a:schemeClr val="phClr"/>
+        </a:solidFill>
+        <a:solidFill>
+          <a:schemeClr val="phClr">
+            <a:tint val="70000"/>
+            <a:lumMod val="104000"/>
+          </a:schemeClr>
         </a:solidFill>
         <a:gradFill rotWithShape="1">
           <a:gsLst>
             <a:gs pos="0">
               <a:schemeClr val="phClr">
-                <a:tint val="50000"/>
-                <a:satMod val="300000"/>
-              </a:schemeClr>
-            </a:gs>
-            <a:gs pos="35000">
-              <a:schemeClr val="phClr">
-                <a:tint val="37000"/>
-                <a:satMod val="300000"/>
+                <a:tint val="96000"/>
+                <a:lumMod val="104000"/>
               </a:schemeClr>
             </a:gs>
             <a:gs pos="100000">
               <a:schemeClr val="phClr">
-                <a:tint val="15000"/>
-                <a:satMod val="350000"/>
+                <a:shade val="98000"/>
+                <a:lumMod val="94000"/>
               </a:schemeClr>
             </a:gs>
           </a:gsLst>
-          <a:lin ang="16200000" scaled="1"/>
-        </a:gradFill>
-        <a:gradFill rotWithShape="1">
-          <a:gsLst>
-            <a:gs pos="0">
-              <a:schemeClr val="phClr">
-                <a:tint val="100000"/>
-                <a:shade val="100000"/>
-                <a:satMod val="130000"/>
-              </a:schemeClr>
-            </a:gs>
-            <a:gs pos="100000">
-              <a:schemeClr val="phClr">
-                <a:tint val="50000"/>
-                <a:shade val="100000"/>
-                <a:satMod val="350000"/>
-              </a:schemeClr>
-            </a:gs>
-          </a:gsLst>
-          <a:lin ang="16200000" scaled="0"/>
+          <a:lin ang="5400000" scaled="0"/>
         </a:gradFill>
       </a:fillStyleLst>
       <a:lnStyleLst>
-        <a:ln w="9525" cap="flat" cmpd="sng" algn="ctr">
+        <a:ln w="9525" cap="rnd" cmpd="sng" algn="ctr">
           <a:solidFill>
             <a:schemeClr val="phClr">
-              <a:shade val="95000"/>
-              <a:satMod val="105000"/>
+              <a:shade val="90000"/>
             </a:schemeClr>
           </a:solidFill>
           <a:prstDash val="solid"/>
         </a:ln>
-        <a:ln w="25400" cap="flat" cmpd="sng" algn="ctr">
+        <a:ln w="15875" cap="rnd" cmpd="sng" algn="ctr">
           <a:solidFill>
             <a:schemeClr val="phClr"/>
           </a:solidFill>
           <a:prstDash val="solid"/>
         </a:ln>
-        <a:ln w="38100" cap="flat" cmpd="sng" algn="ctr">
+        <a:ln w="22225" cap="rnd" cmpd="sng" algn="ctr">
           <a:solidFill>
             <a:schemeClr val="phClr"/>
           </a:solidFill>
@@ -4302,42 +8826,25 @@
       </a:lnStyleLst>
       <a:effectStyleLst>
         <a:effectStyle>
+          <a:effectLst/>
+        </a:effectStyle>
+        <a:effectStyle>
           <a:effectLst>
-            <a:outerShdw blurRad="40000" dist="20000" dir="5400000" rotWithShape="0">
+            <a:outerShdw blurRad="38100" dist="25400" dir="5400000" rotWithShape="0">
               <a:srgbClr val="000000">
-                <a:alpha val="38000"/>
+                <a:alpha val="25000"/>
               </a:srgbClr>
             </a:outerShdw>
           </a:effectLst>
         </a:effectStyle>
         <a:effectStyle>
           <a:effectLst>
-            <a:outerShdw blurRad="40000" dist="23000" dir="5400000" rotWithShape="0">
+            <a:outerShdw blurRad="50800" dist="38100" dir="5400000" rotWithShape="0">
               <a:srgbClr val="000000">
-                <a:alpha val="35000"/>
+                <a:alpha val="60000"/>
               </a:srgbClr>
             </a:outerShdw>
           </a:effectLst>
-        </a:effectStyle>
-        <a:effectStyle>
-          <a:effectLst>
-            <a:outerShdw blurRad="40000" dist="23000" dir="5400000" rotWithShape="0">
-              <a:srgbClr val="000000">
-                <a:alpha val="35000"/>
-              </a:srgbClr>
-            </a:outerShdw>
-          </a:effectLst>
-          <a:scene3d>
-            <a:camera prst="orthographicFront">
-              <a:rot lat="0" lon="0" rev="0"/>
-            </a:camera>
-            <a:lightRig rig="threePt" dir="t">
-              <a:rot lat="0" lon="0" rev="1200000"/>
-            </a:lightRig>
-          </a:scene3d>
-          <a:sp3d>
-            <a:bevelT w="63500" h="25400"/>
-          </a:sp3d>
         </a:effectStyle>
       </a:effectStyleLst>
       <a:bgFillStyleLst>
@@ -4348,90 +8855,50 @@
           <a:gsLst>
             <a:gs pos="0">
               <a:schemeClr val="phClr">
-                <a:tint val="40000"/>
-                <a:satMod val="350000"/>
-              </a:schemeClr>
-            </a:gs>
-            <a:gs pos="40000">
-              <a:schemeClr val="phClr">
-                <a:tint val="45000"/>
-                <a:shade val="99000"/>
-                <a:satMod val="350000"/>
+                <a:tint val="90000"/>
+                <a:lumMod val="120000"/>
               </a:schemeClr>
             </a:gs>
             <a:gs pos="100000">
               <a:schemeClr val="phClr">
-                <a:shade val="20000"/>
-                <a:satMod val="255000"/>
+                <a:shade val="98000"/>
+                <a:satMod val="120000"/>
+                <a:lumMod val="98000"/>
               </a:schemeClr>
             </a:gs>
           </a:gsLst>
-          <a:path path="circle">
-            <a:fillToRect l="50000" t="-80000" r="50000" b="180000"/>
-          </a:path>
+          <a:lin ang="5400000" scaled="0"/>
         </a:gradFill>
         <a:gradFill rotWithShape="1">
           <a:gsLst>
             <a:gs pos="0">
               <a:schemeClr val="phClr">
-                <a:tint val="80000"/>
-                <a:satMod val="300000"/>
+                <a:tint val="90000"/>
+                <a:satMod val="92000"/>
+                <a:lumMod val="120000"/>
               </a:schemeClr>
             </a:gs>
             <a:gs pos="100000">
               <a:schemeClr val="phClr">
-                <a:shade val="30000"/>
-                <a:satMod val="200000"/>
+                <a:shade val="98000"/>
+                <a:satMod val="120000"/>
+                <a:lumMod val="98000"/>
               </a:schemeClr>
             </a:gs>
           </a:gsLst>
           <a:path path="circle">
-            <a:fillToRect l="50000" t="50000" r="50000" b="50000"/>
+            <a:fillToRect l="50000" t="50000" r="100000" b="100000"/>
           </a:path>
         </a:gradFill>
       </a:bgFillStyleLst>
     </a:fmtScheme>
   </a:themeElements>
-  <a:objectDefaults>
-    <a:spDef>
-      <a:spPr/>
-      <a:bodyPr/>
-      <a:lstStyle/>
-      <a:style>
-        <a:lnRef idx="1">
-          <a:schemeClr val="accent1"/>
-        </a:lnRef>
-        <a:fillRef idx="3">
-          <a:schemeClr val="accent1"/>
-        </a:fillRef>
-        <a:effectRef idx="2">
-          <a:schemeClr val="accent1"/>
-        </a:effectRef>
-        <a:fontRef idx="minor">
-          <a:schemeClr val="lt1"/>
-        </a:fontRef>
-      </a:style>
-    </a:spDef>
-    <a:lnDef>
-      <a:spPr/>
-      <a:bodyPr/>
-      <a:lstStyle/>
-      <a:style>
-        <a:lnRef idx="2">
-          <a:schemeClr val="accent1"/>
-        </a:lnRef>
-        <a:fillRef idx="0">
-          <a:schemeClr val="accent1"/>
-        </a:fillRef>
-        <a:effectRef idx="1">
-          <a:schemeClr val="accent1"/>
-        </a:effectRef>
-        <a:fontRef idx="minor">
-          <a:schemeClr val="tx1"/>
-        </a:fontRef>
-      </a:style>
-    </a:lnDef>
-  </a:objectDefaults>
+  <a:objectDefaults/>
   <a:extraClrSchemeLst/>
+  <a:extLst>
+    <a:ext uri="{05A4C25C-085E-4340-85A3-A5531E510DB2}">
+      <thm15:themeFamily xmlns:thm15="http://schemas.microsoft.com/office/thememl/2012/main" name="Wisp" id="{7CB32D59-10C0-40DD-B7BD-2E94284A981C}" vid="{24B1A44C-C006-48B2-A4D7-E5549B3D8CD4}"/>
+    </a:ext>
+  </a:extLst>
 </a:theme>
 </file>
--- a/Presentation.pptx
+++ b/Presentation.pptx
@@ -8213,7 +8213,7 @@
         </p:spPr>
         <p:txBody>
           <a:bodyPr>
-            <a:normAutofit fontScale="92500" lnSpcReduction="10000"/>
+            <a:normAutofit/>
           </a:bodyPr>
           <a:lstStyle/>
           <a:p>
@@ -8221,7 +8221,7 @@
               <a:defRPr sz="1800"/>
             </a:pPr>
             <a:r>
-              <a:rPr sz="2800" dirty="0"/>
+              <a:rPr dirty="0"/>
               <a:t>Based on Shortest Remaining Processing Time for Processor Scheduling.</a:t>
             </a:r>
           </a:p>
@@ -8230,28 +8230,32 @@
               <a:defRPr sz="1800"/>
             </a:pPr>
             <a:r>
-              <a:rPr sz="2800" dirty="0"/>
+              <a:rPr dirty="0"/>
               <a:t>The maximum for the Random Back off is based on the number of Remaining </a:t>
             </a:r>
             <a:r>
-              <a:rPr sz="2800" dirty="0" smtClean="0"/>
+              <a:rPr dirty="0" smtClean="0"/>
               <a:t>Frames</a:t>
             </a:r>
-            <a:endParaRPr lang="en-US" sz="2800" dirty="0" smtClean="0"/>
+            <a:endParaRPr lang="en-US" dirty="0" smtClean="0"/>
           </a:p>
           <a:p>
             <a:pPr marL="342899" lvl="0" indent="-342899">
               <a:defRPr sz="1800"/>
             </a:pPr>
             <a:r>
-              <a:rPr lang="en-US" sz="2800" dirty="0" smtClean="0"/>
-              <a:t>Under 0.8 load, 80% of node traffic improves by factor of 10 (based on </a:t>
-            </a:r>
-            <a:r>
-              <a:rPr lang="en-US" sz="2800" smtClean="0"/>
-              <a:t>previous work done)</a:t>
-            </a:r>
-            <a:endParaRPr lang="en-US" sz="2800" dirty="0" smtClean="0"/>
+              <a:rPr lang="en-US" dirty="0" smtClean="0"/>
+              <a:t>Under 0.8 load, 80% of node traffic improves by factor of 10 (based on previous work done)</a:t>
+            </a:r>
+          </a:p>
+          <a:p>
+            <a:pPr marL="342899" lvl="0" indent="-342899">
+              <a:defRPr sz="1800"/>
+            </a:pPr>
+            <a:r>
+              <a:rPr lang="en-US" dirty="0" smtClean="0"/>
+              <a:t>Helps small frame sizes substantially, only slightly penalizes large frame sizes. </a:t>
+            </a:r>
           </a:p>
         </p:txBody>
       </p:sp>
@@ -8349,8 +8353,20 @@
               <a:defRPr sz="1800"/>
             </a:pPr>
             <a:r>
-              <a:rPr sz="2800"/>
-              <a:t>The Maximum random Back off is based on the current Frame number being sent</a:t>
+              <a:rPr sz="2800" dirty="0"/>
+              <a:t>The Maximum random </a:t>
+            </a:r>
+            <a:r>
+              <a:rPr lang="en-US" sz="2800" dirty="0" smtClean="0"/>
+              <a:t>b</a:t>
+            </a:r>
+            <a:r>
+              <a:rPr sz="2800" dirty="0" smtClean="0"/>
+              <a:t>ack </a:t>
+            </a:r>
+            <a:r>
+              <a:rPr sz="2800" dirty="0"/>
+              <a:t>off is based on the current Frame number being sent</a:t>
             </a:r>
           </a:p>
         </p:txBody>
@@ -8449,8 +8465,64 @@
               <a:defRPr sz="1800"/>
             </a:pPr>
             <a:r>
-              <a:rPr sz="2800"/>
-              <a:t>A node sends at a standard rate periodically checking the network traffic level, if the traffic level appears to hit a certain level, the node checks its own rate and will slow down its transmutation rate based on traffic levels.</a:t>
+              <a:rPr sz="2800" dirty="0"/>
+              <a:t>A node sends at a standard </a:t>
+            </a:r>
+            <a:r>
+              <a:rPr sz="2800" dirty="0" smtClean="0"/>
+              <a:t>rate</a:t>
+            </a:r>
+            <a:r>
+              <a:rPr lang="en-US" sz="2800" dirty="0" smtClean="0"/>
+              <a:t>,</a:t>
+            </a:r>
+            <a:r>
+              <a:rPr sz="2800" dirty="0" smtClean="0"/>
+              <a:t> </a:t>
+            </a:r>
+            <a:r>
+              <a:rPr sz="2800" dirty="0"/>
+              <a:t>periodically checking the network traffic </a:t>
+            </a:r>
+            <a:r>
+              <a:rPr sz="2800" dirty="0" smtClean="0"/>
+              <a:t>level</a:t>
+            </a:r>
+            <a:r>
+              <a:rPr lang="en-US" sz="2800" dirty="0" smtClean="0"/>
+              <a:t>.</a:t>
+            </a:r>
+            <a:r>
+              <a:rPr sz="2800" dirty="0" smtClean="0"/>
+              <a:t> </a:t>
+            </a:r>
+            <a:r>
+              <a:rPr lang="en-US" sz="2800" dirty="0" smtClean="0"/>
+              <a:t>I</a:t>
+            </a:r>
+            <a:r>
+              <a:rPr sz="2800" dirty="0" smtClean="0"/>
+              <a:t>f </a:t>
+            </a:r>
+            <a:r>
+              <a:rPr sz="2800" dirty="0"/>
+              <a:t>the traffic level appears to hit a certain level, the node checks its own rate and will slow down its </a:t>
+            </a:r>
+            <a:r>
+              <a:rPr sz="2800" smtClean="0"/>
+              <a:t>tran</a:t>
+            </a:r>
+            <a:r>
+              <a:rPr lang="en-US" sz="2800" smtClean="0"/>
+              <a:t>smiss</a:t>
+            </a:r>
+            <a:r>
+              <a:rPr sz="2800" smtClean="0"/>
+              <a:t>ion </a:t>
+            </a:r>
+            <a:r>
+              <a:rPr sz="2800" dirty="0"/>
+              <a:t>rate based on traffic levels.</a:t>
             </a:r>
           </a:p>
         </p:txBody>
@@ -8510,15 +8582,7 @@
           <a:p>
             <a:r>
               <a:rPr lang="en-US" dirty="0" smtClean="0"/>
-              <a:t>Things </a:t>
-            </a:r>
-            <a:r>
-              <a:rPr lang="en-US" dirty="0"/>
-              <a:t>W</a:t>
-            </a:r>
-            <a:r>
-              <a:rPr lang="en-US" dirty="0" smtClean="0"/>
-              <a:t>e Learned</a:t>
+              <a:t>Conclusion</a:t>
             </a:r>
             <a:endParaRPr lang="en-US" dirty="0"/>
           </a:p>
@@ -8538,6 +8602,12 @@
         <p:txBody>
           <a:bodyPr/>
           <a:lstStyle/>
+          <a:p>
+            <a:r>
+              <a:rPr lang="en-US" dirty="0" smtClean="0"/>
+              <a:t>It is indeed possible to increase the throughput for 802.11 using a biased MAC protocol. </a:t>
+            </a:r>
+          </a:p>
           <a:p>
             <a:endParaRPr lang="en-US" dirty="0"/>
           </a:p>
@@ -8615,7 +8685,31 @@
           <a:p>
             <a:r>
               <a:rPr lang="en-US" sz="1600" dirty="0" smtClean="0"/>
-              <a:t>SRPT: Our work regarding SRPT was based off of a similar problem regarding scheduling requests to a web server. Since the web server interacts on the application layer, the web server has to worry about things such as collisions and data loss due to the routing of the network protocol. This caused the advantage of SRPT in wireless networks to diminish. However, due to the point-to-point nature of the MAC sub-layer, data loss due to routing is not something we need to worry about. </a:t>
+              <a:t>SRPT: Our work regarding SRPT was based off of a similar problem regarding scheduling requests to a web server. </a:t>
+            </a:r>
+            <a:r>
+              <a:rPr lang="en-US" sz="1600" dirty="0" smtClean="0"/>
+              <a:t>Web server </a:t>
+            </a:r>
+            <a:r>
+              <a:rPr lang="en-US" sz="1600" dirty="0" smtClean="0"/>
+              <a:t>interacts on the application layer, </a:t>
+            </a:r>
+            <a:r>
+              <a:rPr lang="en-US" sz="1600" dirty="0" smtClean="0"/>
+              <a:t>has </a:t>
+            </a:r>
+            <a:r>
+              <a:rPr lang="en-US" sz="1600" dirty="0" smtClean="0"/>
+              <a:t>to worry about things such as collisions and data </a:t>
+            </a:r>
+            <a:r>
+              <a:rPr lang="en-US" sz="1600" dirty="0" smtClean="0"/>
+              <a:t>loss. </a:t>
+            </a:r>
+            <a:r>
+              <a:rPr lang="en-US" sz="1600" dirty="0" smtClean="0"/>
+              <a:t>This caused the advantage of SRPT in wireless networks to diminish. However, due to the point-to-point nature of the MAC sub-layer, data loss due to routing is not something we need to worry about. </a:t>
             </a:r>
           </a:p>
           <a:p>
@@ -8637,11 +8731,15 @@
             </a:r>
             <a:r>
               <a:rPr lang="en-US" sz="1600" dirty="0" smtClean="0"/>
-              <a:t> is utilized whenever a collision </a:t>
-            </a:r>
-            <a:r>
-              <a:rPr lang="en-US" sz="1600" smtClean="0"/>
-              <a:t>occurs.</a:t>
+              <a:t> based on the frames left to send </a:t>
+            </a:r>
+            <a:r>
+              <a:rPr lang="en-US" sz="1600" dirty="0" smtClean="0"/>
+              <a:t>is utilized whenever a collision </a:t>
+            </a:r>
+            <a:r>
+              <a:rPr lang="en-US" sz="1600" dirty="0" smtClean="0"/>
+              <a:t>occurs. </a:t>
             </a:r>
             <a:endParaRPr lang="en-US" sz="1600" dirty="0" smtClean="0"/>
           </a:p>

--- a/Presentation.pptx
+++ b/Presentation.pptx
@@ -8222,30 +8222,25 @@
             </a:pPr>
             <a:r>
               <a:rPr dirty="0"/>
-              <a:t>Based on Shortest Remaining Processing Time for Processor Scheduling.</a:t>
-            </a:r>
+              <a:t>Based on Shortest Remaining Processing Time for Processor </a:t>
+            </a:r>
+            <a:r>
+              <a:rPr/>
+              <a:t>Scheduling</a:t>
+            </a:r>
+            <a:r>
+              <a:rPr smtClean="0"/>
+              <a:t>.</a:t>
+            </a:r>
+            <a:endParaRPr lang="en-US" dirty="0" smtClean="0"/>
           </a:p>
           <a:p>
             <a:pPr marL="342899" lvl="0" indent="-342899">
               <a:defRPr sz="1800"/>
             </a:pPr>
             <a:r>
-              <a:rPr dirty="0"/>
-              <a:t>The maximum for the Random Back off is based on the number of Remaining </a:t>
-            </a:r>
-            <a:r>
-              <a:rPr dirty="0" smtClean="0"/>
-              <a:t>Frames</a:t>
-            </a:r>
-            <a:endParaRPr lang="en-US" dirty="0" smtClean="0"/>
-          </a:p>
-          <a:p>
-            <a:pPr marL="342899" lvl="0" indent="-342899">
-              <a:defRPr sz="1800"/>
-            </a:pPr>
-            <a:r>
               <a:rPr lang="en-US" dirty="0" smtClean="0"/>
-              <a:t>Under 0.8 load, 80% of node traffic improves by factor of 10 (based on previous work done)</a:t>
+              <a:t>Under 0.8 load, 80% of node traffic improves by factor of 10 </a:t>
             </a:r>
           </a:p>
           <a:p>
@@ -8509,15 +8504,15 @@
               <a:t>the traffic level appears to hit a certain level, the node checks its own rate and will slow down its </a:t>
             </a:r>
             <a:r>
-              <a:rPr sz="2800" smtClean="0"/>
+              <a:rPr sz="2800" dirty="0" smtClean="0"/>
               <a:t>tran</a:t>
             </a:r>
             <a:r>
-              <a:rPr lang="en-US" sz="2800" smtClean="0"/>
+              <a:rPr lang="en-US" sz="2800" dirty="0" smtClean="0"/>
               <a:t>smiss</a:t>
             </a:r>
             <a:r>
-              <a:rPr sz="2800" smtClean="0"/>
+              <a:rPr sz="2800" dirty="0" smtClean="0"/>
               <a:t>ion </a:t>
             </a:r>
             <a:r>

--- a/Presentation.pptx
+++ b/Presentation.pptx
@@ -8222,15 +8222,20 @@
             </a:pPr>
             <a:r>
               <a:rPr dirty="0"/>
-              <a:t>Based on Shortest Remaining Processing Time for Processor </a:t>
-            </a:r>
-            <a:r>
-              <a:rPr/>
-              <a:t>Scheduling</a:t>
-            </a:r>
-            <a:r>
-              <a:rPr smtClean="0"/>
+              <a:t>Based on Shortest Remaining Processing Time for Processor Scheduling</a:t>
+            </a:r>
+            <a:r>
+              <a:rPr dirty="0" smtClean="0"/>
               <a:t>.</a:t>
+            </a:r>
+          </a:p>
+          <a:p>
+            <a:pPr marL="342899" lvl="0" indent="-342899">
+              <a:defRPr sz="1800"/>
+            </a:pPr>
+            <a:r>
+              <a:rPr dirty="0" smtClean="0"/>
+              <a:t>The maximum for the Random Back off is based on the number of Remaining Frames</a:t>
             </a:r>
             <a:endParaRPr lang="en-US" dirty="0" smtClean="0"/>
           </a:p>

--- a/Presentation.pptx
+++ b/Presentation.pptx
@@ -8,11 +8,11 @@
     <p:sldId id="256" r:id="rId2"/>
     <p:sldId id="257" r:id="rId3"/>
     <p:sldId id="258" r:id="rId4"/>
-    <p:sldId id="264" r:id="rId5"/>
-    <p:sldId id="265" r:id="rId6"/>
-    <p:sldId id="266" r:id="rId7"/>
-    <p:sldId id="259" r:id="rId8"/>
-    <p:sldId id="260" r:id="rId9"/>
+    <p:sldId id="260" r:id="rId5"/>
+    <p:sldId id="264" r:id="rId6"/>
+    <p:sldId id="265" r:id="rId7"/>
+    <p:sldId id="266" r:id="rId8"/>
+    <p:sldId id="259" r:id="rId9"/>
   </p:sldIdLst>
   <p:sldSz cx="9144000" cy="6858000" type="screen4x3"/>
   <p:notesSz cx="6858000" cy="9144000"/>
@@ -8169,7 +8169,7 @@
       </p:grpSpPr>
       <p:sp>
         <p:nvSpPr>
-          <p:cNvPr id="58" name="Shape 58"/>
+          <p:cNvPr id="2" name="Title 1"/>
           <p:cNvSpPr>
             <a:spLocks noGrp="1"/>
           </p:cNvSpPr>
@@ -8177,28 +8177,22 @@
             <p:ph type="title"/>
           </p:nvPr>
         </p:nvSpPr>
-        <p:spPr>
-          <a:prstGeom prst="rect">
-            <a:avLst/>
-          </a:prstGeom>
-        </p:spPr>
+        <p:spPr/>
         <p:txBody>
           <a:bodyPr/>
           <a:lstStyle/>
           <a:p>
-            <a:pPr lvl="0">
-              <a:defRPr sz="1800"/>
-            </a:pPr>
-            <a:r>
-              <a:rPr sz="4400"/>
-              <a:t>SRPT</a:t>
-            </a:r>
-          </a:p>
-        </p:txBody>
-      </p:sp>
-      <p:sp>
-        <p:nvSpPr>
-          <p:cNvPr id="59" name="Shape 59"/>
+            <a:r>
+              <a:rPr lang="en-US" dirty="0" smtClean="0"/>
+              <a:t>Related Work</a:t>
+            </a:r>
+            <a:endParaRPr lang="en-US" dirty="0"/>
+          </a:p>
+        </p:txBody>
+      </p:sp>
+      <p:sp>
+        <p:nvSpPr>
+          <p:cNvPr id="3" name="Content Placeholder 2"/>
           <p:cNvSpPr>
             <a:spLocks noGrp="1"/>
           </p:cNvSpPr>
@@ -8206,77 +8200,85 @@
             <p:ph idx="1"/>
           </p:nvPr>
         </p:nvSpPr>
-        <p:spPr>
-          <a:prstGeom prst="rect">
-            <a:avLst/>
-          </a:prstGeom>
-        </p:spPr>
+        <p:spPr/>
         <p:txBody>
           <a:bodyPr>
             <a:normAutofit/>
           </a:bodyPr>
           <a:lstStyle/>
           <a:p>
-            <a:pPr marL="342899" lvl="0" indent="-342899">
-              <a:defRPr sz="1800"/>
-            </a:pPr>
-            <a:r>
-              <a:rPr dirty="0"/>
-              <a:t>Based on Shortest Remaining Processing Time for Processor Scheduling</a:t>
-            </a:r>
-            <a:r>
-              <a:rPr dirty="0" smtClean="0"/>
-              <a:t>.</a:t>
-            </a:r>
-          </a:p>
-          <a:p>
-            <a:pPr marL="342899" lvl="0" indent="-342899">
-              <a:defRPr sz="1800"/>
-            </a:pPr>
-            <a:r>
-              <a:rPr dirty="0" smtClean="0"/>
-              <a:t>The maximum for the Random Back off is based on the number of Remaining Frames</a:t>
-            </a:r>
-            <a:endParaRPr lang="en-US" dirty="0" smtClean="0"/>
-          </a:p>
-          <a:p>
-            <a:pPr marL="342899" lvl="0" indent="-342899">
-              <a:defRPr sz="1800"/>
-            </a:pPr>
-            <a:r>
-              <a:rPr lang="en-US" dirty="0" smtClean="0"/>
-              <a:t>Under 0.8 load, 80% of node traffic improves by factor of 10 </a:t>
-            </a:r>
-          </a:p>
-          <a:p>
-            <a:pPr marL="342899" lvl="0" indent="-342899">
-              <a:defRPr sz="1800"/>
-            </a:pPr>
-            <a:r>
-              <a:rPr lang="en-US" dirty="0" smtClean="0"/>
-              <a:t>Helps small frame sizes substantially, only slightly penalizes large frame sizes. </a:t>
-            </a:r>
+            <a:r>
+              <a:rPr lang="en-US" sz="1600" dirty="0" smtClean="0"/>
+              <a:t>SRPT: Our work regarding SRPT was based off of a similar problem regarding scheduling requests to a web server. </a:t>
+            </a:r>
+            <a:r>
+              <a:rPr lang="en-US" sz="1600" dirty="0" smtClean="0"/>
+              <a:t>Web server </a:t>
+            </a:r>
+            <a:r>
+              <a:rPr lang="en-US" sz="1600" dirty="0" smtClean="0"/>
+              <a:t>interacts on the application layer, </a:t>
+            </a:r>
+            <a:r>
+              <a:rPr lang="en-US" sz="1600" dirty="0" smtClean="0"/>
+              <a:t>has </a:t>
+            </a:r>
+            <a:r>
+              <a:rPr lang="en-US" sz="1600" dirty="0" smtClean="0"/>
+              <a:t>to worry about things such as collisions and data </a:t>
+            </a:r>
+            <a:r>
+              <a:rPr lang="en-US" sz="1600" dirty="0" smtClean="0"/>
+              <a:t>loss. </a:t>
+            </a:r>
+            <a:r>
+              <a:rPr lang="en-US" sz="1600" dirty="0" smtClean="0"/>
+              <a:t>This caused the advantage of SRPT in wireless networks to diminish. However, due to the point-to-point nature of the MAC sub-layer, data loss due to routing is not something we need to worry about. </a:t>
+            </a:r>
+          </a:p>
+          <a:p>
+            <a:r>
+              <a:rPr lang="en-US" sz="1600" dirty="0" smtClean="0"/>
+              <a:t>Frame Counter: This is a variation of slotted aloha, however instead of a static </a:t>
+            </a:r>
+            <a:r>
+              <a:rPr lang="en-US" sz="1600" dirty="0" err="1" smtClean="0"/>
+              <a:t>backoff</a:t>
+            </a:r>
+            <a:r>
+              <a:rPr lang="en-US" sz="1600" dirty="0" smtClean="0"/>
+              <a:t> counter, a random </a:t>
+            </a:r>
+            <a:r>
+              <a:rPr lang="en-US" sz="1600" dirty="0" err="1" smtClean="0"/>
+              <a:t>backoff</a:t>
+            </a:r>
+            <a:r>
+              <a:rPr lang="en-US" sz="1600" dirty="0" smtClean="0"/>
+              <a:t> based on the frames left to send </a:t>
+            </a:r>
+            <a:r>
+              <a:rPr lang="en-US" sz="1600" dirty="0" smtClean="0"/>
+              <a:t>is utilized whenever a collision </a:t>
+            </a:r>
+            <a:r>
+              <a:rPr lang="en-US" sz="1600" dirty="0" smtClean="0"/>
+              <a:t>occurs. </a:t>
+            </a:r>
+            <a:endParaRPr lang="en-US" sz="1600" dirty="0" smtClean="0"/>
           </a:p>
         </p:txBody>
       </p:sp>
     </p:spTree>
     <p:extLst>
       <p:ext uri="{BB962C8B-B14F-4D97-AF65-F5344CB8AC3E}">
-        <p14:creationId xmlns:p14="http://schemas.microsoft.com/office/powerpoint/2010/main" val="3863174944"/>
+        <p14:creationId xmlns:p14="http://schemas.microsoft.com/office/powerpoint/2010/main" val="1462519565"/>
       </p:ext>
     </p:extLst>
   </p:cSld>
   <p:clrMapOvr>
     <a:masterClrMapping/>
   </p:clrMapOvr>
-  <mc:AlternateContent xmlns:mc="http://schemas.openxmlformats.org/markup-compatibility/2006" xmlns:p14="http://schemas.microsoft.com/office/powerpoint/2010/main">
-    <mc:Choice Requires="p14">
-      <p:transition spd="slow" p14:dur="2000"/>
-    </mc:Choice>
-    <mc:Fallback xmlns="">
-      <p:transition xmlns:p14="http://schemas.microsoft.com/office/powerpoint/2010/main" spd="slow"/>
-    </mc:Fallback>
-  </mc:AlternateContent>
 </p:sld>
 </file>
 
@@ -8299,7 +8301,7 @@
       </p:grpSpPr>
       <p:sp>
         <p:nvSpPr>
-          <p:cNvPr id="61" name="Shape 61"/>
+          <p:cNvPr id="58" name="Shape 58"/>
           <p:cNvSpPr>
             <a:spLocks noGrp="1"/>
           </p:cNvSpPr>
@@ -8321,14 +8323,14 @@
             </a:pPr>
             <a:r>
               <a:rPr sz="4400"/>
-              <a:t>Frame Counter</a:t>
-            </a:r>
-          </a:p>
-        </p:txBody>
-      </p:sp>
-      <p:sp>
-        <p:nvSpPr>
-          <p:cNvPr id="62" name="Shape 62"/>
+              <a:t>SRPT</a:t>
+            </a:r>
+          </a:p>
+        </p:txBody>
+      </p:sp>
+      <p:sp>
+        <p:nvSpPr>
+          <p:cNvPr id="59" name="Shape 59"/>
           <p:cNvSpPr>
             <a:spLocks noGrp="1"/>
           </p:cNvSpPr>
@@ -8342,39 +8344,39 @@
           </a:prstGeom>
         </p:spPr>
         <p:txBody>
-          <a:bodyPr/>
-          <a:lstStyle>
-            <a:lvl1pPr marL="342899" indent="-342899">
-              <a:defRPr sz="2800"/>
-            </a:lvl1pPr>
-          </a:lstStyle>
-          <a:p>
-            <a:pPr lvl="0">
+          <a:bodyPr>
+            <a:normAutofit/>
+          </a:bodyPr>
+          <a:lstStyle/>
+          <a:p>
+            <a:pPr marL="342899" lvl="0" indent="-342899">
               <a:defRPr sz="1800"/>
             </a:pPr>
             <a:r>
-              <a:rPr sz="2800" dirty="0"/>
-              <a:t>The Maximum random </a:t>
-            </a:r>
-            <a:r>
-              <a:rPr lang="en-US" sz="2800" dirty="0" smtClean="0"/>
-              <a:t>b</a:t>
-            </a:r>
-            <a:r>
-              <a:rPr sz="2800" dirty="0" smtClean="0"/>
-              <a:t>ack </a:t>
-            </a:r>
-            <a:r>
-              <a:rPr sz="2800" dirty="0"/>
-              <a:t>off is based on the current Frame number being sent</a:t>
-            </a:r>
+              <a:rPr dirty="0"/>
+              <a:t>Based on Shortest Remaining Processing Time for Processor Scheduling</a:t>
+            </a:r>
+            <a:r>
+              <a:rPr dirty="0" smtClean="0"/>
+              <a:t>.</a:t>
+            </a:r>
+          </a:p>
+          <a:p>
+            <a:pPr marL="342899" lvl="0" indent="-342899">
+              <a:defRPr sz="1800"/>
+            </a:pPr>
+            <a:r>
+              <a:rPr dirty="0" smtClean="0"/>
+              <a:t>The maximum for the Random Back off is based on the number of Remaining Frames</a:t>
+            </a:r>
+            <a:endParaRPr lang="en-US" dirty="0" smtClean="0"/>
           </a:p>
         </p:txBody>
       </p:sp>
     </p:spTree>
     <p:extLst>
       <p:ext uri="{BB962C8B-B14F-4D97-AF65-F5344CB8AC3E}">
-        <p14:creationId xmlns:p14="http://schemas.microsoft.com/office/powerpoint/2010/main" val="3020937532"/>
+        <p14:creationId xmlns:p14="http://schemas.microsoft.com/office/powerpoint/2010/main" val="3863174944"/>
       </p:ext>
     </p:extLst>
   </p:cSld>
@@ -8411,7 +8413,7 @@
       </p:grpSpPr>
       <p:sp>
         <p:nvSpPr>
-          <p:cNvPr id="64" name="Shape 64"/>
+          <p:cNvPr id="61" name="Shape 61"/>
           <p:cNvSpPr>
             <a:spLocks noGrp="1"/>
           </p:cNvSpPr>
@@ -8433,14 +8435,14 @@
             </a:pPr>
             <a:r>
               <a:rPr sz="4400"/>
-              <a:t>Dynamic Backoff</a:t>
-            </a:r>
-          </a:p>
-        </p:txBody>
-      </p:sp>
-      <p:sp>
-        <p:nvSpPr>
-          <p:cNvPr id="65" name="Shape 65"/>
+              <a:t>Frame Counter</a:t>
+            </a:r>
+          </a:p>
+        </p:txBody>
+      </p:sp>
+      <p:sp>
+        <p:nvSpPr>
+          <p:cNvPr id="62" name="Shape 62"/>
           <p:cNvSpPr>
             <a:spLocks noGrp="1"/>
           </p:cNvSpPr>
@@ -8466,71 +8468,42 @@
             </a:pPr>
             <a:r>
               <a:rPr sz="2800" dirty="0"/>
-              <a:t>A node sends at a standard </a:t>
+              <a:t>The Maximum random </a:t>
+            </a:r>
+            <a:r>
+              <a:rPr lang="en-US" sz="2800" dirty="0" smtClean="0"/>
+              <a:t>b</a:t>
             </a:r>
             <a:r>
               <a:rPr sz="2800" dirty="0" smtClean="0"/>
-              <a:t>rate</a:t>
-            </a:r>
+              <a:t>ack </a:t>
+            </a:r>
+            <a:r>
+              <a:rPr sz="2800" dirty="0"/>
+              <a:t>off is based on the current Frame number being </a:t>
+            </a:r>
+            <a:r>
+              <a:rPr sz="2800" dirty="0" smtClean="0"/>
+              <a:t>sent</a:t>
+            </a:r>
+            <a:endParaRPr lang="en-US" sz="2800" dirty="0" smtClean="0"/>
+          </a:p>
+          <a:p>
+            <a:pPr lvl="0">
+              <a:defRPr sz="1800"/>
+            </a:pPr>
             <a:r>
               <a:rPr lang="en-US" sz="2800" dirty="0" smtClean="0"/>
-              <a:t>,</a:t>
-            </a:r>
-            <a:r>
-              <a:rPr sz="2800" dirty="0" smtClean="0"/>
-              <a:t> </a:t>
-            </a:r>
-            <a:r>
-              <a:rPr sz="2800" dirty="0"/>
-              <a:t>periodically checking the network traffic </a:t>
-            </a:r>
-            <a:r>
-              <a:rPr sz="2800" dirty="0" smtClean="0"/>
-              <a:t>level</a:t>
-            </a:r>
-            <a:r>
-              <a:rPr lang="en-US" sz="2800" dirty="0" smtClean="0"/>
-              <a:t>.</a:t>
-            </a:r>
-            <a:r>
-              <a:rPr sz="2800" dirty="0" smtClean="0"/>
-              <a:t> </a:t>
-            </a:r>
-            <a:r>
-              <a:rPr lang="en-US" sz="2800" dirty="0" smtClean="0"/>
-              <a:t>I</a:t>
-            </a:r>
-            <a:r>
-              <a:rPr sz="2800" dirty="0" smtClean="0"/>
-              <a:t>f </a:t>
-            </a:r>
-            <a:r>
-              <a:rPr sz="2800" dirty="0"/>
-              <a:t>the traffic level appears to hit a certain level, the node checks its own rate and will slow down its </a:t>
-            </a:r>
-            <a:r>
-              <a:rPr sz="2800" dirty="0" smtClean="0"/>
-              <a:t>tran</a:t>
-            </a:r>
-            <a:r>
-              <a:rPr lang="en-US" sz="2800" dirty="0" smtClean="0"/>
-              <a:t>smiss</a:t>
-            </a:r>
-            <a:r>
-              <a:rPr sz="2800" dirty="0" smtClean="0"/>
-              <a:t>ion </a:t>
-            </a:r>
-            <a:r>
-              <a:rPr sz="2800" dirty="0"/>
-              <a:t>rate based on traffic levels.</a:t>
-            </a:r>
+              <a:t>Theoretically, improvement will be similar to that of SRPT, but can handle unknown stream sizes</a:t>
+            </a:r>
+            <a:endParaRPr sz="2800" dirty="0"/>
           </a:p>
         </p:txBody>
       </p:sp>
     </p:spTree>
     <p:extLst>
       <p:ext uri="{BB962C8B-B14F-4D97-AF65-F5344CB8AC3E}">
-        <p14:creationId xmlns:p14="http://schemas.microsoft.com/office/powerpoint/2010/main" val="3273257166"/>
+        <p14:creationId xmlns:p14="http://schemas.microsoft.com/office/powerpoint/2010/main" val="3020937532"/>
       </p:ext>
     </p:extLst>
   </p:cSld>
@@ -8567,7 +8540,7 @@
       </p:grpSpPr>
       <p:sp>
         <p:nvSpPr>
-          <p:cNvPr id="2" name="Title 1"/>
+          <p:cNvPr id="64" name="Shape 64"/>
           <p:cNvSpPr>
             <a:spLocks noGrp="1"/>
           </p:cNvSpPr>
@@ -8575,22 +8548,28 @@
             <p:ph type="title"/>
           </p:nvPr>
         </p:nvSpPr>
-        <p:spPr/>
+        <p:spPr>
+          <a:prstGeom prst="rect">
+            <a:avLst/>
+          </a:prstGeom>
+        </p:spPr>
         <p:txBody>
           <a:bodyPr/>
           <a:lstStyle/>
           <a:p>
-            <a:r>
-              <a:rPr lang="en-US" dirty="0" smtClean="0"/>
-              <a:t>Conclusion</a:t>
-            </a:r>
-            <a:endParaRPr lang="en-US" dirty="0"/>
-          </a:p>
-        </p:txBody>
-      </p:sp>
-      <p:sp>
-        <p:nvSpPr>
-          <p:cNvPr id="3" name="Content Placeholder 2"/>
+            <a:pPr lvl="0">
+              <a:defRPr sz="1800"/>
+            </a:pPr>
+            <a:r>
+              <a:rPr sz="4400"/>
+              <a:t>Dynamic Backoff</a:t>
+            </a:r>
+          </a:p>
+        </p:txBody>
+      </p:sp>
+      <p:sp>
+        <p:nvSpPr>
+          <p:cNvPr id="65" name="Shape 65"/>
           <p:cNvSpPr>
             <a:spLocks noGrp="1"/>
           </p:cNvSpPr>
@@ -8598,31 +8577,103 @@
             <p:ph idx="1"/>
           </p:nvPr>
         </p:nvSpPr>
-        <p:spPr/>
+        <p:spPr>
+          <a:prstGeom prst="rect">
+            <a:avLst/>
+          </a:prstGeom>
+        </p:spPr>
         <p:txBody>
           <a:bodyPr/>
-          <a:lstStyle/>
-          <a:p>
-            <a:r>
-              <a:rPr lang="en-US" dirty="0" smtClean="0"/>
-              <a:t>It is indeed possible to increase the throughput for 802.11 using a biased MAC protocol. </a:t>
-            </a:r>
-          </a:p>
-          <a:p>
-            <a:endParaRPr lang="en-US" dirty="0"/>
+          <a:lstStyle>
+            <a:lvl1pPr marL="342899" indent="-342899">
+              <a:defRPr sz="2800"/>
+            </a:lvl1pPr>
+          </a:lstStyle>
+          <a:p>
+            <a:pPr lvl="0">
+              <a:defRPr sz="1800"/>
+            </a:pPr>
+            <a:r>
+              <a:rPr sz="2800" dirty="0"/>
+              <a:t>A node sends at a standard </a:t>
+            </a:r>
+            <a:r>
+              <a:rPr sz="2800" dirty="0" smtClean="0"/>
+              <a:t>rate</a:t>
+            </a:r>
+            <a:r>
+              <a:rPr lang="en-US" sz="2800" dirty="0" smtClean="0"/>
+              <a:t>,</a:t>
+            </a:r>
+            <a:r>
+              <a:rPr sz="2800" dirty="0" smtClean="0"/>
+              <a:t> </a:t>
+            </a:r>
+            <a:r>
+              <a:rPr sz="2800" dirty="0"/>
+              <a:t>periodically checking the network traffic </a:t>
+            </a:r>
+            <a:r>
+              <a:rPr sz="2800" dirty="0" smtClean="0"/>
+              <a:t>level</a:t>
+            </a:r>
+            <a:r>
+              <a:rPr lang="en-US" sz="2800" dirty="0" smtClean="0"/>
+              <a:t>.</a:t>
+            </a:r>
+            <a:r>
+              <a:rPr sz="2800" dirty="0" smtClean="0"/>
+              <a:t> </a:t>
+            </a:r>
+            <a:r>
+              <a:rPr lang="en-US" sz="2800" dirty="0" smtClean="0"/>
+              <a:t>I</a:t>
+            </a:r>
+            <a:r>
+              <a:rPr sz="2800" dirty="0" smtClean="0"/>
+              <a:t>f </a:t>
+            </a:r>
+            <a:r>
+              <a:rPr sz="2800" dirty="0"/>
+              <a:t>the traffic level appears to hit a certain level, the node checks its own rate and will slow down its </a:t>
+            </a:r>
+            <a:r>
+              <a:rPr sz="2800" dirty="0" smtClean="0"/>
+              <a:t>tran</a:t>
+            </a:r>
+            <a:r>
+              <a:rPr lang="en-US" sz="2800" dirty="0" smtClean="0"/>
+              <a:t>smiss</a:t>
+            </a:r>
+            <a:r>
+              <a:rPr sz="2800" dirty="0" smtClean="0"/>
+              <a:t>ion </a:t>
+            </a:r>
+            <a:r>
+              <a:rPr sz="2800" dirty="0"/>
+              <a:t>rate based on traffic levels.</a:t>
+            </a:r>
           </a:p>
         </p:txBody>
       </p:sp>
     </p:spTree>
     <p:extLst>
       <p:ext uri="{BB962C8B-B14F-4D97-AF65-F5344CB8AC3E}">
-        <p14:creationId xmlns:p14="http://schemas.microsoft.com/office/powerpoint/2010/main" val="205034036"/>
+        <p14:creationId xmlns:p14="http://schemas.microsoft.com/office/powerpoint/2010/main" val="3273257166"/>
       </p:ext>
     </p:extLst>
   </p:cSld>
   <p:clrMapOvr>
     <a:masterClrMapping/>
   </p:clrMapOvr>
+  <mc:AlternateContent xmlns:mc="http://schemas.openxmlformats.org/markup-compatibility/2006" xmlns:p14="http://schemas.microsoft.com/office/powerpoint/2010/main">
+    <mc:Choice Requires="p14">
+      <p:transition spd="slow" p14:dur="2000"/>
+    </mc:Choice>
+    <mc:Fallback xmlns="">
+      <p:transition xmlns:p14="http://schemas.microsoft.com/office/powerpoint/2010/main" spd="slow"/>
+    </mc:Fallback>
+  </mc:AlternateContent>
 </p:sld>
 </file>
 
@@ -8660,7 +8711,7 @@
           <a:p>
             <a:r>
               <a:rPr lang="en-US" dirty="0" smtClean="0"/>
-              <a:t>Related Work</a:t>
+              <a:t>Results</a:t>
             </a:r>
             <a:endParaRPr lang="en-US" dirty="0"/>
           </a:p>
@@ -8678,77 +8729,54 @@
         </p:nvSpPr>
         <p:spPr/>
         <p:txBody>
-          <a:bodyPr>
-            <a:normAutofit/>
-          </a:bodyPr>
+          <a:bodyPr/>
           <a:lstStyle/>
           <a:p>
             <a:r>
-              <a:rPr lang="en-US" sz="1600" dirty="0" smtClean="0"/>
-              <a:t>SRPT: Our work regarding SRPT was based off of a similar problem regarding scheduling requests to a web server. </a:t>
-            </a:r>
-            <a:r>
-              <a:rPr lang="en-US" sz="1600" dirty="0" smtClean="0"/>
-              <a:t>Web server </a:t>
-            </a:r>
-            <a:r>
-              <a:rPr lang="en-US" sz="1600" dirty="0" smtClean="0"/>
-              <a:t>interacts on the application layer, </a:t>
-            </a:r>
-            <a:r>
-              <a:rPr lang="en-US" sz="1600" dirty="0" smtClean="0"/>
-              <a:t>has </a:t>
-            </a:r>
-            <a:r>
-              <a:rPr lang="en-US" sz="1600" dirty="0" smtClean="0"/>
-              <a:t>to worry about things such as collisions and data </a:t>
-            </a:r>
-            <a:r>
-              <a:rPr lang="en-US" sz="1600" dirty="0" smtClean="0"/>
-              <a:t>loss. </a:t>
-            </a:r>
-            <a:r>
-              <a:rPr lang="en-US" sz="1600" dirty="0" smtClean="0"/>
-              <a:t>This caused the advantage of SRPT in wireless networks to diminish. However, due to the point-to-point nature of the MAC sub-layer, data loss due to routing is not something we need to worry about. </a:t>
-            </a:r>
-          </a:p>
-          <a:p>
-            <a:r>
-              <a:rPr lang="en-US" sz="1600" dirty="0" smtClean="0"/>
-              <a:t>Frame Counter: This is a variation of slotted aloha, however instead of a static </a:t>
-            </a:r>
-            <a:r>
-              <a:rPr lang="en-US" sz="1600" dirty="0" err="1" smtClean="0"/>
-              <a:t>backoff</a:t>
-            </a:r>
-            <a:r>
-              <a:rPr lang="en-US" sz="1600" dirty="0" smtClean="0"/>
-              <a:t> counter, a random </a:t>
-            </a:r>
-            <a:r>
-              <a:rPr lang="en-US" sz="1600" dirty="0" err="1" smtClean="0"/>
-              <a:t>backoff</a:t>
-            </a:r>
-            <a:r>
-              <a:rPr lang="en-US" sz="1600" dirty="0" smtClean="0"/>
-              <a:t> based on the frames left to send </a:t>
-            </a:r>
-            <a:r>
-              <a:rPr lang="en-US" sz="1600" dirty="0" smtClean="0"/>
-              <a:t>is utilized whenever a collision </a:t>
-            </a:r>
-            <a:r>
-              <a:rPr lang="en-US" sz="1600" dirty="0" smtClean="0"/>
-              <a:t>occurs. </a:t>
-            </a:r>
-            <a:endParaRPr lang="en-US" sz="1600" dirty="0" smtClean="0"/>
+              <a:rPr lang="en-US" dirty="0" smtClean="0"/>
+              <a:t>It is indeed possible to increase the throughput for 802.11 using a biased MAC protocol using a model based </a:t>
+            </a:r>
+            <a:r>
+              <a:rPr lang="en-US" smtClean="0"/>
+              <a:t>off of SRPT. </a:t>
+            </a:r>
+            <a:endParaRPr lang="en-US" dirty="0" smtClean="0"/>
+          </a:p>
+          <a:p>
+            <a:pPr marL="342899" lvl="0" indent="-342899">
+              <a:defRPr sz="1800"/>
+            </a:pPr>
+            <a:r>
+              <a:rPr lang="en-US" dirty="0"/>
+              <a:t>Under 0.8 load, 80% of node traffic improves by factor of </a:t>
+            </a:r>
+            <a:r>
+              <a:rPr lang="en-US" dirty="0" smtClean="0"/>
+              <a:t>10 </a:t>
+            </a:r>
+            <a:endParaRPr lang="en-US" dirty="0"/>
+          </a:p>
+          <a:p>
+            <a:pPr marL="342899" lvl="0" indent="-342899">
+              <a:defRPr sz="1800"/>
+            </a:pPr>
+            <a:r>
+              <a:rPr lang="en-US" dirty="0"/>
+              <a:t>Helps small frame sizes substantially, only slightly penalizes large frame sizes. </a:t>
+            </a:r>
+          </a:p>
+          <a:p>
+            <a:endParaRPr lang="en-US" dirty="0" smtClean="0"/>
+          </a:p>
+          <a:p>
+            <a:endParaRPr lang="en-US" dirty="0"/>
           </a:p>
         </p:txBody>
       </p:sp>
     </p:spTree>
     <p:extLst>
       <p:ext uri="{BB962C8B-B14F-4D97-AF65-F5344CB8AC3E}">
-        <p14:creationId xmlns:p14="http://schemas.microsoft.com/office/powerpoint/2010/main" val="1462519565"/>
+        <p14:creationId xmlns:p14="http://schemas.microsoft.com/office/powerpoint/2010/main" val="205034036"/>
       </p:ext>
     </p:extLst>
   </p:cSld>
